--- a/AED2.pptx
+++ b/AED2.pptx
@@ -11,9 +11,10 @@
     <p:sldId id="260" r:id="rId8"/>
     <p:sldId id="258" r:id="rId9"/>
     <p:sldId id="265" r:id="rId10"/>
-    <p:sldId id="263" r:id="rId11"/>
-    <p:sldId id="264" r:id="rId12"/>
-    <p:sldId id="259" r:id="rId13"/>
+    <p:sldId id="266" r:id="rId11"/>
+    <p:sldId id="263" r:id="rId12"/>
+    <p:sldId id="264" r:id="rId13"/>
+    <p:sldId id="259" r:id="rId14"/>
   </p:sldIdLst>
   <p:sldSz cx="12192000" cy="6858000"/>
   <p:notesSz cx="6858000" cy="9144000"/>
@@ -3969,6 +3970,787 @@
 </p:sld>
 </file>
 
+<file path=ppt/slides/slide10.xml><?xml version="1.0" encoding="utf-8"?>
+<p:sld xmlns:a="http://schemas.openxmlformats.org/drawingml/2006/main" xmlns:r="http://schemas.openxmlformats.org/officeDocument/2006/relationships" xmlns:p="http://schemas.openxmlformats.org/presentationml/2006/main">
+  <p:cSld>
+    <p:spTree>
+      <p:nvGrpSpPr>
+        <p:cNvPr id="1" name=""/>
+        <p:cNvGrpSpPr/>
+        <p:nvPr/>
+      </p:nvGrpSpPr>
+      <p:grpSpPr>
+        <a:xfrm>
+          <a:off x="0" y="0"/>
+          <a:ext cx="0" cy="0"/>
+          <a:chOff x="0" y="0"/>
+          <a:chExt cx="0" cy="0"/>
+        </a:xfrm>
+      </p:grpSpPr>
+      <p:sp>
+        <p:nvSpPr>
+          <p:cNvPr id="3" name="Content Placeholder 2">
+            <a:extLst>
+              <a:ext uri="{FF2B5EF4-FFF2-40B4-BE49-F238E27FC236}">
+                <a16:creationId xmlns:a16="http://schemas.microsoft.com/office/drawing/2014/main" id="{85F8C973-E34A-4BB1-B4F7-B731E0A66CEF}"/>
+              </a:ext>
+            </a:extLst>
+          </p:cNvPr>
+          <p:cNvSpPr>
+            <a:spLocks noGrp="1"/>
+          </p:cNvSpPr>
+          <p:nvPr>
+            <p:ph idx="1"/>
+          </p:nvPr>
+        </p:nvSpPr>
+        <p:spPr>
+          <a:xfrm>
+            <a:off x="704850" y="1835150"/>
+            <a:ext cx="11184009" cy="1544637"/>
+          </a:xfrm>
+        </p:spPr>
+        <p:txBody>
+          <a:bodyPr>
+            <a:normAutofit/>
+          </a:bodyPr>
+          <a:lstStyle/>
+          <a:p>
+            <a:pPr marL="0" indent="0">
+              <a:buNone/>
+            </a:pPr>
+            <a:r>
+              <a:rPr lang="en-US" sz="2000" b="1" dirty="0"/>
+              <a:t>Gonçalo</a:t>
+            </a:r>
+          </a:p>
+          <a:p>
+            <a:pPr marL="0" indent="0">
+              <a:buNone/>
+            </a:pPr>
+            <a:r>
+              <a:rPr lang="en-US" sz="2000" b="1" dirty="0"/>
+              <a:t>Difficulties: </a:t>
+            </a:r>
+            <a:r>
+              <a:rPr lang="en-US" sz="2000" dirty="0"/>
+              <a:t>Integrating the HTML map with graphs</a:t>
+            </a:r>
+          </a:p>
+          <a:p>
+            <a:pPr marL="0" indent="0">
+              <a:buNone/>
+            </a:pPr>
+            <a:r>
+              <a:rPr lang="en-US" sz="2000" b="1" dirty="0"/>
+              <a:t>Solution:</a:t>
+            </a:r>
+            <a:r>
+              <a:rPr lang="en-US" sz="2000" dirty="0"/>
+              <a:t> Debug and further testing</a:t>
+            </a:r>
+            <a:endParaRPr lang="en-US" sz="2000" b="1" dirty="0"/>
+          </a:p>
+        </p:txBody>
+      </p:sp>
+      <p:pic>
+        <p:nvPicPr>
+          <p:cNvPr id="5" name="Picture 4" descr="A picture containing text, clipart&#10;&#10;Description automatically generated">
+            <a:extLst>
+              <a:ext uri="{FF2B5EF4-FFF2-40B4-BE49-F238E27FC236}">
+                <a16:creationId xmlns:a16="http://schemas.microsoft.com/office/drawing/2014/main" id="{AEEF4F80-6182-437F-8FB9-E546318E1786}"/>
+              </a:ext>
+            </a:extLst>
+          </p:cNvPr>
+          <p:cNvPicPr>
+            <a:picLocks noChangeAspect="1"/>
+          </p:cNvPicPr>
+          <p:nvPr/>
+        </p:nvPicPr>
+        <p:blipFill>
+          <a:blip r:embed="rId2">
+            <a:extLst>
+              <a:ext uri="{28A0092B-C50C-407E-A947-70E740481C1C}">
+                <a14:useLocalDpi xmlns:a14="http://schemas.microsoft.com/office/drawing/2010/main" val="0"/>
+              </a:ext>
+            </a:extLst>
+          </a:blip>
+          <a:stretch>
+            <a:fillRect/>
+          </a:stretch>
+        </p:blipFill>
+        <p:spPr>
+          <a:xfrm>
+            <a:off x="8248817" y="327168"/>
+            <a:ext cx="3640043" cy="1401476"/>
+          </a:xfrm>
+          <a:prstGeom prst="rect">
+            <a:avLst/>
+          </a:prstGeom>
+        </p:spPr>
+      </p:pic>
+      <p:sp>
+        <p:nvSpPr>
+          <p:cNvPr id="6" name="Title 1">
+            <a:extLst>
+              <a:ext uri="{FF2B5EF4-FFF2-40B4-BE49-F238E27FC236}">
+                <a16:creationId xmlns:a16="http://schemas.microsoft.com/office/drawing/2014/main" id="{67EAB101-CB65-4E80-9086-38AF17265C5D}"/>
+              </a:ext>
+            </a:extLst>
+          </p:cNvPr>
+          <p:cNvSpPr txBox="1">
+            <a:spLocks/>
+          </p:cNvSpPr>
+          <p:nvPr/>
+        </p:nvSpPr>
+        <p:spPr>
+          <a:xfrm>
+            <a:off x="704851" y="570706"/>
+            <a:ext cx="7219949" cy="914399"/>
+          </a:xfrm>
+          <a:prstGeom prst="rect">
+            <a:avLst/>
+          </a:prstGeom>
+        </p:spPr>
+        <p:txBody>
+          <a:bodyPr vert="horz" lIns="91440" tIns="45720" rIns="91440" bIns="45720" rtlCol="0" anchor="ctr">
+            <a:normAutofit/>
+          </a:bodyPr>
+          <a:lstStyle>
+            <a:lvl1pPr algn="l" defTabSz="914400" rtl="0" eaLnBrk="1" latinLnBrk="0" hangingPunct="1">
+              <a:lnSpc>
+                <a:spcPct val="90000"/>
+              </a:lnSpc>
+              <a:spcBef>
+                <a:spcPct val="0"/>
+              </a:spcBef>
+              <a:buNone/>
+              <a:defRPr sz="4400" kern="1200">
+                <a:solidFill>
+                  <a:schemeClr val="tx1"/>
+                </a:solidFill>
+                <a:latin typeface="+mj-lt"/>
+                <a:ea typeface="+mj-ea"/>
+                <a:cs typeface="+mj-cs"/>
+              </a:defRPr>
+            </a:lvl1pPr>
+          </a:lstStyle>
+          <a:p>
+            <a:r>
+              <a:rPr lang="en-US" b="1" dirty="0"/>
+              <a:t>Main difficulties</a:t>
+            </a:r>
+          </a:p>
+        </p:txBody>
+      </p:sp>
+      <p:sp>
+        <p:nvSpPr>
+          <p:cNvPr id="7" name="Content Placeholder 2">
+            <a:extLst>
+              <a:ext uri="{FF2B5EF4-FFF2-40B4-BE49-F238E27FC236}">
+                <a16:creationId xmlns:a16="http://schemas.microsoft.com/office/drawing/2014/main" id="{39310F98-7E92-4CEE-BF07-75237C52E08A}"/>
+              </a:ext>
+            </a:extLst>
+          </p:cNvPr>
+          <p:cNvSpPr txBox="1">
+            <a:spLocks/>
+          </p:cNvSpPr>
+          <p:nvPr/>
+        </p:nvSpPr>
+        <p:spPr>
+          <a:xfrm>
+            <a:off x="704851" y="3478214"/>
+            <a:ext cx="11184008" cy="1665286"/>
+          </a:xfrm>
+          <a:prstGeom prst="rect">
+            <a:avLst/>
+          </a:prstGeom>
+        </p:spPr>
+        <p:txBody>
+          <a:bodyPr vert="horz" lIns="91440" tIns="45720" rIns="91440" bIns="45720" rtlCol="0">
+            <a:normAutofit/>
+          </a:bodyPr>
+          <a:lstStyle>
+            <a:lvl1pPr marL="228600" indent="-228600" algn="l" defTabSz="914400" rtl="0" eaLnBrk="1" latinLnBrk="0" hangingPunct="1">
+              <a:lnSpc>
+                <a:spcPct val="90000"/>
+              </a:lnSpc>
+              <a:spcBef>
+                <a:spcPts val="1000"/>
+              </a:spcBef>
+              <a:buFont typeface="Arial" panose="020B0604020202020204" pitchFamily="34" charset="0"/>
+              <a:buChar char="•"/>
+              <a:defRPr sz="2800" kern="1200">
+                <a:solidFill>
+                  <a:schemeClr val="tx1"/>
+                </a:solidFill>
+                <a:latin typeface="+mn-lt"/>
+                <a:ea typeface="+mn-ea"/>
+                <a:cs typeface="+mn-cs"/>
+              </a:defRPr>
+            </a:lvl1pPr>
+            <a:lvl2pPr marL="685800" indent="-228600" algn="l" defTabSz="914400" rtl="0" eaLnBrk="1" latinLnBrk="0" hangingPunct="1">
+              <a:lnSpc>
+                <a:spcPct val="90000"/>
+              </a:lnSpc>
+              <a:spcBef>
+                <a:spcPts val="500"/>
+              </a:spcBef>
+              <a:buFont typeface="Arial" panose="020B0604020202020204" pitchFamily="34" charset="0"/>
+              <a:buChar char="•"/>
+              <a:defRPr sz="2400" kern="1200">
+                <a:solidFill>
+                  <a:schemeClr val="tx1"/>
+                </a:solidFill>
+                <a:latin typeface="+mn-lt"/>
+                <a:ea typeface="+mn-ea"/>
+                <a:cs typeface="+mn-cs"/>
+              </a:defRPr>
+            </a:lvl2pPr>
+            <a:lvl3pPr marL="1143000" indent="-228600" algn="l" defTabSz="914400" rtl="0" eaLnBrk="1" latinLnBrk="0" hangingPunct="1">
+              <a:lnSpc>
+                <a:spcPct val="90000"/>
+              </a:lnSpc>
+              <a:spcBef>
+                <a:spcPts val="500"/>
+              </a:spcBef>
+              <a:buFont typeface="Arial" panose="020B0604020202020204" pitchFamily="34" charset="0"/>
+              <a:buChar char="•"/>
+              <a:defRPr sz="2000" kern="1200">
+                <a:solidFill>
+                  <a:schemeClr val="tx1"/>
+                </a:solidFill>
+                <a:latin typeface="+mn-lt"/>
+                <a:ea typeface="+mn-ea"/>
+                <a:cs typeface="+mn-cs"/>
+              </a:defRPr>
+            </a:lvl3pPr>
+            <a:lvl4pPr marL="1600200" indent="-228600" algn="l" defTabSz="914400" rtl="0" eaLnBrk="1" latinLnBrk="0" hangingPunct="1">
+              <a:lnSpc>
+                <a:spcPct val="90000"/>
+              </a:lnSpc>
+              <a:spcBef>
+                <a:spcPts val="500"/>
+              </a:spcBef>
+              <a:buFont typeface="Arial" panose="020B0604020202020204" pitchFamily="34" charset="0"/>
+              <a:buChar char="•"/>
+              <a:defRPr sz="1800" kern="1200">
+                <a:solidFill>
+                  <a:schemeClr val="tx1"/>
+                </a:solidFill>
+                <a:latin typeface="+mn-lt"/>
+                <a:ea typeface="+mn-ea"/>
+                <a:cs typeface="+mn-cs"/>
+              </a:defRPr>
+            </a:lvl4pPr>
+            <a:lvl5pPr marL="2057400" indent="-228600" algn="l" defTabSz="914400" rtl="0" eaLnBrk="1" latinLnBrk="0" hangingPunct="1">
+              <a:lnSpc>
+                <a:spcPct val="90000"/>
+              </a:lnSpc>
+              <a:spcBef>
+                <a:spcPts val="500"/>
+              </a:spcBef>
+              <a:buFont typeface="Arial" panose="020B0604020202020204" pitchFamily="34" charset="0"/>
+              <a:buChar char="•"/>
+              <a:defRPr sz="1800" kern="1200">
+                <a:solidFill>
+                  <a:schemeClr val="tx1"/>
+                </a:solidFill>
+                <a:latin typeface="+mn-lt"/>
+                <a:ea typeface="+mn-ea"/>
+                <a:cs typeface="+mn-cs"/>
+              </a:defRPr>
+            </a:lvl5pPr>
+            <a:lvl6pPr marL="2514600" indent="-228600" algn="l" defTabSz="914400" rtl="0" eaLnBrk="1" latinLnBrk="0" hangingPunct="1">
+              <a:lnSpc>
+                <a:spcPct val="90000"/>
+              </a:lnSpc>
+              <a:spcBef>
+                <a:spcPts val="500"/>
+              </a:spcBef>
+              <a:buFont typeface="Arial" panose="020B0604020202020204" pitchFamily="34" charset="0"/>
+              <a:buChar char="•"/>
+              <a:defRPr sz="1800" kern="1200">
+                <a:solidFill>
+                  <a:schemeClr val="tx1"/>
+                </a:solidFill>
+                <a:latin typeface="+mn-lt"/>
+                <a:ea typeface="+mn-ea"/>
+                <a:cs typeface="+mn-cs"/>
+              </a:defRPr>
+            </a:lvl6pPr>
+            <a:lvl7pPr marL="2971800" indent="-228600" algn="l" defTabSz="914400" rtl="0" eaLnBrk="1" latinLnBrk="0" hangingPunct="1">
+              <a:lnSpc>
+                <a:spcPct val="90000"/>
+              </a:lnSpc>
+              <a:spcBef>
+                <a:spcPts val="500"/>
+              </a:spcBef>
+              <a:buFont typeface="Arial" panose="020B0604020202020204" pitchFamily="34" charset="0"/>
+              <a:buChar char="•"/>
+              <a:defRPr sz="1800" kern="1200">
+                <a:solidFill>
+                  <a:schemeClr val="tx1"/>
+                </a:solidFill>
+                <a:latin typeface="+mn-lt"/>
+                <a:ea typeface="+mn-ea"/>
+                <a:cs typeface="+mn-cs"/>
+              </a:defRPr>
+            </a:lvl7pPr>
+            <a:lvl8pPr marL="3429000" indent="-228600" algn="l" defTabSz="914400" rtl="0" eaLnBrk="1" latinLnBrk="0" hangingPunct="1">
+              <a:lnSpc>
+                <a:spcPct val="90000"/>
+              </a:lnSpc>
+              <a:spcBef>
+                <a:spcPts val="500"/>
+              </a:spcBef>
+              <a:buFont typeface="Arial" panose="020B0604020202020204" pitchFamily="34" charset="0"/>
+              <a:buChar char="•"/>
+              <a:defRPr sz="1800" kern="1200">
+                <a:solidFill>
+                  <a:schemeClr val="tx1"/>
+                </a:solidFill>
+                <a:latin typeface="+mn-lt"/>
+                <a:ea typeface="+mn-ea"/>
+                <a:cs typeface="+mn-cs"/>
+              </a:defRPr>
+            </a:lvl8pPr>
+            <a:lvl9pPr marL="3886200" indent="-228600" algn="l" defTabSz="914400" rtl="0" eaLnBrk="1" latinLnBrk="0" hangingPunct="1">
+              <a:lnSpc>
+                <a:spcPct val="90000"/>
+              </a:lnSpc>
+              <a:spcBef>
+                <a:spcPts val="500"/>
+              </a:spcBef>
+              <a:buFont typeface="Arial" panose="020B0604020202020204" pitchFamily="34" charset="0"/>
+              <a:buChar char="•"/>
+              <a:defRPr sz="1800" kern="1200">
+                <a:solidFill>
+                  <a:schemeClr val="tx1"/>
+                </a:solidFill>
+                <a:latin typeface="+mn-lt"/>
+                <a:ea typeface="+mn-ea"/>
+                <a:cs typeface="+mn-cs"/>
+              </a:defRPr>
+            </a:lvl9pPr>
+          </a:lstStyle>
+          <a:p>
+            <a:pPr marL="0" indent="0">
+              <a:buFont typeface="Arial" panose="020B0604020202020204" pitchFamily="34" charset="0"/>
+              <a:buNone/>
+            </a:pPr>
+            <a:r>
+              <a:rPr lang="en-US" sz="2000" b="1" dirty="0"/>
+              <a:t>Guilherme</a:t>
+            </a:r>
+          </a:p>
+          <a:p>
+            <a:pPr marL="0" indent="0">
+              <a:buFont typeface="Arial" panose="020B0604020202020204" pitchFamily="34" charset="0"/>
+              <a:buNone/>
+            </a:pPr>
+            <a:r>
+              <a:rPr lang="en-US" sz="2000" b="1" dirty="0"/>
+              <a:t>Difficulties: </a:t>
+            </a:r>
+            <a:r>
+              <a:rPr lang="en-US" sz="2000" dirty="0"/>
+              <a:t>Difficulty implementing algorithms</a:t>
+            </a:r>
+          </a:p>
+          <a:p>
+            <a:pPr marL="0" indent="0">
+              <a:buFont typeface="Arial" panose="020B0604020202020204" pitchFamily="34" charset="0"/>
+              <a:buNone/>
+            </a:pPr>
+            <a:r>
+              <a:rPr lang="en-US" sz="2000" b="1" dirty="0"/>
+              <a:t>Solution: </a:t>
+            </a:r>
+            <a:r>
+              <a:rPr lang="en-US" sz="2000" dirty="0"/>
+              <a:t>Sketching how they would work on paper (a more theoretical approach)</a:t>
+            </a:r>
+            <a:endParaRPr lang="en-US" sz="2000" b="1" dirty="0"/>
+          </a:p>
+        </p:txBody>
+      </p:sp>
+      <p:sp>
+        <p:nvSpPr>
+          <p:cNvPr id="8" name="Content Placeholder 2">
+            <a:extLst>
+              <a:ext uri="{FF2B5EF4-FFF2-40B4-BE49-F238E27FC236}">
+                <a16:creationId xmlns:a16="http://schemas.microsoft.com/office/drawing/2014/main" id="{68BFCEB8-3807-4C47-B9C8-3FE24DB718D8}"/>
+              </a:ext>
+            </a:extLst>
+          </p:cNvPr>
+          <p:cNvSpPr txBox="1">
+            <a:spLocks/>
+          </p:cNvSpPr>
+          <p:nvPr/>
+        </p:nvSpPr>
+        <p:spPr>
+          <a:xfrm>
+            <a:off x="704850" y="5100644"/>
+            <a:ext cx="11184008" cy="1665286"/>
+          </a:xfrm>
+          <a:prstGeom prst="rect">
+            <a:avLst/>
+          </a:prstGeom>
+        </p:spPr>
+        <p:txBody>
+          <a:bodyPr vert="horz" lIns="91440" tIns="45720" rIns="91440" bIns="45720" rtlCol="0">
+            <a:normAutofit/>
+          </a:bodyPr>
+          <a:lstStyle>
+            <a:lvl1pPr marL="228600" indent="-228600" algn="l" defTabSz="914400" rtl="0" eaLnBrk="1" latinLnBrk="0" hangingPunct="1">
+              <a:lnSpc>
+                <a:spcPct val="90000"/>
+              </a:lnSpc>
+              <a:spcBef>
+                <a:spcPts val="1000"/>
+              </a:spcBef>
+              <a:buFont typeface="Arial" panose="020B0604020202020204" pitchFamily="34" charset="0"/>
+              <a:buChar char="•"/>
+              <a:defRPr sz="2800" kern="1200">
+                <a:solidFill>
+                  <a:schemeClr val="tx1"/>
+                </a:solidFill>
+                <a:latin typeface="+mn-lt"/>
+                <a:ea typeface="+mn-ea"/>
+                <a:cs typeface="+mn-cs"/>
+              </a:defRPr>
+            </a:lvl1pPr>
+            <a:lvl2pPr marL="685800" indent="-228600" algn="l" defTabSz="914400" rtl="0" eaLnBrk="1" latinLnBrk="0" hangingPunct="1">
+              <a:lnSpc>
+                <a:spcPct val="90000"/>
+              </a:lnSpc>
+              <a:spcBef>
+                <a:spcPts val="500"/>
+              </a:spcBef>
+              <a:buFont typeface="Arial" panose="020B0604020202020204" pitchFamily="34" charset="0"/>
+              <a:buChar char="•"/>
+              <a:defRPr sz="2400" kern="1200">
+                <a:solidFill>
+                  <a:schemeClr val="tx1"/>
+                </a:solidFill>
+                <a:latin typeface="+mn-lt"/>
+                <a:ea typeface="+mn-ea"/>
+                <a:cs typeface="+mn-cs"/>
+              </a:defRPr>
+            </a:lvl2pPr>
+            <a:lvl3pPr marL="1143000" indent="-228600" algn="l" defTabSz="914400" rtl="0" eaLnBrk="1" latinLnBrk="0" hangingPunct="1">
+              <a:lnSpc>
+                <a:spcPct val="90000"/>
+              </a:lnSpc>
+              <a:spcBef>
+                <a:spcPts val="500"/>
+              </a:spcBef>
+              <a:buFont typeface="Arial" panose="020B0604020202020204" pitchFamily="34" charset="0"/>
+              <a:buChar char="•"/>
+              <a:defRPr sz="2000" kern="1200">
+                <a:solidFill>
+                  <a:schemeClr val="tx1"/>
+                </a:solidFill>
+                <a:latin typeface="+mn-lt"/>
+                <a:ea typeface="+mn-ea"/>
+                <a:cs typeface="+mn-cs"/>
+              </a:defRPr>
+            </a:lvl3pPr>
+            <a:lvl4pPr marL="1600200" indent="-228600" algn="l" defTabSz="914400" rtl="0" eaLnBrk="1" latinLnBrk="0" hangingPunct="1">
+              <a:lnSpc>
+                <a:spcPct val="90000"/>
+              </a:lnSpc>
+              <a:spcBef>
+                <a:spcPts val="500"/>
+              </a:spcBef>
+              <a:buFont typeface="Arial" panose="020B0604020202020204" pitchFamily="34" charset="0"/>
+              <a:buChar char="•"/>
+              <a:defRPr sz="1800" kern="1200">
+                <a:solidFill>
+                  <a:schemeClr val="tx1"/>
+                </a:solidFill>
+                <a:latin typeface="+mn-lt"/>
+                <a:ea typeface="+mn-ea"/>
+                <a:cs typeface="+mn-cs"/>
+              </a:defRPr>
+            </a:lvl4pPr>
+            <a:lvl5pPr marL="2057400" indent="-228600" algn="l" defTabSz="914400" rtl="0" eaLnBrk="1" latinLnBrk="0" hangingPunct="1">
+              <a:lnSpc>
+                <a:spcPct val="90000"/>
+              </a:lnSpc>
+              <a:spcBef>
+                <a:spcPts val="500"/>
+              </a:spcBef>
+              <a:buFont typeface="Arial" panose="020B0604020202020204" pitchFamily="34" charset="0"/>
+              <a:buChar char="•"/>
+              <a:defRPr sz="1800" kern="1200">
+                <a:solidFill>
+                  <a:schemeClr val="tx1"/>
+                </a:solidFill>
+                <a:latin typeface="+mn-lt"/>
+                <a:ea typeface="+mn-ea"/>
+                <a:cs typeface="+mn-cs"/>
+              </a:defRPr>
+            </a:lvl5pPr>
+            <a:lvl6pPr marL="2514600" indent="-228600" algn="l" defTabSz="914400" rtl="0" eaLnBrk="1" latinLnBrk="0" hangingPunct="1">
+              <a:lnSpc>
+                <a:spcPct val="90000"/>
+              </a:lnSpc>
+              <a:spcBef>
+                <a:spcPts val="500"/>
+              </a:spcBef>
+              <a:buFont typeface="Arial" panose="020B0604020202020204" pitchFamily="34" charset="0"/>
+              <a:buChar char="•"/>
+              <a:defRPr sz="1800" kern="1200">
+                <a:solidFill>
+                  <a:schemeClr val="tx1"/>
+                </a:solidFill>
+                <a:latin typeface="+mn-lt"/>
+                <a:ea typeface="+mn-ea"/>
+                <a:cs typeface="+mn-cs"/>
+              </a:defRPr>
+            </a:lvl6pPr>
+            <a:lvl7pPr marL="2971800" indent="-228600" algn="l" defTabSz="914400" rtl="0" eaLnBrk="1" latinLnBrk="0" hangingPunct="1">
+              <a:lnSpc>
+                <a:spcPct val="90000"/>
+              </a:lnSpc>
+              <a:spcBef>
+                <a:spcPts val="500"/>
+              </a:spcBef>
+              <a:buFont typeface="Arial" panose="020B0604020202020204" pitchFamily="34" charset="0"/>
+              <a:buChar char="•"/>
+              <a:defRPr sz="1800" kern="1200">
+                <a:solidFill>
+                  <a:schemeClr val="tx1"/>
+                </a:solidFill>
+                <a:latin typeface="+mn-lt"/>
+                <a:ea typeface="+mn-ea"/>
+                <a:cs typeface="+mn-cs"/>
+              </a:defRPr>
+            </a:lvl7pPr>
+            <a:lvl8pPr marL="3429000" indent="-228600" algn="l" defTabSz="914400" rtl="0" eaLnBrk="1" latinLnBrk="0" hangingPunct="1">
+              <a:lnSpc>
+                <a:spcPct val="90000"/>
+              </a:lnSpc>
+              <a:spcBef>
+                <a:spcPts val="500"/>
+              </a:spcBef>
+              <a:buFont typeface="Arial" panose="020B0604020202020204" pitchFamily="34" charset="0"/>
+              <a:buChar char="•"/>
+              <a:defRPr sz="1800" kern="1200">
+                <a:solidFill>
+                  <a:schemeClr val="tx1"/>
+                </a:solidFill>
+                <a:latin typeface="+mn-lt"/>
+                <a:ea typeface="+mn-ea"/>
+                <a:cs typeface="+mn-cs"/>
+              </a:defRPr>
+            </a:lvl8pPr>
+            <a:lvl9pPr marL="3886200" indent="-228600" algn="l" defTabSz="914400" rtl="0" eaLnBrk="1" latinLnBrk="0" hangingPunct="1">
+              <a:lnSpc>
+                <a:spcPct val="90000"/>
+              </a:lnSpc>
+              <a:spcBef>
+                <a:spcPts val="500"/>
+              </a:spcBef>
+              <a:buFont typeface="Arial" panose="020B0604020202020204" pitchFamily="34" charset="0"/>
+              <a:buChar char="•"/>
+              <a:defRPr sz="1800" kern="1200">
+                <a:solidFill>
+                  <a:schemeClr val="tx1"/>
+                </a:solidFill>
+                <a:latin typeface="+mn-lt"/>
+                <a:ea typeface="+mn-ea"/>
+                <a:cs typeface="+mn-cs"/>
+              </a:defRPr>
+            </a:lvl9pPr>
+          </a:lstStyle>
+          <a:p>
+            <a:pPr marL="0" indent="0">
+              <a:buFont typeface="Arial" panose="020B0604020202020204" pitchFamily="34" charset="0"/>
+              <a:buNone/>
+            </a:pPr>
+            <a:r>
+              <a:rPr lang="en-US" sz="2000" b="1" dirty="0"/>
+              <a:t>Pedro</a:t>
+            </a:r>
+          </a:p>
+          <a:p>
+            <a:pPr marL="0" indent="0">
+              <a:buFont typeface="Arial" panose="020B0604020202020204" pitchFamily="34" charset="0"/>
+              <a:buNone/>
+            </a:pPr>
+            <a:r>
+              <a:rPr lang="en-US" sz="2000" b="1" dirty="0"/>
+              <a:t>Difficulties: </a:t>
+            </a:r>
+            <a:r>
+              <a:rPr lang="en-US" sz="2000" dirty="0"/>
+              <a:t>Difficulty implementing algorithms</a:t>
+            </a:r>
+          </a:p>
+          <a:p>
+            <a:pPr marL="0" indent="0">
+              <a:buFont typeface="Arial" panose="020B0604020202020204" pitchFamily="34" charset="0"/>
+              <a:buNone/>
+            </a:pPr>
+            <a:r>
+              <a:rPr lang="en-US" sz="2000" b="1" dirty="0"/>
+              <a:t>Solution: </a:t>
+            </a:r>
+            <a:r>
+              <a:rPr lang="en-US" sz="2000" dirty="0"/>
+              <a:t>Redoing the recitations exercises (a more practical approach)</a:t>
+            </a:r>
+            <a:endParaRPr lang="en-US" sz="2000" b="1" dirty="0"/>
+          </a:p>
+        </p:txBody>
+      </p:sp>
+      <p:sp>
+        <p:nvSpPr>
+          <p:cNvPr id="9" name="TextBox 8">
+            <a:extLst>
+              <a:ext uri="{FF2B5EF4-FFF2-40B4-BE49-F238E27FC236}">
+                <a16:creationId xmlns:a16="http://schemas.microsoft.com/office/drawing/2014/main" id="{DA109AE7-535F-41B3-B2F8-1628096C986E}"/>
+              </a:ext>
+            </a:extLst>
+          </p:cNvPr>
+          <p:cNvSpPr txBox="1"/>
+          <p:nvPr/>
+        </p:nvSpPr>
+        <p:spPr>
+          <a:xfrm>
+            <a:off x="10734675" y="2143779"/>
+            <a:ext cx="947738" cy="523220"/>
+          </a:xfrm>
+          <a:prstGeom prst="rect">
+            <a:avLst/>
+          </a:prstGeom>
+          <a:noFill/>
+        </p:spPr>
+        <p:txBody>
+          <a:bodyPr wrap="square">
+            <a:spAutoFit/>
+          </a:bodyPr>
+          <a:lstStyle/>
+          <a:p>
+            <a:r>
+              <a:rPr lang="en-US" sz="2800" b="1" dirty="0">
+                <a:solidFill>
+                  <a:srgbClr val="993300"/>
+                </a:solidFill>
+              </a:rPr>
+              <a:t>33%</a:t>
+            </a:r>
+            <a:endParaRPr lang="en-US" sz="2800" dirty="0">
+              <a:solidFill>
+                <a:srgbClr val="993300"/>
+              </a:solidFill>
+            </a:endParaRPr>
+          </a:p>
+        </p:txBody>
+      </p:sp>
+      <p:sp>
+        <p:nvSpPr>
+          <p:cNvPr id="10" name="TextBox 9">
+            <a:extLst>
+              <a:ext uri="{FF2B5EF4-FFF2-40B4-BE49-F238E27FC236}">
+                <a16:creationId xmlns:a16="http://schemas.microsoft.com/office/drawing/2014/main" id="{B8BC0A5A-E9E0-4792-A04C-279C9FF8733F}"/>
+              </a:ext>
+            </a:extLst>
+          </p:cNvPr>
+          <p:cNvSpPr txBox="1"/>
+          <p:nvPr/>
+        </p:nvSpPr>
+        <p:spPr>
+          <a:xfrm>
+            <a:off x="10734675" y="3739214"/>
+            <a:ext cx="947738" cy="523220"/>
+          </a:xfrm>
+          <a:prstGeom prst="rect">
+            <a:avLst/>
+          </a:prstGeom>
+          <a:noFill/>
+        </p:spPr>
+        <p:txBody>
+          <a:bodyPr wrap="square">
+            <a:spAutoFit/>
+          </a:bodyPr>
+          <a:lstStyle/>
+          <a:p>
+            <a:r>
+              <a:rPr lang="en-US" sz="2800" b="1" dirty="0">
+                <a:solidFill>
+                  <a:srgbClr val="993300"/>
+                </a:solidFill>
+              </a:rPr>
+              <a:t>33%</a:t>
+            </a:r>
+            <a:endParaRPr lang="en-US" sz="2800" dirty="0">
+              <a:solidFill>
+                <a:srgbClr val="993300"/>
+              </a:solidFill>
+            </a:endParaRPr>
+          </a:p>
+        </p:txBody>
+      </p:sp>
+      <p:sp>
+        <p:nvSpPr>
+          <p:cNvPr id="11" name="TextBox 10">
+            <a:extLst>
+              <a:ext uri="{FF2B5EF4-FFF2-40B4-BE49-F238E27FC236}">
+                <a16:creationId xmlns:a16="http://schemas.microsoft.com/office/drawing/2014/main" id="{022C3A47-AB11-450B-88E6-658C9036CEBC}"/>
+              </a:ext>
+            </a:extLst>
+          </p:cNvPr>
+          <p:cNvSpPr txBox="1"/>
+          <p:nvPr/>
+        </p:nvSpPr>
+        <p:spPr>
+          <a:xfrm>
+            <a:off x="10729909" y="5534678"/>
+            <a:ext cx="947738" cy="523220"/>
+          </a:xfrm>
+          <a:prstGeom prst="rect">
+            <a:avLst/>
+          </a:prstGeom>
+          <a:noFill/>
+        </p:spPr>
+        <p:txBody>
+          <a:bodyPr wrap="square">
+            <a:spAutoFit/>
+          </a:bodyPr>
+          <a:lstStyle/>
+          <a:p>
+            <a:r>
+              <a:rPr lang="en-US" sz="2800" b="1" dirty="0">
+                <a:solidFill>
+                  <a:srgbClr val="993300"/>
+                </a:solidFill>
+              </a:rPr>
+              <a:t>33%</a:t>
+            </a:r>
+            <a:endParaRPr lang="en-US" sz="2800" dirty="0">
+              <a:solidFill>
+                <a:srgbClr val="993300"/>
+              </a:solidFill>
+            </a:endParaRPr>
+          </a:p>
+        </p:txBody>
+      </p:sp>
+    </p:spTree>
+    <p:extLst>
+      <p:ext uri="{BB962C8B-B14F-4D97-AF65-F5344CB8AC3E}">
+        <p14:creationId xmlns:p14="http://schemas.microsoft.com/office/powerpoint/2010/main" val="1359252564"/>
+      </p:ext>
+    </p:extLst>
+  </p:cSld>
+  <p:clrMapOvr>
+    <a:masterClrMapping/>
+  </p:clrMapOvr>
+</p:sld>
+</file>
+
 <file path=ppt/slides/slide2.xml><?xml version="1.0" encoding="utf-8"?>
 <p:sld xmlns:a="http://schemas.openxmlformats.org/drawingml/2006/main" xmlns:r="http://schemas.openxmlformats.org/officeDocument/2006/relationships" xmlns:p="http://schemas.openxmlformats.org/presentationml/2006/main">
   <p:cSld>
@@ -4188,45 +4970,6 @@
           <a:chExt cx="0" cy="0"/>
         </a:xfrm>
       </p:grpSpPr>
-      <p:sp>
-        <p:nvSpPr>
-          <p:cNvPr id="3" name="Content Placeholder 2">
-            <a:extLst>
-              <a:ext uri="{FF2B5EF4-FFF2-40B4-BE49-F238E27FC236}">
-                <a16:creationId xmlns:a16="http://schemas.microsoft.com/office/drawing/2014/main" id="{85F8C973-E34A-4BB1-B4F7-B731E0A66CEF}"/>
-              </a:ext>
-            </a:extLst>
-          </p:cNvPr>
-          <p:cNvSpPr>
-            <a:spLocks noGrp="1"/>
-          </p:cNvSpPr>
-          <p:nvPr>
-            <p:ph idx="1"/>
-          </p:nvPr>
-        </p:nvSpPr>
-        <p:spPr>
-          <a:xfrm>
-            <a:off x="2947986" y="3339040"/>
-            <a:ext cx="4976814" cy="780782"/>
-          </a:xfrm>
-        </p:spPr>
-        <p:txBody>
-          <a:bodyPr>
-            <a:normAutofit/>
-          </a:bodyPr>
-          <a:lstStyle/>
-          <a:p>
-            <a:pPr marL="0" indent="0" algn="ctr">
-              <a:buNone/>
-            </a:pPr>
-            <a:r>
-              <a:rPr lang="en-US" sz="2000" dirty="0"/>
-              <a:t>The dataset is treated as a normal input, this will be elaborated in User Interface</a:t>
-            </a:r>
-            <a:endParaRPr lang="en-US" sz="2000" b="1" dirty="0"/>
-          </a:p>
-        </p:txBody>
-      </p:sp>
       <p:pic>
         <p:nvPicPr>
           <p:cNvPr id="5" name="Picture 4" descr="A picture containing text, clipart&#10;&#10;Description automatically generated">
@@ -4319,703 +5062,6 @@
       </p:sp>
       <p:sp>
         <p:nvSpPr>
-          <p:cNvPr id="7" name="Content Placeholder 2">
-            <a:extLst>
-              <a:ext uri="{FF2B5EF4-FFF2-40B4-BE49-F238E27FC236}">
-                <a16:creationId xmlns:a16="http://schemas.microsoft.com/office/drawing/2014/main" id="{37CCB2DE-3C9A-4ACB-ABD9-E662BE508496}"/>
-              </a:ext>
-            </a:extLst>
-          </p:cNvPr>
-          <p:cNvSpPr txBox="1">
-            <a:spLocks/>
-          </p:cNvSpPr>
-          <p:nvPr/>
-        </p:nvSpPr>
-        <p:spPr>
-          <a:xfrm>
-            <a:off x="1490675" y="3501625"/>
-            <a:ext cx="1038225" cy="455613"/>
-          </a:xfrm>
-          <a:prstGeom prst="rect">
-            <a:avLst/>
-          </a:prstGeom>
-        </p:spPr>
-        <p:txBody>
-          <a:bodyPr vert="horz" lIns="91440" tIns="45720" rIns="91440" bIns="45720" rtlCol="0">
-            <a:normAutofit/>
-          </a:bodyPr>
-          <a:lstStyle>
-            <a:lvl1pPr marL="228600" indent="-228600" algn="l" defTabSz="914400" rtl="0" eaLnBrk="1" latinLnBrk="0" hangingPunct="1">
-              <a:lnSpc>
-                <a:spcPct val="90000"/>
-              </a:lnSpc>
-              <a:spcBef>
-                <a:spcPts val="1000"/>
-              </a:spcBef>
-              <a:buFont typeface="Arial" panose="020B0604020202020204" pitchFamily="34" charset="0"/>
-              <a:buChar char="•"/>
-              <a:defRPr sz="2800" kern="1200">
-                <a:solidFill>
-                  <a:schemeClr val="tx1"/>
-                </a:solidFill>
-                <a:latin typeface="+mn-lt"/>
-                <a:ea typeface="+mn-ea"/>
-                <a:cs typeface="+mn-cs"/>
-              </a:defRPr>
-            </a:lvl1pPr>
-            <a:lvl2pPr marL="685800" indent="-228600" algn="l" defTabSz="914400" rtl="0" eaLnBrk="1" latinLnBrk="0" hangingPunct="1">
-              <a:lnSpc>
-                <a:spcPct val="90000"/>
-              </a:lnSpc>
-              <a:spcBef>
-                <a:spcPts val="500"/>
-              </a:spcBef>
-              <a:buFont typeface="Arial" panose="020B0604020202020204" pitchFamily="34" charset="0"/>
-              <a:buChar char="•"/>
-              <a:defRPr sz="2400" kern="1200">
-                <a:solidFill>
-                  <a:schemeClr val="tx1"/>
-                </a:solidFill>
-                <a:latin typeface="+mn-lt"/>
-                <a:ea typeface="+mn-ea"/>
-                <a:cs typeface="+mn-cs"/>
-              </a:defRPr>
-            </a:lvl2pPr>
-            <a:lvl3pPr marL="1143000" indent="-228600" algn="l" defTabSz="914400" rtl="0" eaLnBrk="1" latinLnBrk="0" hangingPunct="1">
-              <a:lnSpc>
-                <a:spcPct val="90000"/>
-              </a:lnSpc>
-              <a:spcBef>
-                <a:spcPts val="500"/>
-              </a:spcBef>
-              <a:buFont typeface="Arial" panose="020B0604020202020204" pitchFamily="34" charset="0"/>
-              <a:buChar char="•"/>
-              <a:defRPr sz="2000" kern="1200">
-                <a:solidFill>
-                  <a:schemeClr val="tx1"/>
-                </a:solidFill>
-                <a:latin typeface="+mn-lt"/>
-                <a:ea typeface="+mn-ea"/>
-                <a:cs typeface="+mn-cs"/>
-              </a:defRPr>
-            </a:lvl3pPr>
-            <a:lvl4pPr marL="1600200" indent="-228600" algn="l" defTabSz="914400" rtl="0" eaLnBrk="1" latinLnBrk="0" hangingPunct="1">
-              <a:lnSpc>
-                <a:spcPct val="90000"/>
-              </a:lnSpc>
-              <a:spcBef>
-                <a:spcPts val="500"/>
-              </a:spcBef>
-              <a:buFont typeface="Arial" panose="020B0604020202020204" pitchFamily="34" charset="0"/>
-              <a:buChar char="•"/>
-              <a:defRPr sz="1800" kern="1200">
-                <a:solidFill>
-                  <a:schemeClr val="tx1"/>
-                </a:solidFill>
-                <a:latin typeface="+mn-lt"/>
-                <a:ea typeface="+mn-ea"/>
-                <a:cs typeface="+mn-cs"/>
-              </a:defRPr>
-            </a:lvl4pPr>
-            <a:lvl5pPr marL="2057400" indent="-228600" algn="l" defTabSz="914400" rtl="0" eaLnBrk="1" latinLnBrk="0" hangingPunct="1">
-              <a:lnSpc>
-                <a:spcPct val="90000"/>
-              </a:lnSpc>
-              <a:spcBef>
-                <a:spcPts val="500"/>
-              </a:spcBef>
-              <a:buFont typeface="Arial" panose="020B0604020202020204" pitchFamily="34" charset="0"/>
-              <a:buChar char="•"/>
-              <a:defRPr sz="1800" kern="1200">
-                <a:solidFill>
-                  <a:schemeClr val="tx1"/>
-                </a:solidFill>
-                <a:latin typeface="+mn-lt"/>
-                <a:ea typeface="+mn-ea"/>
-                <a:cs typeface="+mn-cs"/>
-              </a:defRPr>
-            </a:lvl5pPr>
-            <a:lvl6pPr marL="2514600" indent="-228600" algn="l" defTabSz="914400" rtl="0" eaLnBrk="1" latinLnBrk="0" hangingPunct="1">
-              <a:lnSpc>
-                <a:spcPct val="90000"/>
-              </a:lnSpc>
-              <a:spcBef>
-                <a:spcPts val="500"/>
-              </a:spcBef>
-              <a:buFont typeface="Arial" panose="020B0604020202020204" pitchFamily="34" charset="0"/>
-              <a:buChar char="•"/>
-              <a:defRPr sz="1800" kern="1200">
-                <a:solidFill>
-                  <a:schemeClr val="tx1"/>
-                </a:solidFill>
-                <a:latin typeface="+mn-lt"/>
-                <a:ea typeface="+mn-ea"/>
-                <a:cs typeface="+mn-cs"/>
-              </a:defRPr>
-            </a:lvl6pPr>
-            <a:lvl7pPr marL="2971800" indent="-228600" algn="l" defTabSz="914400" rtl="0" eaLnBrk="1" latinLnBrk="0" hangingPunct="1">
-              <a:lnSpc>
-                <a:spcPct val="90000"/>
-              </a:lnSpc>
-              <a:spcBef>
-                <a:spcPts val="500"/>
-              </a:spcBef>
-              <a:buFont typeface="Arial" panose="020B0604020202020204" pitchFamily="34" charset="0"/>
-              <a:buChar char="•"/>
-              <a:defRPr sz="1800" kern="1200">
-                <a:solidFill>
-                  <a:schemeClr val="tx1"/>
-                </a:solidFill>
-                <a:latin typeface="+mn-lt"/>
-                <a:ea typeface="+mn-ea"/>
-                <a:cs typeface="+mn-cs"/>
-              </a:defRPr>
-            </a:lvl7pPr>
-            <a:lvl8pPr marL="3429000" indent="-228600" algn="l" defTabSz="914400" rtl="0" eaLnBrk="1" latinLnBrk="0" hangingPunct="1">
-              <a:lnSpc>
-                <a:spcPct val="90000"/>
-              </a:lnSpc>
-              <a:spcBef>
-                <a:spcPts val="500"/>
-              </a:spcBef>
-              <a:buFont typeface="Arial" panose="020B0604020202020204" pitchFamily="34" charset="0"/>
-              <a:buChar char="•"/>
-              <a:defRPr sz="1800" kern="1200">
-                <a:solidFill>
-                  <a:schemeClr val="tx1"/>
-                </a:solidFill>
-                <a:latin typeface="+mn-lt"/>
-                <a:ea typeface="+mn-ea"/>
-                <a:cs typeface="+mn-cs"/>
-              </a:defRPr>
-            </a:lvl8pPr>
-            <a:lvl9pPr marL="3886200" indent="-228600" algn="l" defTabSz="914400" rtl="0" eaLnBrk="1" latinLnBrk="0" hangingPunct="1">
-              <a:lnSpc>
-                <a:spcPct val="90000"/>
-              </a:lnSpc>
-              <a:spcBef>
-                <a:spcPts val="500"/>
-              </a:spcBef>
-              <a:buFont typeface="Arial" panose="020B0604020202020204" pitchFamily="34" charset="0"/>
-              <a:buChar char="•"/>
-              <a:defRPr sz="1800" kern="1200">
-                <a:solidFill>
-                  <a:schemeClr val="tx1"/>
-                </a:solidFill>
-                <a:latin typeface="+mn-lt"/>
-                <a:ea typeface="+mn-ea"/>
-                <a:cs typeface="+mn-cs"/>
-              </a:defRPr>
-            </a:lvl9pPr>
-          </a:lstStyle>
-          <a:p>
-            <a:pPr marL="0" indent="0" algn="ctr">
-              <a:buFont typeface="Arial" panose="020B0604020202020204" pitchFamily="34" charset="0"/>
-              <a:buNone/>
-            </a:pPr>
-            <a:r>
-              <a:rPr lang="en-US" sz="2000" b="1" dirty="0"/>
-              <a:t>Input</a:t>
-            </a:r>
-          </a:p>
-        </p:txBody>
-      </p:sp>
-      <p:sp>
-        <p:nvSpPr>
-          <p:cNvPr id="8" name="Content Placeholder 2">
-            <a:extLst>
-              <a:ext uri="{FF2B5EF4-FFF2-40B4-BE49-F238E27FC236}">
-                <a16:creationId xmlns:a16="http://schemas.microsoft.com/office/drawing/2014/main" id="{243C64FE-A8DD-4DD3-A996-20070DF7137C}"/>
-              </a:ext>
-            </a:extLst>
-          </p:cNvPr>
-          <p:cNvSpPr txBox="1">
-            <a:spLocks/>
-          </p:cNvSpPr>
-          <p:nvPr/>
-        </p:nvSpPr>
-        <p:spPr>
-          <a:xfrm>
-            <a:off x="1490675" y="2087167"/>
-            <a:ext cx="1038225" cy="455613"/>
-          </a:xfrm>
-          <a:prstGeom prst="rect">
-            <a:avLst/>
-          </a:prstGeom>
-        </p:spPr>
-        <p:txBody>
-          <a:bodyPr vert="horz" lIns="91440" tIns="45720" rIns="91440" bIns="45720" rtlCol="0">
-            <a:normAutofit/>
-          </a:bodyPr>
-          <a:lstStyle>
-            <a:lvl1pPr marL="228600" indent="-228600" algn="l" defTabSz="914400" rtl="0" eaLnBrk="1" latinLnBrk="0" hangingPunct="1">
-              <a:lnSpc>
-                <a:spcPct val="90000"/>
-              </a:lnSpc>
-              <a:spcBef>
-                <a:spcPts val="1000"/>
-              </a:spcBef>
-              <a:buFont typeface="Arial" panose="020B0604020202020204" pitchFamily="34" charset="0"/>
-              <a:buChar char="•"/>
-              <a:defRPr sz="2800" kern="1200">
-                <a:solidFill>
-                  <a:schemeClr val="tx1"/>
-                </a:solidFill>
-                <a:latin typeface="+mn-lt"/>
-                <a:ea typeface="+mn-ea"/>
-                <a:cs typeface="+mn-cs"/>
-              </a:defRPr>
-            </a:lvl1pPr>
-            <a:lvl2pPr marL="685800" indent="-228600" algn="l" defTabSz="914400" rtl="0" eaLnBrk="1" latinLnBrk="0" hangingPunct="1">
-              <a:lnSpc>
-                <a:spcPct val="90000"/>
-              </a:lnSpc>
-              <a:spcBef>
-                <a:spcPts val="500"/>
-              </a:spcBef>
-              <a:buFont typeface="Arial" panose="020B0604020202020204" pitchFamily="34" charset="0"/>
-              <a:buChar char="•"/>
-              <a:defRPr sz="2400" kern="1200">
-                <a:solidFill>
-                  <a:schemeClr val="tx1"/>
-                </a:solidFill>
-                <a:latin typeface="+mn-lt"/>
-                <a:ea typeface="+mn-ea"/>
-                <a:cs typeface="+mn-cs"/>
-              </a:defRPr>
-            </a:lvl2pPr>
-            <a:lvl3pPr marL="1143000" indent="-228600" algn="l" defTabSz="914400" rtl="0" eaLnBrk="1" latinLnBrk="0" hangingPunct="1">
-              <a:lnSpc>
-                <a:spcPct val="90000"/>
-              </a:lnSpc>
-              <a:spcBef>
-                <a:spcPts val="500"/>
-              </a:spcBef>
-              <a:buFont typeface="Arial" panose="020B0604020202020204" pitchFamily="34" charset="0"/>
-              <a:buChar char="•"/>
-              <a:defRPr sz="2000" kern="1200">
-                <a:solidFill>
-                  <a:schemeClr val="tx1"/>
-                </a:solidFill>
-                <a:latin typeface="+mn-lt"/>
-                <a:ea typeface="+mn-ea"/>
-                <a:cs typeface="+mn-cs"/>
-              </a:defRPr>
-            </a:lvl3pPr>
-            <a:lvl4pPr marL="1600200" indent="-228600" algn="l" defTabSz="914400" rtl="0" eaLnBrk="1" latinLnBrk="0" hangingPunct="1">
-              <a:lnSpc>
-                <a:spcPct val="90000"/>
-              </a:lnSpc>
-              <a:spcBef>
-                <a:spcPts val="500"/>
-              </a:spcBef>
-              <a:buFont typeface="Arial" panose="020B0604020202020204" pitchFamily="34" charset="0"/>
-              <a:buChar char="•"/>
-              <a:defRPr sz="1800" kern="1200">
-                <a:solidFill>
-                  <a:schemeClr val="tx1"/>
-                </a:solidFill>
-                <a:latin typeface="+mn-lt"/>
-                <a:ea typeface="+mn-ea"/>
-                <a:cs typeface="+mn-cs"/>
-              </a:defRPr>
-            </a:lvl4pPr>
-            <a:lvl5pPr marL="2057400" indent="-228600" algn="l" defTabSz="914400" rtl="0" eaLnBrk="1" latinLnBrk="0" hangingPunct="1">
-              <a:lnSpc>
-                <a:spcPct val="90000"/>
-              </a:lnSpc>
-              <a:spcBef>
-                <a:spcPts val="500"/>
-              </a:spcBef>
-              <a:buFont typeface="Arial" panose="020B0604020202020204" pitchFamily="34" charset="0"/>
-              <a:buChar char="•"/>
-              <a:defRPr sz="1800" kern="1200">
-                <a:solidFill>
-                  <a:schemeClr val="tx1"/>
-                </a:solidFill>
-                <a:latin typeface="+mn-lt"/>
-                <a:ea typeface="+mn-ea"/>
-                <a:cs typeface="+mn-cs"/>
-              </a:defRPr>
-            </a:lvl5pPr>
-            <a:lvl6pPr marL="2514600" indent="-228600" algn="l" defTabSz="914400" rtl="0" eaLnBrk="1" latinLnBrk="0" hangingPunct="1">
-              <a:lnSpc>
-                <a:spcPct val="90000"/>
-              </a:lnSpc>
-              <a:spcBef>
-                <a:spcPts val="500"/>
-              </a:spcBef>
-              <a:buFont typeface="Arial" panose="020B0604020202020204" pitchFamily="34" charset="0"/>
-              <a:buChar char="•"/>
-              <a:defRPr sz="1800" kern="1200">
-                <a:solidFill>
-                  <a:schemeClr val="tx1"/>
-                </a:solidFill>
-                <a:latin typeface="+mn-lt"/>
-                <a:ea typeface="+mn-ea"/>
-                <a:cs typeface="+mn-cs"/>
-              </a:defRPr>
-            </a:lvl6pPr>
-            <a:lvl7pPr marL="2971800" indent="-228600" algn="l" defTabSz="914400" rtl="0" eaLnBrk="1" latinLnBrk="0" hangingPunct="1">
-              <a:lnSpc>
-                <a:spcPct val="90000"/>
-              </a:lnSpc>
-              <a:spcBef>
-                <a:spcPts val="500"/>
-              </a:spcBef>
-              <a:buFont typeface="Arial" panose="020B0604020202020204" pitchFamily="34" charset="0"/>
-              <a:buChar char="•"/>
-              <a:defRPr sz="1800" kern="1200">
-                <a:solidFill>
-                  <a:schemeClr val="tx1"/>
-                </a:solidFill>
-                <a:latin typeface="+mn-lt"/>
-                <a:ea typeface="+mn-ea"/>
-                <a:cs typeface="+mn-cs"/>
-              </a:defRPr>
-            </a:lvl7pPr>
-            <a:lvl8pPr marL="3429000" indent="-228600" algn="l" defTabSz="914400" rtl="0" eaLnBrk="1" latinLnBrk="0" hangingPunct="1">
-              <a:lnSpc>
-                <a:spcPct val="90000"/>
-              </a:lnSpc>
-              <a:spcBef>
-                <a:spcPts val="500"/>
-              </a:spcBef>
-              <a:buFont typeface="Arial" panose="020B0604020202020204" pitchFamily="34" charset="0"/>
-              <a:buChar char="•"/>
-              <a:defRPr sz="1800" kern="1200">
-                <a:solidFill>
-                  <a:schemeClr val="tx1"/>
-                </a:solidFill>
-                <a:latin typeface="+mn-lt"/>
-                <a:ea typeface="+mn-ea"/>
-                <a:cs typeface="+mn-cs"/>
-              </a:defRPr>
-            </a:lvl8pPr>
-            <a:lvl9pPr marL="3886200" indent="-228600" algn="l" defTabSz="914400" rtl="0" eaLnBrk="1" latinLnBrk="0" hangingPunct="1">
-              <a:lnSpc>
-                <a:spcPct val="90000"/>
-              </a:lnSpc>
-              <a:spcBef>
-                <a:spcPts val="500"/>
-              </a:spcBef>
-              <a:buFont typeface="Arial" panose="020B0604020202020204" pitchFamily="34" charset="0"/>
-              <a:buChar char="•"/>
-              <a:defRPr sz="1800" kern="1200">
-                <a:solidFill>
-                  <a:schemeClr val="tx1"/>
-                </a:solidFill>
-                <a:latin typeface="+mn-lt"/>
-                <a:ea typeface="+mn-ea"/>
-                <a:cs typeface="+mn-cs"/>
-              </a:defRPr>
-            </a:lvl9pPr>
-          </a:lstStyle>
-          <a:p>
-            <a:pPr marL="0" indent="0" algn="ctr">
-              <a:buFont typeface="Arial" panose="020B0604020202020204" pitchFamily="34" charset="0"/>
-              <a:buNone/>
-            </a:pPr>
-            <a:r>
-              <a:rPr lang="en-US" sz="2000" b="1" dirty="0"/>
-              <a:t>Dataset</a:t>
-            </a:r>
-          </a:p>
-        </p:txBody>
-      </p:sp>
-      <p:sp>
-        <p:nvSpPr>
-          <p:cNvPr id="9" name="Arrow: Left 8">
-            <a:extLst>
-              <a:ext uri="{FF2B5EF4-FFF2-40B4-BE49-F238E27FC236}">
-                <a16:creationId xmlns:a16="http://schemas.microsoft.com/office/drawing/2014/main" id="{A9BD1EF7-B175-4E9E-A35D-852D4C77DBF7}"/>
-              </a:ext>
-            </a:extLst>
-          </p:cNvPr>
-          <p:cNvSpPr/>
-          <p:nvPr/>
-        </p:nvSpPr>
-        <p:spPr>
-          <a:xfrm rot="16200000">
-            <a:off x="1547825" y="2720185"/>
-            <a:ext cx="923924" cy="502445"/>
-          </a:xfrm>
-          <a:prstGeom prst="leftArrow">
-            <a:avLst/>
-          </a:prstGeom>
-        </p:spPr>
-        <p:style>
-          <a:lnRef idx="2">
-            <a:schemeClr val="dk1"/>
-          </a:lnRef>
-          <a:fillRef idx="1">
-            <a:schemeClr val="lt1"/>
-          </a:fillRef>
-          <a:effectRef idx="0">
-            <a:schemeClr val="dk1"/>
-          </a:effectRef>
-          <a:fontRef idx="minor">
-            <a:schemeClr val="dk1"/>
-          </a:fontRef>
-        </p:style>
-        <p:txBody>
-          <a:bodyPr rtlCol="0" anchor="ctr"/>
-          <a:lstStyle/>
-          <a:p>
-            <a:pPr algn="ctr"/>
-            <a:endParaRPr lang="en-US"/>
-          </a:p>
-        </p:txBody>
-      </p:sp>
-      <p:sp>
-        <p:nvSpPr>
-          <p:cNvPr id="10" name="Content Placeholder 2">
-            <a:extLst>
-              <a:ext uri="{FF2B5EF4-FFF2-40B4-BE49-F238E27FC236}">
-                <a16:creationId xmlns:a16="http://schemas.microsoft.com/office/drawing/2014/main" id="{3EE29B75-3E3A-42DC-845C-8BD8B231C3E3}"/>
-              </a:ext>
-            </a:extLst>
-          </p:cNvPr>
-          <p:cNvSpPr txBox="1">
-            <a:spLocks/>
-          </p:cNvSpPr>
-          <p:nvPr/>
-        </p:nvSpPr>
-        <p:spPr>
-          <a:xfrm>
-            <a:off x="881074" y="4973231"/>
-            <a:ext cx="2257426" cy="455614"/>
-          </a:xfrm>
-          <a:prstGeom prst="rect">
-            <a:avLst/>
-          </a:prstGeom>
-        </p:spPr>
-        <p:txBody>
-          <a:bodyPr vert="horz" lIns="91440" tIns="45720" rIns="91440" bIns="45720" rtlCol="0">
-            <a:normAutofit/>
-          </a:bodyPr>
-          <a:lstStyle>
-            <a:lvl1pPr marL="228600" indent="-228600" algn="l" defTabSz="914400" rtl="0" eaLnBrk="1" latinLnBrk="0" hangingPunct="1">
-              <a:lnSpc>
-                <a:spcPct val="90000"/>
-              </a:lnSpc>
-              <a:spcBef>
-                <a:spcPts val="1000"/>
-              </a:spcBef>
-              <a:buFont typeface="Arial" panose="020B0604020202020204" pitchFamily="34" charset="0"/>
-              <a:buChar char="•"/>
-              <a:defRPr sz="2800" kern="1200">
-                <a:solidFill>
-                  <a:schemeClr val="tx1"/>
-                </a:solidFill>
-                <a:latin typeface="+mn-lt"/>
-                <a:ea typeface="+mn-ea"/>
-                <a:cs typeface="+mn-cs"/>
-              </a:defRPr>
-            </a:lvl1pPr>
-            <a:lvl2pPr marL="685800" indent="-228600" algn="l" defTabSz="914400" rtl="0" eaLnBrk="1" latinLnBrk="0" hangingPunct="1">
-              <a:lnSpc>
-                <a:spcPct val="90000"/>
-              </a:lnSpc>
-              <a:spcBef>
-                <a:spcPts val="500"/>
-              </a:spcBef>
-              <a:buFont typeface="Arial" panose="020B0604020202020204" pitchFamily="34" charset="0"/>
-              <a:buChar char="•"/>
-              <a:defRPr sz="2400" kern="1200">
-                <a:solidFill>
-                  <a:schemeClr val="tx1"/>
-                </a:solidFill>
-                <a:latin typeface="+mn-lt"/>
-                <a:ea typeface="+mn-ea"/>
-                <a:cs typeface="+mn-cs"/>
-              </a:defRPr>
-            </a:lvl2pPr>
-            <a:lvl3pPr marL="1143000" indent="-228600" algn="l" defTabSz="914400" rtl="0" eaLnBrk="1" latinLnBrk="0" hangingPunct="1">
-              <a:lnSpc>
-                <a:spcPct val="90000"/>
-              </a:lnSpc>
-              <a:spcBef>
-                <a:spcPts val="500"/>
-              </a:spcBef>
-              <a:buFont typeface="Arial" panose="020B0604020202020204" pitchFamily="34" charset="0"/>
-              <a:buChar char="•"/>
-              <a:defRPr sz="2000" kern="1200">
-                <a:solidFill>
-                  <a:schemeClr val="tx1"/>
-                </a:solidFill>
-                <a:latin typeface="+mn-lt"/>
-                <a:ea typeface="+mn-ea"/>
-                <a:cs typeface="+mn-cs"/>
-              </a:defRPr>
-            </a:lvl3pPr>
-            <a:lvl4pPr marL="1600200" indent="-228600" algn="l" defTabSz="914400" rtl="0" eaLnBrk="1" latinLnBrk="0" hangingPunct="1">
-              <a:lnSpc>
-                <a:spcPct val="90000"/>
-              </a:lnSpc>
-              <a:spcBef>
-                <a:spcPts val="500"/>
-              </a:spcBef>
-              <a:buFont typeface="Arial" panose="020B0604020202020204" pitchFamily="34" charset="0"/>
-              <a:buChar char="•"/>
-              <a:defRPr sz="1800" kern="1200">
-                <a:solidFill>
-                  <a:schemeClr val="tx1"/>
-                </a:solidFill>
-                <a:latin typeface="+mn-lt"/>
-                <a:ea typeface="+mn-ea"/>
-                <a:cs typeface="+mn-cs"/>
-              </a:defRPr>
-            </a:lvl4pPr>
-            <a:lvl5pPr marL="2057400" indent="-228600" algn="l" defTabSz="914400" rtl="0" eaLnBrk="1" latinLnBrk="0" hangingPunct="1">
-              <a:lnSpc>
-                <a:spcPct val="90000"/>
-              </a:lnSpc>
-              <a:spcBef>
-                <a:spcPts val="500"/>
-              </a:spcBef>
-              <a:buFont typeface="Arial" panose="020B0604020202020204" pitchFamily="34" charset="0"/>
-              <a:buChar char="•"/>
-              <a:defRPr sz="1800" kern="1200">
-                <a:solidFill>
-                  <a:schemeClr val="tx1"/>
-                </a:solidFill>
-                <a:latin typeface="+mn-lt"/>
-                <a:ea typeface="+mn-ea"/>
-                <a:cs typeface="+mn-cs"/>
-              </a:defRPr>
-            </a:lvl5pPr>
-            <a:lvl6pPr marL="2514600" indent="-228600" algn="l" defTabSz="914400" rtl="0" eaLnBrk="1" latinLnBrk="0" hangingPunct="1">
-              <a:lnSpc>
-                <a:spcPct val="90000"/>
-              </a:lnSpc>
-              <a:spcBef>
-                <a:spcPts val="500"/>
-              </a:spcBef>
-              <a:buFont typeface="Arial" panose="020B0604020202020204" pitchFamily="34" charset="0"/>
-              <a:buChar char="•"/>
-              <a:defRPr sz="1800" kern="1200">
-                <a:solidFill>
-                  <a:schemeClr val="tx1"/>
-                </a:solidFill>
-                <a:latin typeface="+mn-lt"/>
-                <a:ea typeface="+mn-ea"/>
-                <a:cs typeface="+mn-cs"/>
-              </a:defRPr>
-            </a:lvl6pPr>
-            <a:lvl7pPr marL="2971800" indent="-228600" algn="l" defTabSz="914400" rtl="0" eaLnBrk="1" latinLnBrk="0" hangingPunct="1">
-              <a:lnSpc>
-                <a:spcPct val="90000"/>
-              </a:lnSpc>
-              <a:spcBef>
-                <a:spcPts val="500"/>
-              </a:spcBef>
-              <a:buFont typeface="Arial" panose="020B0604020202020204" pitchFamily="34" charset="0"/>
-              <a:buChar char="•"/>
-              <a:defRPr sz="1800" kern="1200">
-                <a:solidFill>
-                  <a:schemeClr val="tx1"/>
-                </a:solidFill>
-                <a:latin typeface="+mn-lt"/>
-                <a:ea typeface="+mn-ea"/>
-                <a:cs typeface="+mn-cs"/>
-              </a:defRPr>
-            </a:lvl7pPr>
-            <a:lvl8pPr marL="3429000" indent="-228600" algn="l" defTabSz="914400" rtl="0" eaLnBrk="1" latinLnBrk="0" hangingPunct="1">
-              <a:lnSpc>
-                <a:spcPct val="90000"/>
-              </a:lnSpc>
-              <a:spcBef>
-                <a:spcPts val="500"/>
-              </a:spcBef>
-              <a:buFont typeface="Arial" panose="020B0604020202020204" pitchFamily="34" charset="0"/>
-              <a:buChar char="•"/>
-              <a:defRPr sz="1800" kern="1200">
-                <a:solidFill>
-                  <a:schemeClr val="tx1"/>
-                </a:solidFill>
-                <a:latin typeface="+mn-lt"/>
-                <a:ea typeface="+mn-ea"/>
-                <a:cs typeface="+mn-cs"/>
-              </a:defRPr>
-            </a:lvl8pPr>
-            <a:lvl9pPr marL="3886200" indent="-228600" algn="l" defTabSz="914400" rtl="0" eaLnBrk="1" latinLnBrk="0" hangingPunct="1">
-              <a:lnSpc>
-                <a:spcPct val="90000"/>
-              </a:lnSpc>
-              <a:spcBef>
-                <a:spcPts val="500"/>
-              </a:spcBef>
-              <a:buFont typeface="Arial" panose="020B0604020202020204" pitchFamily="34" charset="0"/>
-              <a:buChar char="•"/>
-              <a:defRPr sz="1800" kern="1200">
-                <a:solidFill>
-                  <a:schemeClr val="tx1"/>
-                </a:solidFill>
-                <a:latin typeface="+mn-lt"/>
-                <a:ea typeface="+mn-ea"/>
-                <a:cs typeface="+mn-cs"/>
-              </a:defRPr>
-            </a:lvl9pPr>
-          </a:lstStyle>
-          <a:p>
-            <a:pPr marL="0" indent="0" algn="ctr">
-              <a:buFont typeface="Arial" panose="020B0604020202020204" pitchFamily="34" charset="0"/>
-              <a:buNone/>
-            </a:pPr>
-            <a:r>
-              <a:rPr lang="en-US" sz="2000" b="1" dirty="0"/>
-              <a:t>Persistent Memory</a:t>
-            </a:r>
-          </a:p>
-        </p:txBody>
-      </p:sp>
-      <p:sp>
-        <p:nvSpPr>
-          <p:cNvPr id="11" name="Arrow: Left 10">
-            <a:extLst>
-              <a:ext uri="{FF2B5EF4-FFF2-40B4-BE49-F238E27FC236}">
-                <a16:creationId xmlns:a16="http://schemas.microsoft.com/office/drawing/2014/main" id="{2F337BB9-9F70-4316-9ABC-DBFFA1E7C422}"/>
-              </a:ext>
-            </a:extLst>
-          </p:cNvPr>
-          <p:cNvSpPr/>
-          <p:nvPr/>
-        </p:nvSpPr>
-        <p:spPr>
-          <a:xfrm rot="16200000">
-            <a:off x="1547825" y="4167977"/>
-            <a:ext cx="923924" cy="502445"/>
-          </a:xfrm>
-          <a:prstGeom prst="leftArrow">
-            <a:avLst/>
-          </a:prstGeom>
-        </p:spPr>
-        <p:style>
-          <a:lnRef idx="2">
-            <a:schemeClr val="dk1"/>
-          </a:lnRef>
-          <a:fillRef idx="1">
-            <a:schemeClr val="lt1"/>
-          </a:fillRef>
-          <a:effectRef idx="0">
-            <a:schemeClr val="dk1"/>
-          </a:effectRef>
-          <a:fontRef idx="minor">
-            <a:schemeClr val="dk1"/>
-          </a:fontRef>
-        </p:style>
-        <p:txBody>
-          <a:bodyPr rtlCol="0" anchor="ctr"/>
-          <a:lstStyle/>
-          <a:p>
-            <a:pPr algn="ctr"/>
-            <a:endParaRPr lang="en-US"/>
-          </a:p>
-        </p:txBody>
-      </p:sp>
-      <p:sp>
-        <p:nvSpPr>
           <p:cNvPr id="12" name="Content Placeholder 2">
             <a:extLst>
               <a:ext uri="{FF2B5EF4-FFF2-40B4-BE49-F238E27FC236}">
@@ -5237,6 +5283,726 @@
               <a:buNone/>
             </a:pPr>
             <a:endParaRPr lang="en-US" sz="2000" b="1" dirty="0"/>
+          </a:p>
+        </p:txBody>
+      </p:sp>
+      <p:sp>
+        <p:nvSpPr>
+          <p:cNvPr id="24" name="Content Placeholder 2">
+            <a:extLst>
+              <a:ext uri="{FF2B5EF4-FFF2-40B4-BE49-F238E27FC236}">
+                <a16:creationId xmlns:a16="http://schemas.microsoft.com/office/drawing/2014/main" id="{6F18FBDA-210A-4827-8B96-840951B4D7CA}"/>
+              </a:ext>
+            </a:extLst>
+          </p:cNvPr>
+          <p:cNvSpPr txBox="1">
+            <a:spLocks/>
+          </p:cNvSpPr>
+          <p:nvPr/>
+        </p:nvSpPr>
+        <p:spPr>
+          <a:xfrm>
+            <a:off x="571500" y="2153446"/>
+            <a:ext cx="2405063" cy="1275554"/>
+          </a:xfrm>
+          <a:prstGeom prst="rect">
+            <a:avLst/>
+          </a:prstGeom>
+        </p:spPr>
+        <p:txBody>
+          <a:bodyPr vert="horz" lIns="91440" tIns="45720" rIns="91440" bIns="45720" rtlCol="0">
+            <a:normAutofit/>
+          </a:bodyPr>
+          <a:lstStyle>
+            <a:lvl1pPr marL="228600" indent="-228600" algn="l" defTabSz="914400" rtl="0" eaLnBrk="1" latinLnBrk="0" hangingPunct="1">
+              <a:lnSpc>
+                <a:spcPct val="90000"/>
+              </a:lnSpc>
+              <a:spcBef>
+                <a:spcPts val="1000"/>
+              </a:spcBef>
+              <a:buFont typeface="Arial" panose="020B0604020202020204" pitchFamily="34" charset="0"/>
+              <a:buChar char="•"/>
+              <a:defRPr sz="2800" kern="1200">
+                <a:solidFill>
+                  <a:schemeClr val="tx1"/>
+                </a:solidFill>
+                <a:latin typeface="+mn-lt"/>
+                <a:ea typeface="+mn-ea"/>
+                <a:cs typeface="+mn-cs"/>
+              </a:defRPr>
+            </a:lvl1pPr>
+            <a:lvl2pPr marL="685800" indent="-228600" algn="l" defTabSz="914400" rtl="0" eaLnBrk="1" latinLnBrk="0" hangingPunct="1">
+              <a:lnSpc>
+                <a:spcPct val="90000"/>
+              </a:lnSpc>
+              <a:spcBef>
+                <a:spcPts val="500"/>
+              </a:spcBef>
+              <a:buFont typeface="Arial" panose="020B0604020202020204" pitchFamily="34" charset="0"/>
+              <a:buChar char="•"/>
+              <a:defRPr sz="2400" kern="1200">
+                <a:solidFill>
+                  <a:schemeClr val="tx1"/>
+                </a:solidFill>
+                <a:latin typeface="+mn-lt"/>
+                <a:ea typeface="+mn-ea"/>
+                <a:cs typeface="+mn-cs"/>
+              </a:defRPr>
+            </a:lvl2pPr>
+            <a:lvl3pPr marL="1143000" indent="-228600" algn="l" defTabSz="914400" rtl="0" eaLnBrk="1" latinLnBrk="0" hangingPunct="1">
+              <a:lnSpc>
+                <a:spcPct val="90000"/>
+              </a:lnSpc>
+              <a:spcBef>
+                <a:spcPts val="500"/>
+              </a:spcBef>
+              <a:buFont typeface="Arial" panose="020B0604020202020204" pitchFamily="34" charset="0"/>
+              <a:buChar char="•"/>
+              <a:defRPr sz="2000" kern="1200">
+                <a:solidFill>
+                  <a:schemeClr val="tx1"/>
+                </a:solidFill>
+                <a:latin typeface="+mn-lt"/>
+                <a:ea typeface="+mn-ea"/>
+                <a:cs typeface="+mn-cs"/>
+              </a:defRPr>
+            </a:lvl3pPr>
+            <a:lvl4pPr marL="1600200" indent="-228600" algn="l" defTabSz="914400" rtl="0" eaLnBrk="1" latinLnBrk="0" hangingPunct="1">
+              <a:lnSpc>
+                <a:spcPct val="90000"/>
+              </a:lnSpc>
+              <a:spcBef>
+                <a:spcPts val="500"/>
+              </a:spcBef>
+              <a:buFont typeface="Arial" panose="020B0604020202020204" pitchFamily="34" charset="0"/>
+              <a:buChar char="•"/>
+              <a:defRPr sz="1800" kern="1200">
+                <a:solidFill>
+                  <a:schemeClr val="tx1"/>
+                </a:solidFill>
+                <a:latin typeface="+mn-lt"/>
+                <a:ea typeface="+mn-ea"/>
+                <a:cs typeface="+mn-cs"/>
+              </a:defRPr>
+            </a:lvl4pPr>
+            <a:lvl5pPr marL="2057400" indent="-228600" algn="l" defTabSz="914400" rtl="0" eaLnBrk="1" latinLnBrk="0" hangingPunct="1">
+              <a:lnSpc>
+                <a:spcPct val="90000"/>
+              </a:lnSpc>
+              <a:spcBef>
+                <a:spcPts val="500"/>
+              </a:spcBef>
+              <a:buFont typeface="Arial" panose="020B0604020202020204" pitchFamily="34" charset="0"/>
+              <a:buChar char="•"/>
+              <a:defRPr sz="1800" kern="1200">
+                <a:solidFill>
+                  <a:schemeClr val="tx1"/>
+                </a:solidFill>
+                <a:latin typeface="+mn-lt"/>
+                <a:ea typeface="+mn-ea"/>
+                <a:cs typeface="+mn-cs"/>
+              </a:defRPr>
+            </a:lvl5pPr>
+            <a:lvl6pPr marL="2514600" indent="-228600" algn="l" defTabSz="914400" rtl="0" eaLnBrk="1" latinLnBrk="0" hangingPunct="1">
+              <a:lnSpc>
+                <a:spcPct val="90000"/>
+              </a:lnSpc>
+              <a:spcBef>
+                <a:spcPts val="500"/>
+              </a:spcBef>
+              <a:buFont typeface="Arial" panose="020B0604020202020204" pitchFamily="34" charset="0"/>
+              <a:buChar char="•"/>
+              <a:defRPr sz="1800" kern="1200">
+                <a:solidFill>
+                  <a:schemeClr val="tx1"/>
+                </a:solidFill>
+                <a:latin typeface="+mn-lt"/>
+                <a:ea typeface="+mn-ea"/>
+                <a:cs typeface="+mn-cs"/>
+              </a:defRPr>
+            </a:lvl6pPr>
+            <a:lvl7pPr marL="2971800" indent="-228600" algn="l" defTabSz="914400" rtl="0" eaLnBrk="1" latinLnBrk="0" hangingPunct="1">
+              <a:lnSpc>
+                <a:spcPct val="90000"/>
+              </a:lnSpc>
+              <a:spcBef>
+                <a:spcPts val="500"/>
+              </a:spcBef>
+              <a:buFont typeface="Arial" panose="020B0604020202020204" pitchFamily="34" charset="0"/>
+              <a:buChar char="•"/>
+              <a:defRPr sz="1800" kern="1200">
+                <a:solidFill>
+                  <a:schemeClr val="tx1"/>
+                </a:solidFill>
+                <a:latin typeface="+mn-lt"/>
+                <a:ea typeface="+mn-ea"/>
+                <a:cs typeface="+mn-cs"/>
+              </a:defRPr>
+            </a:lvl7pPr>
+            <a:lvl8pPr marL="3429000" indent="-228600" algn="l" defTabSz="914400" rtl="0" eaLnBrk="1" latinLnBrk="0" hangingPunct="1">
+              <a:lnSpc>
+                <a:spcPct val="90000"/>
+              </a:lnSpc>
+              <a:spcBef>
+                <a:spcPts val="500"/>
+              </a:spcBef>
+              <a:buFont typeface="Arial" panose="020B0604020202020204" pitchFamily="34" charset="0"/>
+              <a:buChar char="•"/>
+              <a:defRPr sz="1800" kern="1200">
+                <a:solidFill>
+                  <a:schemeClr val="tx1"/>
+                </a:solidFill>
+                <a:latin typeface="+mn-lt"/>
+                <a:ea typeface="+mn-ea"/>
+                <a:cs typeface="+mn-cs"/>
+              </a:defRPr>
+            </a:lvl8pPr>
+            <a:lvl9pPr marL="3886200" indent="-228600" algn="l" defTabSz="914400" rtl="0" eaLnBrk="1" latinLnBrk="0" hangingPunct="1">
+              <a:lnSpc>
+                <a:spcPct val="90000"/>
+              </a:lnSpc>
+              <a:spcBef>
+                <a:spcPts val="500"/>
+              </a:spcBef>
+              <a:buFont typeface="Arial" panose="020B0604020202020204" pitchFamily="34" charset="0"/>
+              <a:buChar char="•"/>
+              <a:defRPr sz="1800" kern="1200">
+                <a:solidFill>
+                  <a:schemeClr val="tx1"/>
+                </a:solidFill>
+                <a:latin typeface="+mn-lt"/>
+                <a:ea typeface="+mn-ea"/>
+                <a:cs typeface="+mn-cs"/>
+              </a:defRPr>
+            </a:lvl9pPr>
+          </a:lstStyle>
+          <a:p>
+            <a:pPr marL="0" indent="0">
+              <a:buFont typeface="Arial" panose="020B0604020202020204" pitchFamily="34" charset="0"/>
+              <a:buNone/>
+            </a:pPr>
+            <a:r>
+              <a:rPr lang="en-US" altLang="en-US" sz="2000" b="1" dirty="0">
+                <a:solidFill>
+                  <a:srgbClr val="993300"/>
+                </a:solidFill>
+              </a:rPr>
+              <a:t>Data Interpretation</a:t>
+            </a:r>
+          </a:p>
+          <a:p>
+            <a:pPr marL="0" indent="0">
+              <a:buFont typeface="Arial" panose="020B0604020202020204" pitchFamily="34" charset="0"/>
+              <a:buNone/>
+            </a:pPr>
+            <a:r>
+              <a:rPr lang="en-US" sz="2000" dirty="0"/>
+              <a:t>Nodes: stops</a:t>
+            </a:r>
+          </a:p>
+          <a:p>
+            <a:pPr marL="0" indent="0">
+              <a:buFont typeface="Arial" panose="020B0604020202020204" pitchFamily="34" charset="0"/>
+              <a:buNone/>
+            </a:pPr>
+            <a:r>
+              <a:rPr lang="en-US" sz="2000" dirty="0"/>
+              <a:t>Edges: transit lines</a:t>
+            </a:r>
+          </a:p>
+          <a:p>
+            <a:pPr marL="0" indent="0">
+              <a:buFont typeface="Arial" panose="020B0604020202020204" pitchFamily="34" charset="0"/>
+              <a:buNone/>
+            </a:pPr>
+            <a:endParaRPr lang="en-US" sz="2000" dirty="0"/>
+          </a:p>
+          <a:p>
+            <a:pPr marL="0" indent="0">
+              <a:buFont typeface="Arial" panose="020B0604020202020204" pitchFamily="34" charset="0"/>
+              <a:buNone/>
+            </a:pPr>
+            <a:endParaRPr lang="en-US" sz="2000" dirty="0"/>
+          </a:p>
+        </p:txBody>
+      </p:sp>
+      <p:sp>
+        <p:nvSpPr>
+          <p:cNvPr id="25" name="Content Placeholder 2">
+            <a:extLst>
+              <a:ext uri="{FF2B5EF4-FFF2-40B4-BE49-F238E27FC236}">
+                <a16:creationId xmlns:a16="http://schemas.microsoft.com/office/drawing/2014/main" id="{CC521BE9-B8D9-4A04-8645-57E5EB09934D}"/>
+              </a:ext>
+            </a:extLst>
+          </p:cNvPr>
+          <p:cNvSpPr txBox="1">
+            <a:spLocks/>
+          </p:cNvSpPr>
+          <p:nvPr/>
+        </p:nvSpPr>
+        <p:spPr>
+          <a:xfrm>
+            <a:off x="6448425" y="2720182"/>
+            <a:ext cx="3119438" cy="1708943"/>
+          </a:xfrm>
+          <a:prstGeom prst="rect">
+            <a:avLst/>
+          </a:prstGeom>
+        </p:spPr>
+        <p:txBody>
+          <a:bodyPr vert="horz" lIns="91440" tIns="45720" rIns="91440" bIns="45720" rtlCol="0">
+            <a:normAutofit/>
+          </a:bodyPr>
+          <a:lstStyle>
+            <a:lvl1pPr marL="228600" indent="-228600" algn="l" defTabSz="914400" rtl="0" eaLnBrk="1" latinLnBrk="0" hangingPunct="1">
+              <a:lnSpc>
+                <a:spcPct val="90000"/>
+              </a:lnSpc>
+              <a:spcBef>
+                <a:spcPts val="1000"/>
+              </a:spcBef>
+              <a:buFont typeface="Arial" panose="020B0604020202020204" pitchFamily="34" charset="0"/>
+              <a:buChar char="•"/>
+              <a:defRPr sz="2800" kern="1200">
+                <a:solidFill>
+                  <a:schemeClr val="tx1"/>
+                </a:solidFill>
+                <a:latin typeface="+mn-lt"/>
+                <a:ea typeface="+mn-ea"/>
+                <a:cs typeface="+mn-cs"/>
+              </a:defRPr>
+            </a:lvl1pPr>
+            <a:lvl2pPr marL="685800" indent="-228600" algn="l" defTabSz="914400" rtl="0" eaLnBrk="1" latinLnBrk="0" hangingPunct="1">
+              <a:lnSpc>
+                <a:spcPct val="90000"/>
+              </a:lnSpc>
+              <a:spcBef>
+                <a:spcPts val="500"/>
+              </a:spcBef>
+              <a:buFont typeface="Arial" panose="020B0604020202020204" pitchFamily="34" charset="0"/>
+              <a:buChar char="•"/>
+              <a:defRPr sz="2400" kern="1200">
+                <a:solidFill>
+                  <a:schemeClr val="tx1"/>
+                </a:solidFill>
+                <a:latin typeface="+mn-lt"/>
+                <a:ea typeface="+mn-ea"/>
+                <a:cs typeface="+mn-cs"/>
+              </a:defRPr>
+            </a:lvl2pPr>
+            <a:lvl3pPr marL="1143000" indent="-228600" algn="l" defTabSz="914400" rtl="0" eaLnBrk="1" latinLnBrk="0" hangingPunct="1">
+              <a:lnSpc>
+                <a:spcPct val="90000"/>
+              </a:lnSpc>
+              <a:spcBef>
+                <a:spcPts val="500"/>
+              </a:spcBef>
+              <a:buFont typeface="Arial" panose="020B0604020202020204" pitchFamily="34" charset="0"/>
+              <a:buChar char="•"/>
+              <a:defRPr sz="2000" kern="1200">
+                <a:solidFill>
+                  <a:schemeClr val="tx1"/>
+                </a:solidFill>
+                <a:latin typeface="+mn-lt"/>
+                <a:ea typeface="+mn-ea"/>
+                <a:cs typeface="+mn-cs"/>
+              </a:defRPr>
+            </a:lvl3pPr>
+            <a:lvl4pPr marL="1600200" indent="-228600" algn="l" defTabSz="914400" rtl="0" eaLnBrk="1" latinLnBrk="0" hangingPunct="1">
+              <a:lnSpc>
+                <a:spcPct val="90000"/>
+              </a:lnSpc>
+              <a:spcBef>
+                <a:spcPts val="500"/>
+              </a:spcBef>
+              <a:buFont typeface="Arial" panose="020B0604020202020204" pitchFamily="34" charset="0"/>
+              <a:buChar char="•"/>
+              <a:defRPr sz="1800" kern="1200">
+                <a:solidFill>
+                  <a:schemeClr val="tx1"/>
+                </a:solidFill>
+                <a:latin typeface="+mn-lt"/>
+                <a:ea typeface="+mn-ea"/>
+                <a:cs typeface="+mn-cs"/>
+              </a:defRPr>
+            </a:lvl4pPr>
+            <a:lvl5pPr marL="2057400" indent="-228600" algn="l" defTabSz="914400" rtl="0" eaLnBrk="1" latinLnBrk="0" hangingPunct="1">
+              <a:lnSpc>
+                <a:spcPct val="90000"/>
+              </a:lnSpc>
+              <a:spcBef>
+                <a:spcPts val="500"/>
+              </a:spcBef>
+              <a:buFont typeface="Arial" panose="020B0604020202020204" pitchFamily="34" charset="0"/>
+              <a:buChar char="•"/>
+              <a:defRPr sz="1800" kern="1200">
+                <a:solidFill>
+                  <a:schemeClr val="tx1"/>
+                </a:solidFill>
+                <a:latin typeface="+mn-lt"/>
+                <a:ea typeface="+mn-ea"/>
+                <a:cs typeface="+mn-cs"/>
+              </a:defRPr>
+            </a:lvl5pPr>
+            <a:lvl6pPr marL="2514600" indent="-228600" algn="l" defTabSz="914400" rtl="0" eaLnBrk="1" latinLnBrk="0" hangingPunct="1">
+              <a:lnSpc>
+                <a:spcPct val="90000"/>
+              </a:lnSpc>
+              <a:spcBef>
+                <a:spcPts val="500"/>
+              </a:spcBef>
+              <a:buFont typeface="Arial" panose="020B0604020202020204" pitchFamily="34" charset="0"/>
+              <a:buChar char="•"/>
+              <a:defRPr sz="1800" kern="1200">
+                <a:solidFill>
+                  <a:schemeClr val="tx1"/>
+                </a:solidFill>
+                <a:latin typeface="+mn-lt"/>
+                <a:ea typeface="+mn-ea"/>
+                <a:cs typeface="+mn-cs"/>
+              </a:defRPr>
+            </a:lvl6pPr>
+            <a:lvl7pPr marL="2971800" indent="-228600" algn="l" defTabSz="914400" rtl="0" eaLnBrk="1" latinLnBrk="0" hangingPunct="1">
+              <a:lnSpc>
+                <a:spcPct val="90000"/>
+              </a:lnSpc>
+              <a:spcBef>
+                <a:spcPts val="500"/>
+              </a:spcBef>
+              <a:buFont typeface="Arial" panose="020B0604020202020204" pitchFamily="34" charset="0"/>
+              <a:buChar char="•"/>
+              <a:defRPr sz="1800" kern="1200">
+                <a:solidFill>
+                  <a:schemeClr val="tx1"/>
+                </a:solidFill>
+                <a:latin typeface="+mn-lt"/>
+                <a:ea typeface="+mn-ea"/>
+                <a:cs typeface="+mn-cs"/>
+              </a:defRPr>
+            </a:lvl7pPr>
+            <a:lvl8pPr marL="3429000" indent="-228600" algn="l" defTabSz="914400" rtl="0" eaLnBrk="1" latinLnBrk="0" hangingPunct="1">
+              <a:lnSpc>
+                <a:spcPct val="90000"/>
+              </a:lnSpc>
+              <a:spcBef>
+                <a:spcPts val="500"/>
+              </a:spcBef>
+              <a:buFont typeface="Arial" panose="020B0604020202020204" pitchFamily="34" charset="0"/>
+              <a:buChar char="•"/>
+              <a:defRPr sz="1800" kern="1200">
+                <a:solidFill>
+                  <a:schemeClr val="tx1"/>
+                </a:solidFill>
+                <a:latin typeface="+mn-lt"/>
+                <a:ea typeface="+mn-ea"/>
+                <a:cs typeface="+mn-cs"/>
+              </a:defRPr>
+            </a:lvl8pPr>
+            <a:lvl9pPr marL="3886200" indent="-228600" algn="l" defTabSz="914400" rtl="0" eaLnBrk="1" latinLnBrk="0" hangingPunct="1">
+              <a:lnSpc>
+                <a:spcPct val="90000"/>
+              </a:lnSpc>
+              <a:spcBef>
+                <a:spcPts val="500"/>
+              </a:spcBef>
+              <a:buFont typeface="Arial" panose="020B0604020202020204" pitchFamily="34" charset="0"/>
+              <a:buChar char="•"/>
+              <a:defRPr sz="1800" kern="1200">
+                <a:solidFill>
+                  <a:schemeClr val="tx1"/>
+                </a:solidFill>
+                <a:latin typeface="+mn-lt"/>
+                <a:ea typeface="+mn-ea"/>
+                <a:cs typeface="+mn-cs"/>
+              </a:defRPr>
+            </a:lvl9pPr>
+          </a:lstStyle>
+          <a:p>
+            <a:pPr marL="0" indent="0">
+              <a:buFont typeface="Arial" panose="020B0604020202020204" pitchFamily="34" charset="0"/>
+              <a:buNone/>
+            </a:pPr>
+            <a:r>
+              <a:rPr lang="en-US" altLang="en-US" sz="2000" b="1" dirty="0">
+                <a:solidFill>
+                  <a:srgbClr val="993300"/>
+                </a:solidFill>
+              </a:rPr>
+              <a:t>Additions to the dataset</a:t>
+            </a:r>
+            <a:endParaRPr lang="en-US" sz="2000" dirty="0"/>
+          </a:p>
+          <a:p>
+            <a:pPr>
+              <a:buClr>
+                <a:srgbClr val="993300"/>
+              </a:buClr>
+            </a:pPr>
+            <a:r>
+              <a:rPr lang="en-US" sz="2000" dirty="0"/>
+              <a:t>Some stops</a:t>
+            </a:r>
+          </a:p>
+          <a:p>
+            <a:pPr>
+              <a:buClr>
+                <a:srgbClr val="993300"/>
+              </a:buClr>
+            </a:pPr>
+            <a:r>
+              <a:rPr lang="en-US" sz="2000" dirty="0"/>
+              <a:t>A two-way line</a:t>
+            </a:r>
+          </a:p>
+          <a:p>
+            <a:pPr>
+              <a:buClr>
+                <a:srgbClr val="993300"/>
+              </a:buClr>
+            </a:pPr>
+            <a:r>
+              <a:rPr lang="en-US" sz="2000" dirty="0"/>
+              <a:t>A metropolitan line</a:t>
+            </a:r>
+          </a:p>
+          <a:p>
+            <a:pPr marL="0" indent="0">
+              <a:buFont typeface="Arial" panose="020B0604020202020204" pitchFamily="34" charset="0"/>
+              <a:buNone/>
+            </a:pPr>
+            <a:endParaRPr lang="en-US" sz="2000" dirty="0"/>
+          </a:p>
+        </p:txBody>
+      </p:sp>
+      <p:sp>
+        <p:nvSpPr>
+          <p:cNvPr id="26" name="Content Placeholder 2">
+            <a:extLst>
+              <a:ext uri="{FF2B5EF4-FFF2-40B4-BE49-F238E27FC236}">
+                <a16:creationId xmlns:a16="http://schemas.microsoft.com/office/drawing/2014/main" id="{91494763-0EDE-4595-92B2-EA00C59E879D}"/>
+              </a:ext>
+            </a:extLst>
+          </p:cNvPr>
+          <p:cNvSpPr txBox="1">
+            <a:spLocks/>
+          </p:cNvSpPr>
+          <p:nvPr/>
+        </p:nvSpPr>
+        <p:spPr>
+          <a:xfrm>
+            <a:off x="1774031" y="4882541"/>
+            <a:ext cx="4038600" cy="1275554"/>
+          </a:xfrm>
+          <a:prstGeom prst="rect">
+            <a:avLst/>
+          </a:prstGeom>
+        </p:spPr>
+        <p:txBody>
+          <a:bodyPr vert="horz" lIns="91440" tIns="45720" rIns="91440" bIns="45720" rtlCol="0">
+            <a:normAutofit/>
+          </a:bodyPr>
+          <a:lstStyle>
+            <a:lvl1pPr marL="228600" indent="-228600" algn="l" defTabSz="914400" rtl="0" eaLnBrk="1" latinLnBrk="0" hangingPunct="1">
+              <a:lnSpc>
+                <a:spcPct val="90000"/>
+              </a:lnSpc>
+              <a:spcBef>
+                <a:spcPts val="1000"/>
+              </a:spcBef>
+              <a:buFont typeface="Arial" panose="020B0604020202020204" pitchFamily="34" charset="0"/>
+              <a:buChar char="•"/>
+              <a:defRPr sz="2800" kern="1200">
+                <a:solidFill>
+                  <a:schemeClr val="tx1"/>
+                </a:solidFill>
+                <a:latin typeface="+mn-lt"/>
+                <a:ea typeface="+mn-ea"/>
+                <a:cs typeface="+mn-cs"/>
+              </a:defRPr>
+            </a:lvl1pPr>
+            <a:lvl2pPr marL="685800" indent="-228600" algn="l" defTabSz="914400" rtl="0" eaLnBrk="1" latinLnBrk="0" hangingPunct="1">
+              <a:lnSpc>
+                <a:spcPct val="90000"/>
+              </a:lnSpc>
+              <a:spcBef>
+                <a:spcPts val="500"/>
+              </a:spcBef>
+              <a:buFont typeface="Arial" panose="020B0604020202020204" pitchFamily="34" charset="0"/>
+              <a:buChar char="•"/>
+              <a:defRPr sz="2400" kern="1200">
+                <a:solidFill>
+                  <a:schemeClr val="tx1"/>
+                </a:solidFill>
+                <a:latin typeface="+mn-lt"/>
+                <a:ea typeface="+mn-ea"/>
+                <a:cs typeface="+mn-cs"/>
+              </a:defRPr>
+            </a:lvl2pPr>
+            <a:lvl3pPr marL="1143000" indent="-228600" algn="l" defTabSz="914400" rtl="0" eaLnBrk="1" latinLnBrk="0" hangingPunct="1">
+              <a:lnSpc>
+                <a:spcPct val="90000"/>
+              </a:lnSpc>
+              <a:spcBef>
+                <a:spcPts val="500"/>
+              </a:spcBef>
+              <a:buFont typeface="Arial" panose="020B0604020202020204" pitchFamily="34" charset="0"/>
+              <a:buChar char="•"/>
+              <a:defRPr sz="2000" kern="1200">
+                <a:solidFill>
+                  <a:schemeClr val="tx1"/>
+                </a:solidFill>
+                <a:latin typeface="+mn-lt"/>
+                <a:ea typeface="+mn-ea"/>
+                <a:cs typeface="+mn-cs"/>
+              </a:defRPr>
+            </a:lvl3pPr>
+            <a:lvl4pPr marL="1600200" indent="-228600" algn="l" defTabSz="914400" rtl="0" eaLnBrk="1" latinLnBrk="0" hangingPunct="1">
+              <a:lnSpc>
+                <a:spcPct val="90000"/>
+              </a:lnSpc>
+              <a:spcBef>
+                <a:spcPts val="500"/>
+              </a:spcBef>
+              <a:buFont typeface="Arial" panose="020B0604020202020204" pitchFamily="34" charset="0"/>
+              <a:buChar char="•"/>
+              <a:defRPr sz="1800" kern="1200">
+                <a:solidFill>
+                  <a:schemeClr val="tx1"/>
+                </a:solidFill>
+                <a:latin typeface="+mn-lt"/>
+                <a:ea typeface="+mn-ea"/>
+                <a:cs typeface="+mn-cs"/>
+              </a:defRPr>
+            </a:lvl4pPr>
+            <a:lvl5pPr marL="2057400" indent="-228600" algn="l" defTabSz="914400" rtl="0" eaLnBrk="1" latinLnBrk="0" hangingPunct="1">
+              <a:lnSpc>
+                <a:spcPct val="90000"/>
+              </a:lnSpc>
+              <a:spcBef>
+                <a:spcPts val="500"/>
+              </a:spcBef>
+              <a:buFont typeface="Arial" panose="020B0604020202020204" pitchFamily="34" charset="0"/>
+              <a:buChar char="•"/>
+              <a:defRPr sz="1800" kern="1200">
+                <a:solidFill>
+                  <a:schemeClr val="tx1"/>
+                </a:solidFill>
+                <a:latin typeface="+mn-lt"/>
+                <a:ea typeface="+mn-ea"/>
+                <a:cs typeface="+mn-cs"/>
+              </a:defRPr>
+            </a:lvl5pPr>
+            <a:lvl6pPr marL="2514600" indent="-228600" algn="l" defTabSz="914400" rtl="0" eaLnBrk="1" latinLnBrk="0" hangingPunct="1">
+              <a:lnSpc>
+                <a:spcPct val="90000"/>
+              </a:lnSpc>
+              <a:spcBef>
+                <a:spcPts val="500"/>
+              </a:spcBef>
+              <a:buFont typeface="Arial" panose="020B0604020202020204" pitchFamily="34" charset="0"/>
+              <a:buChar char="•"/>
+              <a:defRPr sz="1800" kern="1200">
+                <a:solidFill>
+                  <a:schemeClr val="tx1"/>
+                </a:solidFill>
+                <a:latin typeface="+mn-lt"/>
+                <a:ea typeface="+mn-ea"/>
+                <a:cs typeface="+mn-cs"/>
+              </a:defRPr>
+            </a:lvl6pPr>
+            <a:lvl7pPr marL="2971800" indent="-228600" algn="l" defTabSz="914400" rtl="0" eaLnBrk="1" latinLnBrk="0" hangingPunct="1">
+              <a:lnSpc>
+                <a:spcPct val="90000"/>
+              </a:lnSpc>
+              <a:spcBef>
+                <a:spcPts val="500"/>
+              </a:spcBef>
+              <a:buFont typeface="Arial" panose="020B0604020202020204" pitchFamily="34" charset="0"/>
+              <a:buChar char="•"/>
+              <a:defRPr sz="1800" kern="1200">
+                <a:solidFill>
+                  <a:schemeClr val="tx1"/>
+                </a:solidFill>
+                <a:latin typeface="+mn-lt"/>
+                <a:ea typeface="+mn-ea"/>
+                <a:cs typeface="+mn-cs"/>
+              </a:defRPr>
+            </a:lvl7pPr>
+            <a:lvl8pPr marL="3429000" indent="-228600" algn="l" defTabSz="914400" rtl="0" eaLnBrk="1" latinLnBrk="0" hangingPunct="1">
+              <a:lnSpc>
+                <a:spcPct val="90000"/>
+              </a:lnSpc>
+              <a:spcBef>
+                <a:spcPts val="500"/>
+              </a:spcBef>
+              <a:buFont typeface="Arial" panose="020B0604020202020204" pitchFamily="34" charset="0"/>
+              <a:buChar char="•"/>
+              <a:defRPr sz="1800" kern="1200">
+                <a:solidFill>
+                  <a:schemeClr val="tx1"/>
+                </a:solidFill>
+                <a:latin typeface="+mn-lt"/>
+                <a:ea typeface="+mn-ea"/>
+                <a:cs typeface="+mn-cs"/>
+              </a:defRPr>
+            </a:lvl8pPr>
+            <a:lvl9pPr marL="3886200" indent="-228600" algn="l" defTabSz="914400" rtl="0" eaLnBrk="1" latinLnBrk="0" hangingPunct="1">
+              <a:lnSpc>
+                <a:spcPct val="90000"/>
+              </a:lnSpc>
+              <a:spcBef>
+                <a:spcPts val="500"/>
+              </a:spcBef>
+              <a:buFont typeface="Arial" panose="020B0604020202020204" pitchFamily="34" charset="0"/>
+              <a:buChar char="•"/>
+              <a:defRPr sz="1800" kern="1200">
+                <a:solidFill>
+                  <a:schemeClr val="tx1"/>
+                </a:solidFill>
+                <a:latin typeface="+mn-lt"/>
+                <a:ea typeface="+mn-ea"/>
+                <a:cs typeface="+mn-cs"/>
+              </a:defRPr>
+            </a:lvl9pPr>
+          </a:lstStyle>
+          <a:p>
+            <a:pPr marL="0" indent="0">
+              <a:buFont typeface="Arial" panose="020B0604020202020204" pitchFamily="34" charset="0"/>
+              <a:buNone/>
+            </a:pPr>
+            <a:r>
+              <a:rPr lang="en-US" altLang="en-US" sz="2000" b="1" dirty="0">
+                <a:solidFill>
+                  <a:srgbClr val="993300"/>
+                </a:solidFill>
+              </a:rPr>
+              <a:t>Data storage</a:t>
+            </a:r>
+          </a:p>
+          <a:p>
+            <a:pPr marL="0" indent="0">
+              <a:buFont typeface="Arial" panose="020B0604020202020204" pitchFamily="34" charset="0"/>
+              <a:buNone/>
+            </a:pPr>
+            <a:r>
+              <a:rPr lang="en-US" sz="2000" dirty="0"/>
+              <a:t>Persistent Memory Directory</a:t>
+            </a:r>
+          </a:p>
+          <a:p>
+            <a:pPr marL="0" indent="0">
+              <a:buFont typeface="Arial" panose="020B0604020202020204" pitchFamily="34" charset="0"/>
+              <a:buNone/>
+            </a:pPr>
+            <a:endParaRPr lang="en-US" sz="2000" dirty="0"/>
+          </a:p>
+          <a:p>
+            <a:pPr marL="0" indent="0">
+              <a:buFont typeface="Arial" panose="020B0604020202020204" pitchFamily="34" charset="0"/>
+              <a:buNone/>
+            </a:pPr>
+            <a:endParaRPr lang="en-US" sz="2000" dirty="0"/>
           </a:p>
         </p:txBody>
       </p:sp>
@@ -5883,7 +6649,7 @@
         </p:nvSpPr>
         <p:spPr>
           <a:xfrm>
-            <a:off x="704851" y="2084789"/>
+            <a:off x="704851" y="2075263"/>
             <a:ext cx="6915150" cy="4077885"/>
           </a:xfrm>
         </p:spPr>
@@ -5927,7 +6693,7 @@
             </a:r>
             <a:r>
               <a:rPr lang="en-US" sz="2000" dirty="0"/>
-              <a:t>Origin/destination, is the user interested in arriving in a bus stop or a location? Where?</a:t>
+              <a:t>What are his priorities in the trip (pay less, switch lines as little as possible, go through the least stops or ride for the lowest distance)?</a:t>
             </a:r>
           </a:p>
           <a:p>
@@ -5952,7 +6718,7 @@
             </a:r>
             <a:r>
               <a:rPr lang="en-US" sz="2000" dirty="0"/>
-              <a:t>Is the user willing to walk between stops to catch another bus? For how long? And if he chose a location as an origin/destination, how much is he willing to walk to arrive there?</a:t>
+              <a:t>Is the user travelling on day of night shift?</a:t>
             </a:r>
           </a:p>
           <a:p>
@@ -5977,14 +6743,8 @@
             </a:r>
             <a:r>
               <a:rPr lang="en-US" sz="2000" dirty="0"/>
-              <a:t>What are his priorities in the trip (pay less, switch lines as little as possible, )?</a:t>
-            </a:r>
-          </a:p>
-          <a:p>
-            <a:pPr marL="0" indent="0">
-              <a:buNone/>
-            </a:pPr>
-            <a:endParaRPr lang="en-US" sz="2000" dirty="0"/>
+              <a:t>What is the origin and the destination? Is it already a stop or a location? Is the user willing to walk between stops to catch another bus? For how long? And if he chose a location as an origin/destination, how much is he willing to walk to arrive there?</a:t>
+            </a:r>
           </a:p>
         </p:txBody>
       </p:sp>
@@ -6075,6 +6835,214 @@
               <a:rPr lang="en-US" b="1" dirty="0"/>
               <a:t>Implemented functionalities</a:t>
             </a:r>
+          </a:p>
+        </p:txBody>
+      </p:sp>
+      <p:sp>
+        <p:nvSpPr>
+          <p:cNvPr id="7" name="Content Placeholder 2">
+            <a:extLst>
+              <a:ext uri="{FF2B5EF4-FFF2-40B4-BE49-F238E27FC236}">
+                <a16:creationId xmlns:a16="http://schemas.microsoft.com/office/drawing/2014/main" id="{3C32B354-76A8-4C83-AC65-C21CCB288FDB}"/>
+              </a:ext>
+            </a:extLst>
+          </p:cNvPr>
+          <p:cNvSpPr txBox="1">
+            <a:spLocks/>
+          </p:cNvSpPr>
+          <p:nvPr/>
+        </p:nvSpPr>
+        <p:spPr>
+          <a:xfrm>
+            <a:off x="7753352" y="3919538"/>
+            <a:ext cx="1571624" cy="457198"/>
+          </a:xfrm>
+          <a:prstGeom prst="rect">
+            <a:avLst/>
+          </a:prstGeom>
+        </p:spPr>
+        <p:txBody>
+          <a:bodyPr vert="horz" lIns="91440" tIns="45720" rIns="91440" bIns="45720" rtlCol="0">
+            <a:normAutofit/>
+          </a:bodyPr>
+          <a:lstStyle>
+            <a:lvl1pPr marL="228600" indent="-228600" algn="l" defTabSz="914400" rtl="0" eaLnBrk="1" latinLnBrk="0" hangingPunct="1">
+              <a:lnSpc>
+                <a:spcPct val="90000"/>
+              </a:lnSpc>
+              <a:spcBef>
+                <a:spcPts val="1000"/>
+              </a:spcBef>
+              <a:buFont typeface="Arial" panose="020B0604020202020204" pitchFamily="34" charset="0"/>
+              <a:buChar char="•"/>
+              <a:defRPr sz="2800" kern="1200">
+                <a:solidFill>
+                  <a:schemeClr val="tx1"/>
+                </a:solidFill>
+                <a:latin typeface="+mn-lt"/>
+                <a:ea typeface="+mn-ea"/>
+                <a:cs typeface="+mn-cs"/>
+              </a:defRPr>
+            </a:lvl1pPr>
+            <a:lvl2pPr marL="685800" indent="-228600" algn="l" defTabSz="914400" rtl="0" eaLnBrk="1" latinLnBrk="0" hangingPunct="1">
+              <a:lnSpc>
+                <a:spcPct val="90000"/>
+              </a:lnSpc>
+              <a:spcBef>
+                <a:spcPts val="500"/>
+              </a:spcBef>
+              <a:buFont typeface="Arial" panose="020B0604020202020204" pitchFamily="34" charset="0"/>
+              <a:buChar char="•"/>
+              <a:defRPr sz="2400" kern="1200">
+                <a:solidFill>
+                  <a:schemeClr val="tx1"/>
+                </a:solidFill>
+                <a:latin typeface="+mn-lt"/>
+                <a:ea typeface="+mn-ea"/>
+                <a:cs typeface="+mn-cs"/>
+              </a:defRPr>
+            </a:lvl2pPr>
+            <a:lvl3pPr marL="1143000" indent="-228600" algn="l" defTabSz="914400" rtl="0" eaLnBrk="1" latinLnBrk="0" hangingPunct="1">
+              <a:lnSpc>
+                <a:spcPct val="90000"/>
+              </a:lnSpc>
+              <a:spcBef>
+                <a:spcPts val="500"/>
+              </a:spcBef>
+              <a:buFont typeface="Arial" panose="020B0604020202020204" pitchFamily="34" charset="0"/>
+              <a:buChar char="•"/>
+              <a:defRPr sz="2000" kern="1200">
+                <a:solidFill>
+                  <a:schemeClr val="tx1"/>
+                </a:solidFill>
+                <a:latin typeface="+mn-lt"/>
+                <a:ea typeface="+mn-ea"/>
+                <a:cs typeface="+mn-cs"/>
+              </a:defRPr>
+            </a:lvl3pPr>
+            <a:lvl4pPr marL="1600200" indent="-228600" algn="l" defTabSz="914400" rtl="0" eaLnBrk="1" latinLnBrk="0" hangingPunct="1">
+              <a:lnSpc>
+                <a:spcPct val="90000"/>
+              </a:lnSpc>
+              <a:spcBef>
+                <a:spcPts val="500"/>
+              </a:spcBef>
+              <a:buFont typeface="Arial" panose="020B0604020202020204" pitchFamily="34" charset="0"/>
+              <a:buChar char="•"/>
+              <a:defRPr sz="1800" kern="1200">
+                <a:solidFill>
+                  <a:schemeClr val="tx1"/>
+                </a:solidFill>
+                <a:latin typeface="+mn-lt"/>
+                <a:ea typeface="+mn-ea"/>
+                <a:cs typeface="+mn-cs"/>
+              </a:defRPr>
+            </a:lvl4pPr>
+            <a:lvl5pPr marL="2057400" indent="-228600" algn="l" defTabSz="914400" rtl="0" eaLnBrk="1" latinLnBrk="0" hangingPunct="1">
+              <a:lnSpc>
+                <a:spcPct val="90000"/>
+              </a:lnSpc>
+              <a:spcBef>
+                <a:spcPts val="500"/>
+              </a:spcBef>
+              <a:buFont typeface="Arial" panose="020B0604020202020204" pitchFamily="34" charset="0"/>
+              <a:buChar char="•"/>
+              <a:defRPr sz="1800" kern="1200">
+                <a:solidFill>
+                  <a:schemeClr val="tx1"/>
+                </a:solidFill>
+                <a:latin typeface="+mn-lt"/>
+                <a:ea typeface="+mn-ea"/>
+                <a:cs typeface="+mn-cs"/>
+              </a:defRPr>
+            </a:lvl5pPr>
+            <a:lvl6pPr marL="2514600" indent="-228600" algn="l" defTabSz="914400" rtl="0" eaLnBrk="1" latinLnBrk="0" hangingPunct="1">
+              <a:lnSpc>
+                <a:spcPct val="90000"/>
+              </a:lnSpc>
+              <a:spcBef>
+                <a:spcPts val="500"/>
+              </a:spcBef>
+              <a:buFont typeface="Arial" panose="020B0604020202020204" pitchFamily="34" charset="0"/>
+              <a:buChar char="•"/>
+              <a:defRPr sz="1800" kern="1200">
+                <a:solidFill>
+                  <a:schemeClr val="tx1"/>
+                </a:solidFill>
+                <a:latin typeface="+mn-lt"/>
+                <a:ea typeface="+mn-ea"/>
+                <a:cs typeface="+mn-cs"/>
+              </a:defRPr>
+            </a:lvl6pPr>
+            <a:lvl7pPr marL="2971800" indent="-228600" algn="l" defTabSz="914400" rtl="0" eaLnBrk="1" latinLnBrk="0" hangingPunct="1">
+              <a:lnSpc>
+                <a:spcPct val="90000"/>
+              </a:lnSpc>
+              <a:spcBef>
+                <a:spcPts val="500"/>
+              </a:spcBef>
+              <a:buFont typeface="Arial" panose="020B0604020202020204" pitchFamily="34" charset="0"/>
+              <a:buChar char="•"/>
+              <a:defRPr sz="1800" kern="1200">
+                <a:solidFill>
+                  <a:schemeClr val="tx1"/>
+                </a:solidFill>
+                <a:latin typeface="+mn-lt"/>
+                <a:ea typeface="+mn-ea"/>
+                <a:cs typeface="+mn-cs"/>
+              </a:defRPr>
+            </a:lvl7pPr>
+            <a:lvl8pPr marL="3429000" indent="-228600" algn="l" defTabSz="914400" rtl="0" eaLnBrk="1" latinLnBrk="0" hangingPunct="1">
+              <a:lnSpc>
+                <a:spcPct val="90000"/>
+              </a:lnSpc>
+              <a:spcBef>
+                <a:spcPts val="500"/>
+              </a:spcBef>
+              <a:buFont typeface="Arial" panose="020B0604020202020204" pitchFamily="34" charset="0"/>
+              <a:buChar char="•"/>
+              <a:defRPr sz="1800" kern="1200">
+                <a:solidFill>
+                  <a:schemeClr val="tx1"/>
+                </a:solidFill>
+                <a:latin typeface="+mn-lt"/>
+                <a:ea typeface="+mn-ea"/>
+                <a:cs typeface="+mn-cs"/>
+              </a:defRPr>
+            </a:lvl8pPr>
+            <a:lvl9pPr marL="3886200" indent="-228600" algn="l" defTabSz="914400" rtl="0" eaLnBrk="1" latinLnBrk="0" hangingPunct="1">
+              <a:lnSpc>
+                <a:spcPct val="90000"/>
+              </a:lnSpc>
+              <a:spcBef>
+                <a:spcPts val="500"/>
+              </a:spcBef>
+              <a:buFont typeface="Arial" panose="020B0604020202020204" pitchFamily="34" charset="0"/>
+              <a:buChar char="•"/>
+              <a:defRPr sz="1800" kern="1200">
+                <a:solidFill>
+                  <a:schemeClr val="tx1"/>
+                </a:solidFill>
+                <a:latin typeface="+mn-lt"/>
+                <a:ea typeface="+mn-ea"/>
+                <a:cs typeface="+mn-cs"/>
+              </a:defRPr>
+            </a:lvl9pPr>
+          </a:lstStyle>
+          <a:p>
+            <a:pPr marL="0" indent="0">
+              <a:buFont typeface="Arial" panose="020B0604020202020204" pitchFamily="34" charset="0"/>
+              <a:buNone/>
+            </a:pPr>
+            <a:r>
+              <a:rPr lang="en-US" sz="2000" b="1" dirty="0">
+                <a:solidFill>
+                  <a:srgbClr val="993300"/>
+                </a:solidFill>
+              </a:rPr>
+              <a:t>Final details</a:t>
+            </a:r>
+            <a:endParaRPr lang="en-US" sz="2000" dirty="0"/>
           </a:p>
         </p:txBody>
       </p:sp>
@@ -6108,63 +7076,6 @@
           <a:chExt cx="0" cy="0"/>
         </a:xfrm>
       </p:grpSpPr>
-      <p:sp>
-        <p:nvSpPr>
-          <p:cNvPr id="3" name="Content Placeholder 2">
-            <a:extLst>
-              <a:ext uri="{FF2B5EF4-FFF2-40B4-BE49-F238E27FC236}">
-                <a16:creationId xmlns:a16="http://schemas.microsoft.com/office/drawing/2014/main" id="{85F8C973-E34A-4BB1-B4F7-B731E0A66CEF}"/>
-              </a:ext>
-            </a:extLst>
-          </p:cNvPr>
-          <p:cNvSpPr>
-            <a:spLocks noGrp="1"/>
-          </p:cNvSpPr>
-          <p:nvPr>
-            <p:ph idx="1"/>
-          </p:nvPr>
-        </p:nvSpPr>
-        <p:spPr>
-          <a:xfrm>
-            <a:off x="704851" y="2084789"/>
-            <a:ext cx="6915150" cy="4077885"/>
-          </a:xfrm>
-        </p:spPr>
-        <p:txBody>
-          <a:bodyPr>
-            <a:normAutofit/>
-          </a:bodyPr>
-          <a:lstStyle/>
-          <a:p>
-            <a:pPr marL="0" indent="0">
-              <a:buNone/>
-            </a:pPr>
-            <a:r>
-              <a:rPr lang="en-US" sz="2000" b="1" dirty="0">
-                <a:solidFill>
-                  <a:srgbClr val="993300"/>
-                </a:solidFill>
-              </a:rPr>
-              <a:t>Graph 1</a:t>
-            </a:r>
-          </a:p>
-          <a:p>
-            <a:pPr marL="0" indent="0">
-              <a:buNone/>
-            </a:pPr>
-            <a:r>
-              <a:rPr lang="en-US" sz="2000" dirty="0"/>
-              <a:t>I do this!</a:t>
-            </a:r>
-          </a:p>
-          <a:p>
-            <a:pPr marL="0" indent="0">
-              <a:buNone/>
-            </a:pPr>
-            <a:endParaRPr lang="en-US" sz="2000" dirty="0"/>
-          </a:p>
-        </p:txBody>
-      </p:sp>
       <p:pic>
         <p:nvPicPr>
           <p:cNvPr id="5" name="Picture 4" descr="A picture containing text, clipart&#10;&#10;Description automatically generated">
@@ -6218,7 +7129,7 @@
         <p:spPr>
           <a:xfrm>
             <a:off x="704851" y="570706"/>
-            <a:ext cx="7219949" cy="914399"/>
+            <a:ext cx="7219949" cy="1243807"/>
           </a:xfrm>
           <a:prstGeom prst="rect">
             <a:avLst/>
@@ -6226,32 +7137,365 @@
         </p:spPr>
         <p:txBody>
           <a:bodyPr vert="horz" lIns="91440" tIns="45720" rIns="91440" bIns="45720" rtlCol="0" anchor="ctr">
+            <a:normAutofit lnSpcReduction="10000"/>
+          </a:bodyPr>
+          <a:lstStyle>
+            <a:lvl1pPr algn="l" defTabSz="914400" rtl="0" eaLnBrk="1" latinLnBrk="0" hangingPunct="1">
+              <a:lnSpc>
+                <a:spcPct val="90000"/>
+              </a:lnSpc>
+              <a:spcBef>
+                <a:spcPct val="0"/>
+              </a:spcBef>
+              <a:buNone/>
+              <a:defRPr sz="4400" kern="1200">
+                <a:solidFill>
+                  <a:schemeClr val="tx1"/>
+                </a:solidFill>
+                <a:latin typeface="+mj-lt"/>
+                <a:ea typeface="+mj-ea"/>
+                <a:cs typeface="+mj-cs"/>
+              </a:defRPr>
+            </a:lvl1pPr>
+          </a:lstStyle>
+          <a:p>
+            <a:r>
+              <a:rPr lang="en-US" b="1" dirty="0"/>
+              <a:t>Implemented functionalities (1)</a:t>
+            </a:r>
+          </a:p>
+          <a:p>
+            <a:r>
+              <a:rPr lang="en-US" b="1" dirty="0"/>
+              <a:t>Searches using BFS</a:t>
+            </a:r>
+          </a:p>
+        </p:txBody>
+      </p:sp>
+      <p:sp>
+        <p:nvSpPr>
+          <p:cNvPr id="14" name="Content Placeholder 2">
+            <a:extLst>
+              <a:ext uri="{FF2B5EF4-FFF2-40B4-BE49-F238E27FC236}">
+                <a16:creationId xmlns:a16="http://schemas.microsoft.com/office/drawing/2014/main" id="{44731BD7-CF9C-465F-98F4-7478215C0398}"/>
+              </a:ext>
+            </a:extLst>
+          </p:cNvPr>
+          <p:cNvSpPr txBox="1">
+            <a:spLocks/>
+          </p:cNvSpPr>
+          <p:nvPr/>
+        </p:nvSpPr>
+        <p:spPr>
+          <a:xfrm>
+            <a:off x="571500" y="2153446"/>
+            <a:ext cx="11029950" cy="4704554"/>
+          </a:xfrm>
+          <a:prstGeom prst="rect">
+            <a:avLst/>
+          </a:prstGeom>
+        </p:spPr>
+        <p:txBody>
+          <a:bodyPr vert="horz" lIns="91440" tIns="45720" rIns="91440" bIns="45720" rtlCol="0">
             <a:normAutofit/>
           </a:bodyPr>
           <a:lstStyle>
-            <a:lvl1pPr algn="l" defTabSz="914400" rtl="0" eaLnBrk="1" latinLnBrk="0" hangingPunct="1">
-              <a:lnSpc>
-                <a:spcPct val="90000"/>
-              </a:lnSpc>
-              <a:spcBef>
-                <a:spcPct val="0"/>
-              </a:spcBef>
-              <a:buNone/>
-              <a:defRPr sz="4400" kern="1200">
-                <a:solidFill>
-                  <a:schemeClr val="tx1"/>
-                </a:solidFill>
-                <a:latin typeface="+mj-lt"/>
-                <a:ea typeface="+mj-ea"/>
-                <a:cs typeface="+mj-cs"/>
+            <a:lvl1pPr marL="228600" indent="-228600" algn="l" defTabSz="914400" rtl="0" eaLnBrk="1" latinLnBrk="0" hangingPunct="1">
+              <a:lnSpc>
+                <a:spcPct val="90000"/>
+              </a:lnSpc>
+              <a:spcBef>
+                <a:spcPts val="1000"/>
+              </a:spcBef>
+              <a:buFont typeface="Arial" panose="020B0604020202020204" pitchFamily="34" charset="0"/>
+              <a:buChar char="•"/>
+              <a:defRPr sz="2800" kern="1200">
+                <a:solidFill>
+                  <a:schemeClr val="tx1"/>
+                </a:solidFill>
+                <a:latin typeface="+mn-lt"/>
+                <a:ea typeface="+mn-ea"/>
+                <a:cs typeface="+mn-cs"/>
               </a:defRPr>
             </a:lvl1pPr>
+            <a:lvl2pPr marL="685800" indent="-228600" algn="l" defTabSz="914400" rtl="0" eaLnBrk="1" latinLnBrk="0" hangingPunct="1">
+              <a:lnSpc>
+                <a:spcPct val="90000"/>
+              </a:lnSpc>
+              <a:spcBef>
+                <a:spcPts val="500"/>
+              </a:spcBef>
+              <a:buFont typeface="Arial" panose="020B0604020202020204" pitchFamily="34" charset="0"/>
+              <a:buChar char="•"/>
+              <a:defRPr sz="2400" kern="1200">
+                <a:solidFill>
+                  <a:schemeClr val="tx1"/>
+                </a:solidFill>
+                <a:latin typeface="+mn-lt"/>
+                <a:ea typeface="+mn-ea"/>
+                <a:cs typeface="+mn-cs"/>
+              </a:defRPr>
+            </a:lvl2pPr>
+            <a:lvl3pPr marL="1143000" indent="-228600" algn="l" defTabSz="914400" rtl="0" eaLnBrk="1" latinLnBrk="0" hangingPunct="1">
+              <a:lnSpc>
+                <a:spcPct val="90000"/>
+              </a:lnSpc>
+              <a:spcBef>
+                <a:spcPts val="500"/>
+              </a:spcBef>
+              <a:buFont typeface="Arial" panose="020B0604020202020204" pitchFamily="34" charset="0"/>
+              <a:buChar char="•"/>
+              <a:defRPr sz="2000" kern="1200">
+                <a:solidFill>
+                  <a:schemeClr val="tx1"/>
+                </a:solidFill>
+                <a:latin typeface="+mn-lt"/>
+                <a:ea typeface="+mn-ea"/>
+                <a:cs typeface="+mn-cs"/>
+              </a:defRPr>
+            </a:lvl3pPr>
+            <a:lvl4pPr marL="1600200" indent="-228600" algn="l" defTabSz="914400" rtl="0" eaLnBrk="1" latinLnBrk="0" hangingPunct="1">
+              <a:lnSpc>
+                <a:spcPct val="90000"/>
+              </a:lnSpc>
+              <a:spcBef>
+                <a:spcPts val="500"/>
+              </a:spcBef>
+              <a:buFont typeface="Arial" panose="020B0604020202020204" pitchFamily="34" charset="0"/>
+              <a:buChar char="•"/>
+              <a:defRPr sz="1800" kern="1200">
+                <a:solidFill>
+                  <a:schemeClr val="tx1"/>
+                </a:solidFill>
+                <a:latin typeface="+mn-lt"/>
+                <a:ea typeface="+mn-ea"/>
+                <a:cs typeface="+mn-cs"/>
+              </a:defRPr>
+            </a:lvl4pPr>
+            <a:lvl5pPr marL="2057400" indent="-228600" algn="l" defTabSz="914400" rtl="0" eaLnBrk="1" latinLnBrk="0" hangingPunct="1">
+              <a:lnSpc>
+                <a:spcPct val="90000"/>
+              </a:lnSpc>
+              <a:spcBef>
+                <a:spcPts val="500"/>
+              </a:spcBef>
+              <a:buFont typeface="Arial" panose="020B0604020202020204" pitchFamily="34" charset="0"/>
+              <a:buChar char="•"/>
+              <a:defRPr sz="1800" kern="1200">
+                <a:solidFill>
+                  <a:schemeClr val="tx1"/>
+                </a:solidFill>
+                <a:latin typeface="+mn-lt"/>
+                <a:ea typeface="+mn-ea"/>
+                <a:cs typeface="+mn-cs"/>
+              </a:defRPr>
+            </a:lvl5pPr>
+            <a:lvl6pPr marL="2514600" indent="-228600" algn="l" defTabSz="914400" rtl="0" eaLnBrk="1" latinLnBrk="0" hangingPunct="1">
+              <a:lnSpc>
+                <a:spcPct val="90000"/>
+              </a:lnSpc>
+              <a:spcBef>
+                <a:spcPts val="500"/>
+              </a:spcBef>
+              <a:buFont typeface="Arial" panose="020B0604020202020204" pitchFamily="34" charset="0"/>
+              <a:buChar char="•"/>
+              <a:defRPr sz="1800" kern="1200">
+                <a:solidFill>
+                  <a:schemeClr val="tx1"/>
+                </a:solidFill>
+                <a:latin typeface="+mn-lt"/>
+                <a:ea typeface="+mn-ea"/>
+                <a:cs typeface="+mn-cs"/>
+              </a:defRPr>
+            </a:lvl6pPr>
+            <a:lvl7pPr marL="2971800" indent="-228600" algn="l" defTabSz="914400" rtl="0" eaLnBrk="1" latinLnBrk="0" hangingPunct="1">
+              <a:lnSpc>
+                <a:spcPct val="90000"/>
+              </a:lnSpc>
+              <a:spcBef>
+                <a:spcPts val="500"/>
+              </a:spcBef>
+              <a:buFont typeface="Arial" panose="020B0604020202020204" pitchFamily="34" charset="0"/>
+              <a:buChar char="•"/>
+              <a:defRPr sz="1800" kern="1200">
+                <a:solidFill>
+                  <a:schemeClr val="tx1"/>
+                </a:solidFill>
+                <a:latin typeface="+mn-lt"/>
+                <a:ea typeface="+mn-ea"/>
+                <a:cs typeface="+mn-cs"/>
+              </a:defRPr>
+            </a:lvl7pPr>
+            <a:lvl8pPr marL="3429000" indent="-228600" algn="l" defTabSz="914400" rtl="0" eaLnBrk="1" latinLnBrk="0" hangingPunct="1">
+              <a:lnSpc>
+                <a:spcPct val="90000"/>
+              </a:lnSpc>
+              <a:spcBef>
+                <a:spcPts val="500"/>
+              </a:spcBef>
+              <a:buFont typeface="Arial" panose="020B0604020202020204" pitchFamily="34" charset="0"/>
+              <a:buChar char="•"/>
+              <a:defRPr sz="1800" kern="1200">
+                <a:solidFill>
+                  <a:schemeClr val="tx1"/>
+                </a:solidFill>
+                <a:latin typeface="+mn-lt"/>
+                <a:ea typeface="+mn-ea"/>
+                <a:cs typeface="+mn-cs"/>
+              </a:defRPr>
+            </a:lvl8pPr>
+            <a:lvl9pPr marL="3886200" indent="-228600" algn="l" defTabSz="914400" rtl="0" eaLnBrk="1" latinLnBrk="0" hangingPunct="1">
+              <a:lnSpc>
+                <a:spcPct val="90000"/>
+              </a:lnSpc>
+              <a:spcBef>
+                <a:spcPts val="500"/>
+              </a:spcBef>
+              <a:buFont typeface="Arial" panose="020B0604020202020204" pitchFamily="34" charset="0"/>
+              <a:buChar char="•"/>
+              <a:defRPr sz="1800" kern="1200">
+                <a:solidFill>
+                  <a:schemeClr val="tx1"/>
+                </a:solidFill>
+                <a:latin typeface="+mn-lt"/>
+                <a:ea typeface="+mn-ea"/>
+                <a:cs typeface="+mn-cs"/>
+              </a:defRPr>
+            </a:lvl9pPr>
           </a:lstStyle>
           <a:p>
-            <a:r>
-              <a:rPr lang="en-US" b="1" dirty="0"/>
-              <a:t>Implemented functionalities</a:t>
-            </a:r>
+            <a:pPr marL="0" indent="0">
+              <a:buFont typeface="Arial" panose="020B0604020202020204" pitchFamily="34" charset="0"/>
+              <a:buNone/>
+            </a:pPr>
+            <a:r>
+              <a:rPr lang="en-US" altLang="en-US" sz="2000" b="1" dirty="0">
+                <a:solidFill>
+                  <a:srgbClr val="993300"/>
+                </a:solidFill>
+              </a:rPr>
+              <a:t>Path starting at a stop and ending at a location</a:t>
+            </a:r>
+          </a:p>
+          <a:p>
+            <a:pPr marL="0" indent="0">
+              <a:buFont typeface="Arial" panose="020B0604020202020204" pitchFamily="34" charset="0"/>
+              <a:buNone/>
+            </a:pPr>
+            <a:r>
+              <a:rPr lang="en-US" sz="2000" dirty="0"/>
+              <a:t>Time complexity: O( n^3 )</a:t>
+            </a:r>
+          </a:p>
+          <a:p>
+            <a:pPr marL="0" indent="0">
+              <a:buFont typeface="Arial" panose="020B0604020202020204" pitchFamily="34" charset="0"/>
+              <a:buNone/>
+            </a:pPr>
+            <a:endParaRPr lang="en-US" sz="2000" dirty="0"/>
+          </a:p>
+          <a:p>
+            <a:pPr marL="0" indent="0">
+              <a:buFont typeface="Arial" panose="020B0604020202020204" pitchFamily="34" charset="0"/>
+              <a:buNone/>
+            </a:pPr>
+            <a:r>
+              <a:rPr lang="en-US" altLang="en-US" sz="2000" b="1" dirty="0">
+                <a:solidFill>
+                  <a:srgbClr val="993300"/>
+                </a:solidFill>
+              </a:rPr>
+              <a:t>Path starting at a location and ending at a stop</a:t>
+            </a:r>
+          </a:p>
+          <a:p>
+            <a:pPr marL="0" indent="0">
+              <a:buFont typeface="Arial" panose="020B0604020202020204" pitchFamily="34" charset="0"/>
+              <a:buNone/>
+            </a:pPr>
+            <a:r>
+              <a:rPr lang="en-US" sz="2000" dirty="0"/>
+              <a:t>Time complexity: O( n^3 )</a:t>
+            </a:r>
+          </a:p>
+          <a:p>
+            <a:pPr marL="0" indent="0">
+              <a:buFont typeface="Arial" panose="020B0604020202020204" pitchFamily="34" charset="0"/>
+              <a:buNone/>
+            </a:pPr>
+            <a:endParaRPr lang="en-US" sz="2000" dirty="0"/>
+          </a:p>
+          <a:p>
+            <a:pPr marL="0" indent="0">
+              <a:buFont typeface="Arial" panose="020B0604020202020204" pitchFamily="34" charset="0"/>
+              <a:buNone/>
+            </a:pPr>
+            <a:r>
+              <a:rPr lang="en-US" sz="2000" b="1" dirty="0">
+                <a:solidFill>
+                  <a:srgbClr val="993300"/>
+                </a:solidFill>
+              </a:rPr>
+              <a:t>Path between two stops</a:t>
+            </a:r>
+          </a:p>
+          <a:p>
+            <a:pPr marL="0" indent="0">
+              <a:buNone/>
+            </a:pPr>
+            <a:r>
+              <a:rPr lang="en-US" sz="2000" dirty="0"/>
+              <a:t>Time complexity: O( n^2 )</a:t>
+            </a:r>
+          </a:p>
+          <a:p>
+            <a:pPr marL="0" indent="0">
+              <a:buNone/>
+            </a:pPr>
+            <a:endParaRPr lang="en-US" sz="2000" dirty="0"/>
+          </a:p>
+          <a:p>
+            <a:pPr marL="0" indent="0">
+              <a:buFont typeface="Arial" panose="020B0604020202020204" pitchFamily="34" charset="0"/>
+              <a:buNone/>
+            </a:pPr>
+            <a:r>
+              <a:rPr lang="en-US" sz="2000" b="1" dirty="0">
+                <a:solidFill>
+                  <a:srgbClr val="993300"/>
+                </a:solidFill>
+              </a:rPr>
+              <a:t>Path between two locations</a:t>
+            </a:r>
+          </a:p>
+          <a:p>
+            <a:pPr marL="0" indent="0">
+              <a:buNone/>
+            </a:pPr>
+            <a:r>
+              <a:rPr lang="en-US" sz="2000" dirty="0"/>
+              <a:t>Time complexity: O( n^4 )</a:t>
+            </a:r>
+          </a:p>
+          <a:p>
+            <a:pPr marL="0" indent="0">
+              <a:buNone/>
+            </a:pPr>
+            <a:endParaRPr lang="en-US" sz="2000" dirty="0"/>
+          </a:p>
+          <a:p>
+            <a:pPr marL="0" indent="0">
+              <a:buFont typeface="Arial" panose="020B0604020202020204" pitchFamily="34" charset="0"/>
+              <a:buNone/>
+            </a:pPr>
+            <a:endParaRPr lang="en-US" sz="2000" dirty="0"/>
+          </a:p>
+          <a:p>
+            <a:pPr marL="0" indent="0">
+              <a:buFont typeface="Arial" panose="020B0604020202020204" pitchFamily="34" charset="0"/>
+              <a:buNone/>
+            </a:pPr>
+            <a:endParaRPr lang="en-US" sz="2000" dirty="0"/>
           </a:p>
         </p:txBody>
       </p:sp>
@@ -6338,6 +7582,459 @@
         <p:spPr>
           <a:xfrm>
             <a:off x="704851" y="570706"/>
+            <a:ext cx="7405687" cy="1243807"/>
+          </a:xfrm>
+          <a:prstGeom prst="rect">
+            <a:avLst/>
+          </a:prstGeom>
+        </p:spPr>
+        <p:txBody>
+          <a:bodyPr vert="horz" lIns="91440" tIns="45720" rIns="91440" bIns="45720" rtlCol="0" anchor="ctr">
+            <a:normAutofit fontScale="92500"/>
+          </a:bodyPr>
+          <a:lstStyle>
+            <a:lvl1pPr algn="l" defTabSz="914400" rtl="0" eaLnBrk="1" latinLnBrk="0" hangingPunct="1">
+              <a:lnSpc>
+                <a:spcPct val="90000"/>
+              </a:lnSpc>
+              <a:spcBef>
+                <a:spcPct val="0"/>
+              </a:spcBef>
+              <a:buNone/>
+              <a:defRPr sz="4400" kern="1200">
+                <a:solidFill>
+                  <a:schemeClr val="tx1"/>
+                </a:solidFill>
+                <a:latin typeface="+mj-lt"/>
+                <a:ea typeface="+mj-ea"/>
+                <a:cs typeface="+mj-cs"/>
+              </a:defRPr>
+            </a:lvl1pPr>
+          </a:lstStyle>
+          <a:p>
+            <a:r>
+              <a:rPr lang="en-US" b="1" dirty="0"/>
+              <a:t>Implemented functionalities (2)</a:t>
+            </a:r>
+          </a:p>
+          <a:p>
+            <a:r>
+              <a:rPr lang="en-US" b="1" dirty="0"/>
+              <a:t>Searches using Dijkstra's algorithm</a:t>
+            </a:r>
+          </a:p>
+        </p:txBody>
+      </p:sp>
+      <p:sp>
+        <p:nvSpPr>
+          <p:cNvPr id="14" name="Content Placeholder 2">
+            <a:extLst>
+              <a:ext uri="{FF2B5EF4-FFF2-40B4-BE49-F238E27FC236}">
+                <a16:creationId xmlns:a16="http://schemas.microsoft.com/office/drawing/2014/main" id="{44731BD7-CF9C-465F-98F4-7478215C0398}"/>
+              </a:ext>
+            </a:extLst>
+          </p:cNvPr>
+          <p:cNvSpPr txBox="1">
+            <a:spLocks/>
+          </p:cNvSpPr>
+          <p:nvPr/>
+        </p:nvSpPr>
+        <p:spPr>
+          <a:xfrm>
+            <a:off x="571500" y="2153446"/>
+            <a:ext cx="11029950" cy="4704554"/>
+          </a:xfrm>
+          <a:prstGeom prst="rect">
+            <a:avLst/>
+          </a:prstGeom>
+        </p:spPr>
+        <p:txBody>
+          <a:bodyPr vert="horz" lIns="91440" tIns="45720" rIns="91440" bIns="45720" rtlCol="0">
+            <a:normAutofit/>
+          </a:bodyPr>
+          <a:lstStyle>
+            <a:lvl1pPr marL="228600" indent="-228600" algn="l" defTabSz="914400" rtl="0" eaLnBrk="1" latinLnBrk="0" hangingPunct="1">
+              <a:lnSpc>
+                <a:spcPct val="90000"/>
+              </a:lnSpc>
+              <a:spcBef>
+                <a:spcPts val="1000"/>
+              </a:spcBef>
+              <a:buFont typeface="Arial" panose="020B0604020202020204" pitchFamily="34" charset="0"/>
+              <a:buChar char="•"/>
+              <a:defRPr sz="2800" kern="1200">
+                <a:solidFill>
+                  <a:schemeClr val="tx1"/>
+                </a:solidFill>
+                <a:latin typeface="+mn-lt"/>
+                <a:ea typeface="+mn-ea"/>
+                <a:cs typeface="+mn-cs"/>
+              </a:defRPr>
+            </a:lvl1pPr>
+            <a:lvl2pPr marL="685800" indent="-228600" algn="l" defTabSz="914400" rtl="0" eaLnBrk="1" latinLnBrk="0" hangingPunct="1">
+              <a:lnSpc>
+                <a:spcPct val="90000"/>
+              </a:lnSpc>
+              <a:spcBef>
+                <a:spcPts val="500"/>
+              </a:spcBef>
+              <a:buFont typeface="Arial" panose="020B0604020202020204" pitchFamily="34" charset="0"/>
+              <a:buChar char="•"/>
+              <a:defRPr sz="2400" kern="1200">
+                <a:solidFill>
+                  <a:schemeClr val="tx1"/>
+                </a:solidFill>
+                <a:latin typeface="+mn-lt"/>
+                <a:ea typeface="+mn-ea"/>
+                <a:cs typeface="+mn-cs"/>
+              </a:defRPr>
+            </a:lvl2pPr>
+            <a:lvl3pPr marL="1143000" indent="-228600" algn="l" defTabSz="914400" rtl="0" eaLnBrk="1" latinLnBrk="0" hangingPunct="1">
+              <a:lnSpc>
+                <a:spcPct val="90000"/>
+              </a:lnSpc>
+              <a:spcBef>
+                <a:spcPts val="500"/>
+              </a:spcBef>
+              <a:buFont typeface="Arial" panose="020B0604020202020204" pitchFamily="34" charset="0"/>
+              <a:buChar char="•"/>
+              <a:defRPr sz="2000" kern="1200">
+                <a:solidFill>
+                  <a:schemeClr val="tx1"/>
+                </a:solidFill>
+                <a:latin typeface="+mn-lt"/>
+                <a:ea typeface="+mn-ea"/>
+                <a:cs typeface="+mn-cs"/>
+              </a:defRPr>
+            </a:lvl3pPr>
+            <a:lvl4pPr marL="1600200" indent="-228600" algn="l" defTabSz="914400" rtl="0" eaLnBrk="1" latinLnBrk="0" hangingPunct="1">
+              <a:lnSpc>
+                <a:spcPct val="90000"/>
+              </a:lnSpc>
+              <a:spcBef>
+                <a:spcPts val="500"/>
+              </a:spcBef>
+              <a:buFont typeface="Arial" panose="020B0604020202020204" pitchFamily="34" charset="0"/>
+              <a:buChar char="•"/>
+              <a:defRPr sz="1800" kern="1200">
+                <a:solidFill>
+                  <a:schemeClr val="tx1"/>
+                </a:solidFill>
+                <a:latin typeface="+mn-lt"/>
+                <a:ea typeface="+mn-ea"/>
+                <a:cs typeface="+mn-cs"/>
+              </a:defRPr>
+            </a:lvl4pPr>
+            <a:lvl5pPr marL="2057400" indent="-228600" algn="l" defTabSz="914400" rtl="0" eaLnBrk="1" latinLnBrk="0" hangingPunct="1">
+              <a:lnSpc>
+                <a:spcPct val="90000"/>
+              </a:lnSpc>
+              <a:spcBef>
+                <a:spcPts val="500"/>
+              </a:spcBef>
+              <a:buFont typeface="Arial" panose="020B0604020202020204" pitchFamily="34" charset="0"/>
+              <a:buChar char="•"/>
+              <a:defRPr sz="1800" kern="1200">
+                <a:solidFill>
+                  <a:schemeClr val="tx1"/>
+                </a:solidFill>
+                <a:latin typeface="+mn-lt"/>
+                <a:ea typeface="+mn-ea"/>
+                <a:cs typeface="+mn-cs"/>
+              </a:defRPr>
+            </a:lvl5pPr>
+            <a:lvl6pPr marL="2514600" indent="-228600" algn="l" defTabSz="914400" rtl="0" eaLnBrk="1" latinLnBrk="0" hangingPunct="1">
+              <a:lnSpc>
+                <a:spcPct val="90000"/>
+              </a:lnSpc>
+              <a:spcBef>
+                <a:spcPts val="500"/>
+              </a:spcBef>
+              <a:buFont typeface="Arial" panose="020B0604020202020204" pitchFamily="34" charset="0"/>
+              <a:buChar char="•"/>
+              <a:defRPr sz="1800" kern="1200">
+                <a:solidFill>
+                  <a:schemeClr val="tx1"/>
+                </a:solidFill>
+                <a:latin typeface="+mn-lt"/>
+                <a:ea typeface="+mn-ea"/>
+                <a:cs typeface="+mn-cs"/>
+              </a:defRPr>
+            </a:lvl6pPr>
+            <a:lvl7pPr marL="2971800" indent="-228600" algn="l" defTabSz="914400" rtl="0" eaLnBrk="1" latinLnBrk="0" hangingPunct="1">
+              <a:lnSpc>
+                <a:spcPct val="90000"/>
+              </a:lnSpc>
+              <a:spcBef>
+                <a:spcPts val="500"/>
+              </a:spcBef>
+              <a:buFont typeface="Arial" panose="020B0604020202020204" pitchFamily="34" charset="0"/>
+              <a:buChar char="•"/>
+              <a:defRPr sz="1800" kern="1200">
+                <a:solidFill>
+                  <a:schemeClr val="tx1"/>
+                </a:solidFill>
+                <a:latin typeface="+mn-lt"/>
+                <a:ea typeface="+mn-ea"/>
+                <a:cs typeface="+mn-cs"/>
+              </a:defRPr>
+            </a:lvl7pPr>
+            <a:lvl8pPr marL="3429000" indent="-228600" algn="l" defTabSz="914400" rtl="0" eaLnBrk="1" latinLnBrk="0" hangingPunct="1">
+              <a:lnSpc>
+                <a:spcPct val="90000"/>
+              </a:lnSpc>
+              <a:spcBef>
+                <a:spcPts val="500"/>
+              </a:spcBef>
+              <a:buFont typeface="Arial" panose="020B0604020202020204" pitchFamily="34" charset="0"/>
+              <a:buChar char="•"/>
+              <a:defRPr sz="1800" kern="1200">
+                <a:solidFill>
+                  <a:schemeClr val="tx1"/>
+                </a:solidFill>
+                <a:latin typeface="+mn-lt"/>
+                <a:ea typeface="+mn-ea"/>
+                <a:cs typeface="+mn-cs"/>
+              </a:defRPr>
+            </a:lvl8pPr>
+            <a:lvl9pPr marL="3886200" indent="-228600" algn="l" defTabSz="914400" rtl="0" eaLnBrk="1" latinLnBrk="0" hangingPunct="1">
+              <a:lnSpc>
+                <a:spcPct val="90000"/>
+              </a:lnSpc>
+              <a:spcBef>
+                <a:spcPts val="500"/>
+              </a:spcBef>
+              <a:buFont typeface="Arial" panose="020B0604020202020204" pitchFamily="34" charset="0"/>
+              <a:buChar char="•"/>
+              <a:defRPr sz="1800" kern="1200">
+                <a:solidFill>
+                  <a:schemeClr val="tx1"/>
+                </a:solidFill>
+                <a:latin typeface="+mn-lt"/>
+                <a:ea typeface="+mn-ea"/>
+                <a:cs typeface="+mn-cs"/>
+              </a:defRPr>
+            </a:lvl9pPr>
+          </a:lstStyle>
+          <a:p>
+            <a:pPr marL="0" indent="0">
+              <a:buFont typeface="Arial" panose="020B0604020202020204" pitchFamily="34" charset="0"/>
+              <a:buNone/>
+            </a:pPr>
+            <a:r>
+              <a:rPr lang="en-US" altLang="en-US" sz="2000" b="1" dirty="0">
+                <a:solidFill>
+                  <a:srgbClr val="993300"/>
+                </a:solidFill>
+              </a:rPr>
+              <a:t>Path starting at a stop and ending at a location</a:t>
+            </a:r>
+          </a:p>
+          <a:p>
+            <a:pPr marL="0" indent="0">
+              <a:buFont typeface="Arial" panose="020B0604020202020204" pitchFamily="34" charset="0"/>
+              <a:buNone/>
+            </a:pPr>
+            <a:r>
+              <a:rPr lang="en-US" sz="2000" dirty="0"/>
+              <a:t>Time complexity: O( n^2*log(n) )</a:t>
+            </a:r>
+          </a:p>
+          <a:p>
+            <a:pPr marL="0" indent="0">
+              <a:buFont typeface="Arial" panose="020B0604020202020204" pitchFamily="34" charset="0"/>
+              <a:buNone/>
+            </a:pPr>
+            <a:endParaRPr lang="en-US" sz="2000" dirty="0"/>
+          </a:p>
+          <a:p>
+            <a:pPr marL="0" indent="0">
+              <a:buFont typeface="Arial" panose="020B0604020202020204" pitchFamily="34" charset="0"/>
+              <a:buNone/>
+            </a:pPr>
+            <a:r>
+              <a:rPr lang="en-US" altLang="en-US" sz="2000" b="1" dirty="0">
+                <a:solidFill>
+                  <a:srgbClr val="993300"/>
+                </a:solidFill>
+              </a:rPr>
+              <a:t>Path starting at a location and ending at a stop</a:t>
+            </a:r>
+          </a:p>
+          <a:p>
+            <a:pPr marL="0" indent="0">
+              <a:buFont typeface="Arial" panose="020B0604020202020204" pitchFamily="34" charset="0"/>
+              <a:buNone/>
+            </a:pPr>
+            <a:r>
+              <a:rPr lang="en-US" sz="2000" dirty="0"/>
+              <a:t>Time complexity: O( n^2*log(n) )</a:t>
+            </a:r>
+          </a:p>
+          <a:p>
+            <a:pPr marL="0" indent="0">
+              <a:buFont typeface="Arial" panose="020B0604020202020204" pitchFamily="34" charset="0"/>
+              <a:buNone/>
+            </a:pPr>
+            <a:endParaRPr lang="en-US" sz="2000" dirty="0"/>
+          </a:p>
+          <a:p>
+            <a:pPr marL="0" indent="0">
+              <a:buFont typeface="Arial" panose="020B0604020202020204" pitchFamily="34" charset="0"/>
+              <a:buNone/>
+            </a:pPr>
+            <a:r>
+              <a:rPr lang="en-US" sz="2000" b="1" dirty="0">
+                <a:solidFill>
+                  <a:srgbClr val="993300"/>
+                </a:solidFill>
+              </a:rPr>
+              <a:t>Path between two stops</a:t>
+            </a:r>
+          </a:p>
+          <a:p>
+            <a:pPr marL="0" indent="0">
+              <a:buNone/>
+            </a:pPr>
+            <a:r>
+              <a:rPr lang="en-US" sz="2000" dirty="0"/>
+              <a:t>Time complexity: O( log(n) )</a:t>
+            </a:r>
+          </a:p>
+          <a:p>
+            <a:pPr marL="0" indent="0">
+              <a:buNone/>
+            </a:pPr>
+            <a:endParaRPr lang="en-US" sz="2000" dirty="0"/>
+          </a:p>
+          <a:p>
+            <a:pPr marL="0" indent="0">
+              <a:buFont typeface="Arial" panose="020B0604020202020204" pitchFamily="34" charset="0"/>
+              <a:buNone/>
+            </a:pPr>
+            <a:r>
+              <a:rPr lang="en-US" sz="2000" b="1" dirty="0">
+                <a:solidFill>
+                  <a:srgbClr val="993300"/>
+                </a:solidFill>
+              </a:rPr>
+              <a:t>Path between two locations</a:t>
+            </a:r>
+          </a:p>
+          <a:p>
+            <a:pPr marL="0" indent="0">
+              <a:buNone/>
+            </a:pPr>
+            <a:r>
+              <a:rPr lang="en-US" sz="2000" dirty="0"/>
+              <a:t>Time complexity: O( n^3*log(n) )</a:t>
+            </a:r>
+          </a:p>
+          <a:p>
+            <a:pPr marL="0" indent="0">
+              <a:buNone/>
+            </a:pPr>
+            <a:endParaRPr lang="en-US" sz="2000" dirty="0"/>
+          </a:p>
+          <a:p>
+            <a:pPr marL="0" indent="0">
+              <a:buFont typeface="Arial" panose="020B0604020202020204" pitchFamily="34" charset="0"/>
+              <a:buNone/>
+            </a:pPr>
+            <a:endParaRPr lang="en-US" sz="2000" dirty="0"/>
+          </a:p>
+          <a:p>
+            <a:pPr marL="0" indent="0">
+              <a:buFont typeface="Arial" panose="020B0604020202020204" pitchFamily="34" charset="0"/>
+              <a:buNone/>
+            </a:pPr>
+            <a:endParaRPr lang="en-US" sz="2000" dirty="0"/>
+          </a:p>
+        </p:txBody>
+      </p:sp>
+    </p:spTree>
+    <p:extLst>
+      <p:ext uri="{BB962C8B-B14F-4D97-AF65-F5344CB8AC3E}">
+        <p14:creationId xmlns:p14="http://schemas.microsoft.com/office/powerpoint/2010/main" val="3872043281"/>
+      </p:ext>
+    </p:extLst>
+  </p:cSld>
+  <p:clrMapOvr>
+    <a:masterClrMapping/>
+  </p:clrMapOvr>
+</p:sld>
+</file>
+
+<file path=ppt/slides/slide8.xml><?xml version="1.0" encoding="utf-8"?>
+<p:sld xmlns:a="http://schemas.openxmlformats.org/drawingml/2006/main" xmlns:r="http://schemas.openxmlformats.org/officeDocument/2006/relationships" xmlns:p="http://schemas.openxmlformats.org/presentationml/2006/main">
+  <p:cSld>
+    <p:spTree>
+      <p:nvGrpSpPr>
+        <p:cNvPr id="1" name=""/>
+        <p:cNvGrpSpPr/>
+        <p:nvPr/>
+      </p:nvGrpSpPr>
+      <p:grpSpPr>
+        <a:xfrm>
+          <a:off x="0" y="0"/>
+          <a:ext cx="0" cy="0"/>
+          <a:chOff x="0" y="0"/>
+          <a:chExt cx="0" cy="0"/>
+        </a:xfrm>
+      </p:grpSpPr>
+      <p:pic>
+        <p:nvPicPr>
+          <p:cNvPr id="5" name="Picture 4" descr="A picture containing text, clipart&#10;&#10;Description automatically generated">
+            <a:extLst>
+              <a:ext uri="{FF2B5EF4-FFF2-40B4-BE49-F238E27FC236}">
+                <a16:creationId xmlns:a16="http://schemas.microsoft.com/office/drawing/2014/main" id="{AEEF4F80-6182-437F-8FB9-E546318E1786}"/>
+              </a:ext>
+            </a:extLst>
+          </p:cNvPr>
+          <p:cNvPicPr>
+            <a:picLocks noChangeAspect="1"/>
+          </p:cNvPicPr>
+          <p:nvPr/>
+        </p:nvPicPr>
+        <p:blipFill>
+          <a:blip r:embed="rId2">
+            <a:extLst>
+              <a:ext uri="{28A0092B-C50C-407E-A947-70E740481C1C}">
+                <a14:useLocalDpi xmlns:a14="http://schemas.microsoft.com/office/drawing/2010/main" val="0"/>
+              </a:ext>
+            </a:extLst>
+          </a:blip>
+          <a:stretch>
+            <a:fillRect/>
+          </a:stretch>
+        </p:blipFill>
+        <p:spPr>
+          <a:xfrm>
+            <a:off x="8248817" y="327168"/>
+            <a:ext cx="3640043" cy="1401476"/>
+          </a:xfrm>
+          <a:prstGeom prst="rect">
+            <a:avLst/>
+          </a:prstGeom>
+        </p:spPr>
+      </p:pic>
+      <p:sp>
+        <p:nvSpPr>
+          <p:cNvPr id="6" name="Title 1">
+            <a:extLst>
+              <a:ext uri="{FF2B5EF4-FFF2-40B4-BE49-F238E27FC236}">
+                <a16:creationId xmlns:a16="http://schemas.microsoft.com/office/drawing/2014/main" id="{67EAB101-CB65-4E80-9086-38AF17265C5D}"/>
+              </a:ext>
+            </a:extLst>
+          </p:cNvPr>
+          <p:cNvSpPr txBox="1">
+            <a:spLocks/>
+          </p:cNvSpPr>
+          <p:nvPr/>
+        </p:nvSpPr>
+        <p:spPr>
+          <a:xfrm>
+            <a:off x="704851" y="570706"/>
             <a:ext cx="7219949" cy="914399"/>
           </a:xfrm>
           <a:prstGeom prst="rect">
@@ -6389,7 +8086,7 @@
         </p:nvGrpSpPr>
         <p:grpSpPr>
           <a:xfrm>
-            <a:off x="209551" y="1922890"/>
+            <a:off x="204784" y="1922890"/>
             <a:ext cx="8827291" cy="4607942"/>
             <a:chOff x="209551" y="1922890"/>
             <a:chExt cx="8827291" cy="4607942"/>
@@ -8405,7 +10102,7 @@
 </p:sld>
 </file>
 
-<file path=ppt/slides/slide8.xml><?xml version="1.0" encoding="utf-8"?>
+<file path=ppt/slides/slide9.xml><?xml version="1.0" encoding="utf-8"?>
 <p:sld xmlns:a="http://schemas.openxmlformats.org/drawingml/2006/main" xmlns:r="http://schemas.openxmlformats.org/officeDocument/2006/relationships" xmlns:p="http://schemas.openxmlformats.org/presentationml/2006/main">
   <p:cSld>
     <p:spTree>
@@ -8772,10 +10469,10 @@
       </p:sp>
       <p:sp>
         <p:nvSpPr>
-          <p:cNvPr id="8" name="Content Placeholder 2">
+          <p:cNvPr id="9" name="Content Placeholder 2">
             <a:extLst>
               <a:ext uri="{FF2B5EF4-FFF2-40B4-BE49-F238E27FC236}">
-                <a16:creationId xmlns:a16="http://schemas.microsoft.com/office/drawing/2014/main" id="{02C38E82-59A4-4B69-8067-E66F8E0675FD}"/>
+                <a16:creationId xmlns:a16="http://schemas.microsoft.com/office/drawing/2014/main" id="{574BC8D9-6952-4250-8381-86AF041BFBCA}"/>
               </a:ext>
             </a:extLst>
           </p:cNvPr>
@@ -8786,8 +10483,8 @@
         </p:nvSpPr>
         <p:spPr>
           <a:xfrm>
-            <a:off x="5829301" y="4571552"/>
-            <a:ext cx="981075" cy="514799"/>
+            <a:off x="2300117" y="4953006"/>
+            <a:ext cx="2857671" cy="782236"/>
           </a:xfrm>
           <a:prstGeom prst="rect">
             <a:avLst/>
@@ -8962,13 +10659,13 @@
             </a:lvl9pPr>
           </a:lstStyle>
           <a:p>
-            <a:pPr marL="0" indent="0">
+            <a:pPr marL="0" indent="0" algn="ctr">
               <a:buFont typeface="Arial" panose="020B0604020202020204" pitchFamily="34" charset="0"/>
               <a:buNone/>
             </a:pPr>
             <a:r>
               <a:rPr lang="en-US" sz="2000" dirty="0"/>
-              <a:t>Graph</a:t>
+              <a:t>Simple, direct, intuitive interface</a:t>
             </a:r>
           </a:p>
           <a:p>
@@ -8982,10 +10679,10 @@
       </p:sp>
       <p:sp>
         <p:nvSpPr>
-          <p:cNvPr id="9" name="Content Placeholder 2">
+          <p:cNvPr id="10" name="Content Placeholder 2">
             <a:extLst>
               <a:ext uri="{FF2B5EF4-FFF2-40B4-BE49-F238E27FC236}">
-                <a16:creationId xmlns:a16="http://schemas.microsoft.com/office/drawing/2014/main" id="{574BC8D9-6952-4250-8381-86AF041BFBCA}"/>
+                <a16:creationId xmlns:a16="http://schemas.microsoft.com/office/drawing/2014/main" id="{0394967D-5C64-441F-8493-BCE9EE8149C7}"/>
               </a:ext>
             </a:extLst>
           </p:cNvPr>
@@ -8996,8 +10693,8 @@
         </p:nvSpPr>
         <p:spPr>
           <a:xfrm>
-            <a:off x="2914479" y="4523927"/>
-            <a:ext cx="981075" cy="514799"/>
+            <a:off x="704851" y="5130041"/>
+            <a:ext cx="819148" cy="428166"/>
           </a:xfrm>
           <a:prstGeom prst="rect">
             <a:avLst/>
@@ -9177,156 +10874,23 @@
               <a:buNone/>
             </a:pPr>
             <a:r>
-              <a:rPr lang="en-US" sz="2000" dirty="0"/>
-              <a:t>Graph</a:t>
-            </a:r>
-          </a:p>
-          <a:p>
-            <a:pPr marL="0" indent="0">
-              <a:buFont typeface="Arial" panose="020B0604020202020204" pitchFamily="34" charset="0"/>
-              <a:buNone/>
-            </a:pPr>
+              <a:rPr lang="en-US" sz="2000" b="1" dirty="0">
+                <a:solidFill>
+                  <a:srgbClr val="993300"/>
+                </a:solidFill>
+              </a:rPr>
+              <a:t>User</a:t>
+            </a:r>
             <a:endParaRPr lang="en-US" sz="2000" dirty="0"/>
           </a:p>
         </p:txBody>
       </p:sp>
-    </p:spTree>
-    <p:extLst>
-      <p:ext uri="{BB962C8B-B14F-4D97-AF65-F5344CB8AC3E}">
-        <p14:creationId xmlns:p14="http://schemas.microsoft.com/office/powerpoint/2010/main" val="1260114751"/>
-      </p:ext>
-    </p:extLst>
-  </p:cSld>
-  <p:clrMapOvr>
-    <a:masterClrMapping/>
-  </p:clrMapOvr>
-</p:sld>
-</file>
-
-<file path=ppt/slides/slide9.xml><?xml version="1.0" encoding="utf-8"?>
-<p:sld xmlns:a="http://schemas.openxmlformats.org/drawingml/2006/main" xmlns:r="http://schemas.openxmlformats.org/officeDocument/2006/relationships" xmlns:p="http://schemas.openxmlformats.org/presentationml/2006/main">
-  <p:cSld>
-    <p:spTree>
-      <p:nvGrpSpPr>
-        <p:cNvPr id="1" name=""/>
-        <p:cNvGrpSpPr/>
-        <p:nvPr/>
-      </p:nvGrpSpPr>
-      <p:grpSpPr>
-        <a:xfrm>
-          <a:off x="0" y="0"/>
-          <a:ext cx="0" cy="0"/>
-          <a:chOff x="0" y="0"/>
-          <a:chExt cx="0" cy="0"/>
-        </a:xfrm>
-      </p:grpSpPr>
       <p:sp>
         <p:nvSpPr>
-          <p:cNvPr id="3" name="Content Placeholder 2">
+          <p:cNvPr id="11" name="Content Placeholder 2">
             <a:extLst>
               <a:ext uri="{FF2B5EF4-FFF2-40B4-BE49-F238E27FC236}">
-                <a16:creationId xmlns:a16="http://schemas.microsoft.com/office/drawing/2014/main" id="{85F8C973-E34A-4BB1-B4F7-B731E0A66CEF}"/>
-              </a:ext>
-            </a:extLst>
-          </p:cNvPr>
-          <p:cNvSpPr>
-            <a:spLocks noGrp="1"/>
-          </p:cNvSpPr>
-          <p:nvPr>
-            <p:ph idx="1"/>
-          </p:nvPr>
-        </p:nvSpPr>
-        <p:spPr>
-          <a:xfrm>
-            <a:off x="704850" y="1835150"/>
-            <a:ext cx="11184009" cy="1544637"/>
-          </a:xfrm>
-        </p:spPr>
-        <p:txBody>
-          <a:bodyPr>
-            <a:normAutofit/>
-          </a:bodyPr>
-          <a:lstStyle/>
-          <a:p>
-            <a:pPr marL="0" indent="0">
-              <a:buNone/>
-            </a:pPr>
-            <a:r>
-              <a:rPr lang="en-US" sz="2000" b="1" dirty="0"/>
-              <a:t>Gonçalo</a:t>
-            </a:r>
-          </a:p>
-          <a:p>
-            <a:pPr marL="0" indent="0">
-              <a:buNone/>
-            </a:pPr>
-            <a:r>
-              <a:rPr lang="en-US" sz="2000" b="1" dirty="0"/>
-              <a:t>Difficulties: </a:t>
-            </a:r>
-            <a:r>
-              <a:rPr lang="en-US" sz="2000" dirty="0"/>
-              <a:t>None</a:t>
-            </a:r>
-          </a:p>
-          <a:p>
-            <a:pPr marL="0" indent="0">
-              <a:buNone/>
-            </a:pPr>
-            <a:r>
-              <a:rPr lang="en-US" sz="2000" b="1" dirty="0"/>
-              <a:t>Solution:</a:t>
-            </a:r>
-            <a:r>
-              <a:rPr lang="en-US" sz="2000" dirty="0"/>
-              <a:t> Not applicable</a:t>
-            </a:r>
-            <a:endParaRPr lang="en-US" sz="2000" b="1" dirty="0"/>
-          </a:p>
-        </p:txBody>
-      </p:sp>
-      <p:pic>
-        <p:nvPicPr>
-          <p:cNvPr id="5" name="Picture 4" descr="A picture containing text, clipart&#10;&#10;Description automatically generated">
-            <a:extLst>
-              <a:ext uri="{FF2B5EF4-FFF2-40B4-BE49-F238E27FC236}">
-                <a16:creationId xmlns:a16="http://schemas.microsoft.com/office/drawing/2014/main" id="{AEEF4F80-6182-437F-8FB9-E546318E1786}"/>
-              </a:ext>
-            </a:extLst>
-          </p:cNvPr>
-          <p:cNvPicPr>
-            <a:picLocks noChangeAspect="1"/>
-          </p:cNvPicPr>
-          <p:nvPr/>
-        </p:nvPicPr>
-        <p:blipFill>
-          <a:blip r:embed="rId2">
-            <a:extLst>
-              <a:ext uri="{28A0092B-C50C-407E-A947-70E740481C1C}">
-                <a14:useLocalDpi xmlns:a14="http://schemas.microsoft.com/office/drawing/2010/main" val="0"/>
-              </a:ext>
-            </a:extLst>
-          </a:blip>
-          <a:stretch>
-            <a:fillRect/>
-          </a:stretch>
-        </p:blipFill>
-        <p:spPr>
-          <a:xfrm>
-            <a:off x="8248817" y="327168"/>
-            <a:ext cx="3640043" cy="1401476"/>
-          </a:xfrm>
-          <a:prstGeom prst="rect">
-            <a:avLst/>
-          </a:prstGeom>
-        </p:spPr>
-      </p:pic>
-      <p:sp>
-        <p:nvSpPr>
-          <p:cNvPr id="6" name="Title 1">
-            <a:extLst>
-              <a:ext uri="{FF2B5EF4-FFF2-40B4-BE49-F238E27FC236}">
-                <a16:creationId xmlns:a16="http://schemas.microsoft.com/office/drawing/2014/main" id="{67EAB101-CB65-4E80-9086-38AF17265C5D}"/>
+                <a16:creationId xmlns:a16="http://schemas.microsoft.com/office/drawing/2014/main" id="{F0006AA8-11E8-47A6-BC50-F5E00769679D}"/>
               </a:ext>
             </a:extLst>
           </p:cNvPr>
@@ -9337,62 +10901,8 @@
         </p:nvSpPr>
         <p:spPr>
           <a:xfrm>
-            <a:off x="704851" y="570706"/>
-            <a:ext cx="7219949" cy="914399"/>
-          </a:xfrm>
-          <a:prstGeom prst="rect">
-            <a:avLst/>
-          </a:prstGeom>
-        </p:spPr>
-        <p:txBody>
-          <a:bodyPr vert="horz" lIns="91440" tIns="45720" rIns="91440" bIns="45720" rtlCol="0" anchor="ctr">
-            <a:normAutofit/>
-          </a:bodyPr>
-          <a:lstStyle>
-            <a:lvl1pPr algn="l" defTabSz="914400" rtl="0" eaLnBrk="1" latinLnBrk="0" hangingPunct="1">
-              <a:lnSpc>
-                <a:spcPct val="90000"/>
-              </a:lnSpc>
-              <a:spcBef>
-                <a:spcPct val="0"/>
-              </a:spcBef>
-              <a:buNone/>
-              <a:defRPr sz="4400" kern="1200">
-                <a:solidFill>
-                  <a:schemeClr val="tx1"/>
-                </a:solidFill>
-                <a:latin typeface="+mj-lt"/>
-                <a:ea typeface="+mj-ea"/>
-                <a:cs typeface="+mj-cs"/>
-              </a:defRPr>
-            </a:lvl1pPr>
-          </a:lstStyle>
-          <a:p>
-            <a:r>
-              <a:rPr lang="en-US" b="1" dirty="0"/>
-              <a:t>Main difficulties</a:t>
-            </a:r>
-          </a:p>
-        </p:txBody>
-      </p:sp>
-      <p:sp>
-        <p:nvSpPr>
-          <p:cNvPr id="7" name="Content Placeholder 2">
-            <a:extLst>
-              <a:ext uri="{FF2B5EF4-FFF2-40B4-BE49-F238E27FC236}">
-                <a16:creationId xmlns:a16="http://schemas.microsoft.com/office/drawing/2014/main" id="{39310F98-7E92-4CEE-BF07-75237C52E08A}"/>
-              </a:ext>
-            </a:extLst>
-          </p:cNvPr>
-          <p:cNvSpPr txBox="1">
-            <a:spLocks/>
-          </p:cNvSpPr>
-          <p:nvPr/>
-        </p:nvSpPr>
-        <p:spPr>
-          <a:xfrm>
-            <a:off x="704851" y="3478214"/>
-            <a:ext cx="11184008" cy="1665286"/>
+            <a:off x="6096000" y="5130041"/>
+            <a:ext cx="1009648" cy="428166"/>
           </a:xfrm>
           <a:prstGeom prst="rect">
             <a:avLst/>
@@ -9572,43 +11082,150 @@
               <a:buNone/>
             </a:pPr>
             <a:r>
-              <a:rPr lang="en-US" sz="2000" b="1" dirty="0"/>
-              <a:t>Guilherme</a:t>
-            </a:r>
-          </a:p>
-          <a:p>
-            <a:pPr marL="0" indent="0">
-              <a:buFont typeface="Arial" panose="020B0604020202020204" pitchFamily="34" charset="0"/>
-              <a:buNone/>
-            </a:pPr>
-            <a:r>
-              <a:rPr lang="en-US" sz="2000" b="1" dirty="0"/>
-              <a:t>Difficulties</a:t>
-            </a:r>
-            <a:r>
-              <a:rPr lang="en-US" sz="2000" b="1"/>
-              <a:t>: </a:t>
+              <a:rPr lang="en-US" sz="2000" b="1" dirty="0">
+                <a:solidFill>
+                  <a:srgbClr val="993300"/>
+                </a:solidFill>
+              </a:rPr>
+              <a:t>Graph</a:t>
             </a:r>
             <a:endParaRPr lang="en-US" sz="2000" dirty="0"/>
-          </a:p>
-          <a:p>
-            <a:pPr marL="0" indent="0">
-              <a:buFont typeface="Arial" panose="020B0604020202020204" pitchFamily="34" charset="0"/>
-              <a:buNone/>
-            </a:pPr>
-            <a:r>
-              <a:rPr lang="en-US" sz="2000" b="1" dirty="0"/>
-              <a:t>Solution:</a:t>
-            </a:r>
           </a:p>
         </p:txBody>
       </p:sp>
+      <p:cxnSp>
+        <p:nvCxnSpPr>
+          <p:cNvPr id="12" name="Straight Arrow Connector 11">
+            <a:extLst>
+              <a:ext uri="{FF2B5EF4-FFF2-40B4-BE49-F238E27FC236}">
+                <a16:creationId xmlns:a16="http://schemas.microsoft.com/office/drawing/2014/main" id="{3AD2461C-711B-4843-94DC-3E58332ED050}"/>
+              </a:ext>
+            </a:extLst>
+          </p:cNvPr>
+          <p:cNvCxnSpPr>
+            <a:cxnSpLocks/>
+            <a:stCxn id="10" idx="3"/>
+            <a:endCxn id="9" idx="1"/>
+          </p:cNvCxnSpPr>
+          <p:nvPr/>
+        </p:nvCxnSpPr>
+        <p:spPr>
+          <a:xfrm>
+            <a:off x="1523999" y="5344124"/>
+            <a:ext cx="776118" cy="0"/>
+          </a:xfrm>
+          <a:prstGeom prst="straightConnector1">
+            <a:avLst/>
+          </a:prstGeom>
+          <a:ln>
+            <a:tailEnd type="triangle"/>
+          </a:ln>
+        </p:spPr>
+        <p:style>
+          <a:lnRef idx="3">
+            <a:schemeClr val="dk1"/>
+          </a:lnRef>
+          <a:fillRef idx="0">
+            <a:schemeClr val="dk1"/>
+          </a:fillRef>
+          <a:effectRef idx="2">
+            <a:schemeClr val="dk1"/>
+          </a:effectRef>
+          <a:fontRef idx="minor">
+            <a:schemeClr val="tx1"/>
+          </a:fontRef>
+        </p:style>
+      </p:cxnSp>
+      <p:cxnSp>
+        <p:nvCxnSpPr>
+          <p:cNvPr id="13" name="Straight Arrow Connector 12">
+            <a:extLst>
+              <a:ext uri="{FF2B5EF4-FFF2-40B4-BE49-F238E27FC236}">
+                <a16:creationId xmlns:a16="http://schemas.microsoft.com/office/drawing/2014/main" id="{DAC2CF90-6B1A-4749-BA57-230BDCB544FB}"/>
+              </a:ext>
+            </a:extLst>
+          </p:cNvPr>
+          <p:cNvCxnSpPr>
+            <a:cxnSpLocks/>
+            <a:stCxn id="9" idx="3"/>
+            <a:endCxn id="11" idx="1"/>
+          </p:cNvCxnSpPr>
+          <p:nvPr/>
+        </p:nvCxnSpPr>
+        <p:spPr>
+          <a:xfrm>
+            <a:off x="5157788" y="5344124"/>
+            <a:ext cx="938212" cy="0"/>
+          </a:xfrm>
+          <a:prstGeom prst="straightConnector1">
+            <a:avLst/>
+          </a:prstGeom>
+          <a:ln>
+            <a:tailEnd type="triangle"/>
+          </a:ln>
+        </p:spPr>
+        <p:style>
+          <a:lnRef idx="3">
+            <a:schemeClr val="dk1"/>
+          </a:lnRef>
+          <a:fillRef idx="0">
+            <a:schemeClr val="dk1"/>
+          </a:fillRef>
+          <a:effectRef idx="2">
+            <a:schemeClr val="dk1"/>
+          </a:effectRef>
+          <a:fontRef idx="minor">
+            <a:schemeClr val="tx1"/>
+          </a:fontRef>
+        </p:style>
+      </p:cxnSp>
+      <p:cxnSp>
+        <p:nvCxnSpPr>
+          <p:cNvPr id="25" name="Straight Arrow Connector 24">
+            <a:extLst>
+              <a:ext uri="{FF2B5EF4-FFF2-40B4-BE49-F238E27FC236}">
+                <a16:creationId xmlns:a16="http://schemas.microsoft.com/office/drawing/2014/main" id="{ECF0107F-D3E3-4036-BFA3-99CF932FBABB}"/>
+              </a:ext>
+            </a:extLst>
+          </p:cNvPr>
+          <p:cNvCxnSpPr>
+            <a:cxnSpLocks/>
+          </p:cNvCxnSpPr>
+          <p:nvPr/>
+        </p:nvCxnSpPr>
+        <p:spPr>
+          <a:xfrm flipH="1" flipV="1">
+            <a:off x="5876926" y="4276727"/>
+            <a:ext cx="576262" cy="853314"/>
+          </a:xfrm>
+          <a:prstGeom prst="straightConnector1">
+            <a:avLst/>
+          </a:prstGeom>
+          <a:ln>
+            <a:tailEnd type="triangle"/>
+          </a:ln>
+        </p:spPr>
+        <p:style>
+          <a:lnRef idx="3">
+            <a:schemeClr val="dk1"/>
+          </a:lnRef>
+          <a:fillRef idx="0">
+            <a:schemeClr val="dk1"/>
+          </a:fillRef>
+          <a:effectRef idx="2">
+            <a:schemeClr val="dk1"/>
+          </a:effectRef>
+          <a:fontRef idx="minor">
+            <a:schemeClr val="tx1"/>
+          </a:fontRef>
+        </p:style>
+      </p:cxnSp>
       <p:sp>
         <p:nvSpPr>
-          <p:cNvPr id="8" name="Content Placeholder 2">
+          <p:cNvPr id="28" name="Content Placeholder 2">
             <a:extLst>
               <a:ext uri="{FF2B5EF4-FFF2-40B4-BE49-F238E27FC236}">
-                <a16:creationId xmlns:a16="http://schemas.microsoft.com/office/drawing/2014/main" id="{68BFCEB8-3807-4C47-B9C8-3FE24DB718D8}"/>
+                <a16:creationId xmlns:a16="http://schemas.microsoft.com/office/drawing/2014/main" id="{E81B6590-509B-4560-83FC-B0AAA00941DA}"/>
               </a:ext>
             </a:extLst>
           </p:cNvPr>
@@ -9619,8 +11236,8 @@
         </p:nvSpPr>
         <p:spPr>
           <a:xfrm>
-            <a:off x="704850" y="5100644"/>
-            <a:ext cx="11184008" cy="1665286"/>
+            <a:off x="3547892" y="3769899"/>
+            <a:ext cx="2857671" cy="782236"/>
           </a:xfrm>
           <a:prstGeom prst="rect">
             <a:avLst/>
@@ -9795,174 +11412,1375 @@
             </a:lvl9pPr>
           </a:lstStyle>
           <a:p>
+            <a:pPr marL="0" indent="0" algn="ctr">
+              <a:buFont typeface="Arial" panose="020B0604020202020204" pitchFamily="34" charset="0"/>
+              <a:buNone/>
+            </a:pPr>
+            <a:r>
+              <a:rPr lang="en-US" sz="2000" dirty="0"/>
+              <a:t>Options in choosing trip specifications</a:t>
+            </a:r>
+          </a:p>
+          <a:p>
             <a:pPr marL="0" indent="0">
               <a:buFont typeface="Arial" panose="020B0604020202020204" pitchFamily="34" charset="0"/>
               <a:buNone/>
             </a:pPr>
-            <a:r>
-              <a:rPr lang="en-US" sz="2000" b="1" dirty="0"/>
-              <a:t>Pedro</a:t>
-            </a:r>
-          </a:p>
-          <a:p>
-            <a:pPr marL="0" indent="0">
-              <a:buFont typeface="Arial" panose="020B0604020202020204" pitchFamily="34" charset="0"/>
-              <a:buNone/>
-            </a:pPr>
-            <a:r>
-              <a:rPr lang="en-US" sz="2000" b="1" dirty="0"/>
-              <a:t>Difficulties:</a:t>
-            </a:r>
             <a:endParaRPr lang="en-US" sz="2000" dirty="0"/>
-          </a:p>
-          <a:p>
-            <a:pPr marL="0" indent="0">
-              <a:buFont typeface="Arial" panose="020B0604020202020204" pitchFamily="34" charset="0"/>
-              <a:buNone/>
-            </a:pPr>
-            <a:r>
-              <a:rPr lang="en-US" sz="2000" b="1" dirty="0"/>
-              <a:t>Solution:</a:t>
-            </a:r>
           </a:p>
         </p:txBody>
       </p:sp>
       <p:sp>
         <p:nvSpPr>
-          <p:cNvPr id="9" name="TextBox 8">
+          <p:cNvPr id="29" name="Content Placeholder 2">
             <a:extLst>
               <a:ext uri="{FF2B5EF4-FFF2-40B4-BE49-F238E27FC236}">
-                <a16:creationId xmlns:a16="http://schemas.microsoft.com/office/drawing/2014/main" id="{DA109AE7-535F-41B3-B2F8-1628096C986E}"/>
+                <a16:creationId xmlns:a16="http://schemas.microsoft.com/office/drawing/2014/main" id="{D295E14D-5734-4A04-B350-5A1397018DB9}"/>
               </a:ext>
             </a:extLst>
           </p:cNvPr>
-          <p:cNvSpPr txBox="1"/>
+          <p:cNvSpPr txBox="1">
+            <a:spLocks/>
+          </p:cNvSpPr>
           <p:nvPr/>
         </p:nvSpPr>
         <p:spPr>
           <a:xfrm>
-            <a:off x="10734675" y="2143779"/>
-            <a:ext cx="947738" cy="523220"/>
+            <a:off x="930898" y="3852934"/>
+            <a:ext cx="2219326" cy="428166"/>
           </a:xfrm>
           <a:prstGeom prst="rect">
             <a:avLst/>
           </a:prstGeom>
-          <a:noFill/>
         </p:spPr>
         <p:txBody>
-          <a:bodyPr wrap="square">
-            <a:spAutoFit/>
+          <a:bodyPr vert="horz" lIns="91440" tIns="45720" rIns="91440" bIns="45720" rtlCol="0">
+            <a:normAutofit/>
           </a:bodyPr>
-          <a:lstStyle/>
-          <a:p>
-            <a:r>
-              <a:rPr lang="en-US" sz="2800" b="1" dirty="0">
+          <a:lstStyle>
+            <a:lvl1pPr marL="228600" indent="-228600" algn="l" defTabSz="914400" rtl="0" eaLnBrk="1" latinLnBrk="0" hangingPunct="1">
+              <a:lnSpc>
+                <a:spcPct val="90000"/>
+              </a:lnSpc>
+              <a:spcBef>
+                <a:spcPts val="1000"/>
+              </a:spcBef>
+              <a:buFont typeface="Arial" panose="020B0604020202020204" pitchFamily="34" charset="0"/>
+              <a:buChar char="•"/>
+              <a:defRPr sz="2800" kern="1200">
+                <a:solidFill>
+                  <a:schemeClr val="tx1"/>
+                </a:solidFill>
+                <a:latin typeface="+mn-lt"/>
+                <a:ea typeface="+mn-ea"/>
+                <a:cs typeface="+mn-cs"/>
+              </a:defRPr>
+            </a:lvl1pPr>
+            <a:lvl2pPr marL="685800" indent="-228600" algn="l" defTabSz="914400" rtl="0" eaLnBrk="1" latinLnBrk="0" hangingPunct="1">
+              <a:lnSpc>
+                <a:spcPct val="90000"/>
+              </a:lnSpc>
+              <a:spcBef>
+                <a:spcPts val="500"/>
+              </a:spcBef>
+              <a:buFont typeface="Arial" panose="020B0604020202020204" pitchFamily="34" charset="0"/>
+              <a:buChar char="•"/>
+              <a:defRPr sz="2400" kern="1200">
+                <a:solidFill>
+                  <a:schemeClr val="tx1"/>
+                </a:solidFill>
+                <a:latin typeface="+mn-lt"/>
+                <a:ea typeface="+mn-ea"/>
+                <a:cs typeface="+mn-cs"/>
+              </a:defRPr>
+            </a:lvl2pPr>
+            <a:lvl3pPr marL="1143000" indent="-228600" algn="l" defTabSz="914400" rtl="0" eaLnBrk="1" latinLnBrk="0" hangingPunct="1">
+              <a:lnSpc>
+                <a:spcPct val="90000"/>
+              </a:lnSpc>
+              <a:spcBef>
+                <a:spcPts val="500"/>
+              </a:spcBef>
+              <a:buFont typeface="Arial" panose="020B0604020202020204" pitchFamily="34" charset="0"/>
+              <a:buChar char="•"/>
+              <a:defRPr sz="2000" kern="1200">
+                <a:solidFill>
+                  <a:schemeClr val="tx1"/>
+                </a:solidFill>
+                <a:latin typeface="+mn-lt"/>
+                <a:ea typeface="+mn-ea"/>
+                <a:cs typeface="+mn-cs"/>
+              </a:defRPr>
+            </a:lvl3pPr>
+            <a:lvl4pPr marL="1600200" indent="-228600" algn="l" defTabSz="914400" rtl="0" eaLnBrk="1" latinLnBrk="0" hangingPunct="1">
+              <a:lnSpc>
+                <a:spcPct val="90000"/>
+              </a:lnSpc>
+              <a:spcBef>
+                <a:spcPts val="500"/>
+              </a:spcBef>
+              <a:buFont typeface="Arial" panose="020B0604020202020204" pitchFamily="34" charset="0"/>
+              <a:buChar char="•"/>
+              <a:defRPr sz="1800" kern="1200">
+                <a:solidFill>
+                  <a:schemeClr val="tx1"/>
+                </a:solidFill>
+                <a:latin typeface="+mn-lt"/>
+                <a:ea typeface="+mn-ea"/>
+                <a:cs typeface="+mn-cs"/>
+              </a:defRPr>
+            </a:lvl4pPr>
+            <a:lvl5pPr marL="2057400" indent="-228600" algn="l" defTabSz="914400" rtl="0" eaLnBrk="1" latinLnBrk="0" hangingPunct="1">
+              <a:lnSpc>
+                <a:spcPct val="90000"/>
+              </a:lnSpc>
+              <a:spcBef>
+                <a:spcPts val="500"/>
+              </a:spcBef>
+              <a:buFont typeface="Arial" panose="020B0604020202020204" pitchFamily="34" charset="0"/>
+              <a:buChar char="•"/>
+              <a:defRPr sz="1800" kern="1200">
+                <a:solidFill>
+                  <a:schemeClr val="tx1"/>
+                </a:solidFill>
+                <a:latin typeface="+mn-lt"/>
+                <a:ea typeface="+mn-ea"/>
+                <a:cs typeface="+mn-cs"/>
+              </a:defRPr>
+            </a:lvl5pPr>
+            <a:lvl6pPr marL="2514600" indent="-228600" algn="l" defTabSz="914400" rtl="0" eaLnBrk="1" latinLnBrk="0" hangingPunct="1">
+              <a:lnSpc>
+                <a:spcPct val="90000"/>
+              </a:lnSpc>
+              <a:spcBef>
+                <a:spcPts val="500"/>
+              </a:spcBef>
+              <a:buFont typeface="Arial" panose="020B0604020202020204" pitchFamily="34" charset="0"/>
+              <a:buChar char="•"/>
+              <a:defRPr sz="1800" kern="1200">
+                <a:solidFill>
+                  <a:schemeClr val="tx1"/>
+                </a:solidFill>
+                <a:latin typeface="+mn-lt"/>
+                <a:ea typeface="+mn-ea"/>
+                <a:cs typeface="+mn-cs"/>
+              </a:defRPr>
+            </a:lvl6pPr>
+            <a:lvl7pPr marL="2971800" indent="-228600" algn="l" defTabSz="914400" rtl="0" eaLnBrk="1" latinLnBrk="0" hangingPunct="1">
+              <a:lnSpc>
+                <a:spcPct val="90000"/>
+              </a:lnSpc>
+              <a:spcBef>
+                <a:spcPts val="500"/>
+              </a:spcBef>
+              <a:buFont typeface="Arial" panose="020B0604020202020204" pitchFamily="34" charset="0"/>
+              <a:buChar char="•"/>
+              <a:defRPr sz="1800" kern="1200">
+                <a:solidFill>
+                  <a:schemeClr val="tx1"/>
+                </a:solidFill>
+                <a:latin typeface="+mn-lt"/>
+                <a:ea typeface="+mn-ea"/>
+                <a:cs typeface="+mn-cs"/>
+              </a:defRPr>
+            </a:lvl7pPr>
+            <a:lvl8pPr marL="3429000" indent="-228600" algn="l" defTabSz="914400" rtl="0" eaLnBrk="1" latinLnBrk="0" hangingPunct="1">
+              <a:lnSpc>
+                <a:spcPct val="90000"/>
+              </a:lnSpc>
+              <a:spcBef>
+                <a:spcPts val="500"/>
+              </a:spcBef>
+              <a:buFont typeface="Arial" panose="020B0604020202020204" pitchFamily="34" charset="0"/>
+              <a:buChar char="•"/>
+              <a:defRPr sz="1800" kern="1200">
+                <a:solidFill>
+                  <a:schemeClr val="tx1"/>
+                </a:solidFill>
+                <a:latin typeface="+mn-lt"/>
+                <a:ea typeface="+mn-ea"/>
+                <a:cs typeface="+mn-cs"/>
+              </a:defRPr>
+            </a:lvl8pPr>
+            <a:lvl9pPr marL="3886200" indent="-228600" algn="l" defTabSz="914400" rtl="0" eaLnBrk="1" latinLnBrk="0" hangingPunct="1">
+              <a:lnSpc>
+                <a:spcPct val="90000"/>
+              </a:lnSpc>
+              <a:spcBef>
+                <a:spcPts val="500"/>
+              </a:spcBef>
+              <a:buFont typeface="Arial" panose="020B0604020202020204" pitchFamily="34" charset="0"/>
+              <a:buChar char="•"/>
+              <a:defRPr sz="1800" kern="1200">
+                <a:solidFill>
+                  <a:schemeClr val="tx1"/>
+                </a:solidFill>
+                <a:latin typeface="+mn-lt"/>
+                <a:ea typeface="+mn-ea"/>
+                <a:cs typeface="+mn-cs"/>
+              </a:defRPr>
+            </a:lvl9pPr>
+          </a:lstStyle>
+          <a:p>
+            <a:pPr marL="0" indent="0">
+              <a:buFont typeface="Arial" panose="020B0604020202020204" pitchFamily="34" charset="0"/>
+              <a:buNone/>
+            </a:pPr>
+            <a:r>
+              <a:rPr lang="en-US" sz="2000" b="1" dirty="0">
                 <a:solidFill>
                   <a:srgbClr val="993300"/>
                 </a:solidFill>
               </a:rPr>
-              <a:t>33%</a:t>
-            </a:r>
-            <a:endParaRPr lang="en-US" sz="2800" dirty="0">
-              <a:solidFill>
-                <a:srgbClr val="993300"/>
-              </a:solidFill>
-            </a:endParaRPr>
+              <a:t>Visual  interface</a:t>
+            </a:r>
+            <a:endParaRPr lang="en-US" sz="2000" dirty="0"/>
+          </a:p>
+        </p:txBody>
+      </p:sp>
+      <p:cxnSp>
+        <p:nvCxnSpPr>
+          <p:cNvPr id="30" name="Straight Arrow Connector 29">
+            <a:extLst>
+              <a:ext uri="{FF2B5EF4-FFF2-40B4-BE49-F238E27FC236}">
+                <a16:creationId xmlns:a16="http://schemas.microsoft.com/office/drawing/2014/main" id="{46DFBD5B-2B18-4470-AB70-7BC4042CCB73}"/>
+              </a:ext>
+            </a:extLst>
+          </p:cNvPr>
+          <p:cNvCxnSpPr>
+            <a:cxnSpLocks/>
+          </p:cNvCxnSpPr>
+          <p:nvPr/>
+        </p:nvCxnSpPr>
+        <p:spPr>
+          <a:xfrm flipH="1" flipV="1">
+            <a:off x="2700338" y="4276727"/>
+            <a:ext cx="576050" cy="696981"/>
+          </a:xfrm>
+          <a:prstGeom prst="straightConnector1">
+            <a:avLst/>
+          </a:prstGeom>
+          <a:ln>
+            <a:tailEnd type="triangle"/>
+          </a:ln>
+        </p:spPr>
+        <p:style>
+          <a:lnRef idx="3">
+            <a:schemeClr val="dk1"/>
+          </a:lnRef>
+          <a:fillRef idx="0">
+            <a:schemeClr val="dk1"/>
+          </a:fillRef>
+          <a:effectRef idx="2">
+            <a:schemeClr val="dk1"/>
+          </a:effectRef>
+          <a:fontRef idx="minor">
+            <a:schemeClr val="tx1"/>
+          </a:fontRef>
+        </p:style>
+      </p:cxnSp>
+      <p:cxnSp>
+        <p:nvCxnSpPr>
+          <p:cNvPr id="34" name="Straight Arrow Connector 33">
+            <a:extLst>
+              <a:ext uri="{FF2B5EF4-FFF2-40B4-BE49-F238E27FC236}">
+                <a16:creationId xmlns:a16="http://schemas.microsoft.com/office/drawing/2014/main" id="{044026C4-78C9-4C55-99F8-2BDBF3822174}"/>
+              </a:ext>
+            </a:extLst>
+          </p:cNvPr>
+          <p:cNvCxnSpPr>
+            <a:cxnSpLocks/>
+          </p:cNvCxnSpPr>
+          <p:nvPr/>
+        </p:nvCxnSpPr>
+        <p:spPr>
+          <a:xfrm flipH="1">
+            <a:off x="2898982" y="4043136"/>
+            <a:ext cx="791956" cy="0"/>
+          </a:xfrm>
+          <a:prstGeom prst="straightConnector1">
+            <a:avLst/>
+          </a:prstGeom>
+          <a:ln>
+            <a:tailEnd type="triangle"/>
+          </a:ln>
+        </p:spPr>
+        <p:style>
+          <a:lnRef idx="3">
+            <a:schemeClr val="dk1"/>
+          </a:lnRef>
+          <a:fillRef idx="0">
+            <a:schemeClr val="dk1"/>
+          </a:fillRef>
+          <a:effectRef idx="2">
+            <a:schemeClr val="dk1"/>
+          </a:effectRef>
+          <a:fontRef idx="minor">
+            <a:schemeClr val="tx1"/>
+          </a:fontRef>
+        </p:style>
+      </p:cxnSp>
+      <p:sp>
+        <p:nvSpPr>
+          <p:cNvPr id="41" name="Content Placeholder 2">
+            <a:extLst>
+              <a:ext uri="{FF2B5EF4-FFF2-40B4-BE49-F238E27FC236}">
+                <a16:creationId xmlns:a16="http://schemas.microsoft.com/office/drawing/2014/main" id="{530FEDEF-F67C-46C1-82EC-5AD5DA07CE89}"/>
+              </a:ext>
+            </a:extLst>
+          </p:cNvPr>
+          <p:cNvSpPr txBox="1">
+            <a:spLocks/>
+          </p:cNvSpPr>
+          <p:nvPr/>
+        </p:nvSpPr>
+        <p:spPr>
+          <a:xfrm>
+            <a:off x="7486822" y="4451763"/>
+            <a:ext cx="2857671" cy="782236"/>
+          </a:xfrm>
+          <a:prstGeom prst="rect">
+            <a:avLst/>
+          </a:prstGeom>
+        </p:spPr>
+        <p:txBody>
+          <a:bodyPr vert="horz" lIns="91440" tIns="45720" rIns="91440" bIns="45720" rtlCol="0">
+            <a:normAutofit/>
+          </a:bodyPr>
+          <a:lstStyle>
+            <a:lvl1pPr marL="228600" indent="-228600" algn="l" defTabSz="914400" rtl="0" eaLnBrk="1" latinLnBrk="0" hangingPunct="1">
+              <a:lnSpc>
+                <a:spcPct val="90000"/>
+              </a:lnSpc>
+              <a:spcBef>
+                <a:spcPts val="1000"/>
+              </a:spcBef>
+              <a:buFont typeface="Arial" panose="020B0604020202020204" pitchFamily="34" charset="0"/>
+              <a:buChar char="•"/>
+              <a:defRPr sz="2800" kern="1200">
+                <a:solidFill>
+                  <a:schemeClr val="tx1"/>
+                </a:solidFill>
+                <a:latin typeface="+mn-lt"/>
+                <a:ea typeface="+mn-ea"/>
+                <a:cs typeface="+mn-cs"/>
+              </a:defRPr>
+            </a:lvl1pPr>
+            <a:lvl2pPr marL="685800" indent="-228600" algn="l" defTabSz="914400" rtl="0" eaLnBrk="1" latinLnBrk="0" hangingPunct="1">
+              <a:lnSpc>
+                <a:spcPct val="90000"/>
+              </a:lnSpc>
+              <a:spcBef>
+                <a:spcPts val="500"/>
+              </a:spcBef>
+              <a:buFont typeface="Arial" panose="020B0604020202020204" pitchFamily="34" charset="0"/>
+              <a:buChar char="•"/>
+              <a:defRPr sz="2400" kern="1200">
+                <a:solidFill>
+                  <a:schemeClr val="tx1"/>
+                </a:solidFill>
+                <a:latin typeface="+mn-lt"/>
+                <a:ea typeface="+mn-ea"/>
+                <a:cs typeface="+mn-cs"/>
+              </a:defRPr>
+            </a:lvl2pPr>
+            <a:lvl3pPr marL="1143000" indent="-228600" algn="l" defTabSz="914400" rtl="0" eaLnBrk="1" latinLnBrk="0" hangingPunct="1">
+              <a:lnSpc>
+                <a:spcPct val="90000"/>
+              </a:lnSpc>
+              <a:spcBef>
+                <a:spcPts val="500"/>
+              </a:spcBef>
+              <a:buFont typeface="Arial" panose="020B0604020202020204" pitchFamily="34" charset="0"/>
+              <a:buChar char="•"/>
+              <a:defRPr sz="2000" kern="1200">
+                <a:solidFill>
+                  <a:schemeClr val="tx1"/>
+                </a:solidFill>
+                <a:latin typeface="+mn-lt"/>
+                <a:ea typeface="+mn-ea"/>
+                <a:cs typeface="+mn-cs"/>
+              </a:defRPr>
+            </a:lvl3pPr>
+            <a:lvl4pPr marL="1600200" indent="-228600" algn="l" defTabSz="914400" rtl="0" eaLnBrk="1" latinLnBrk="0" hangingPunct="1">
+              <a:lnSpc>
+                <a:spcPct val="90000"/>
+              </a:lnSpc>
+              <a:spcBef>
+                <a:spcPts val="500"/>
+              </a:spcBef>
+              <a:buFont typeface="Arial" panose="020B0604020202020204" pitchFamily="34" charset="0"/>
+              <a:buChar char="•"/>
+              <a:defRPr sz="1800" kern="1200">
+                <a:solidFill>
+                  <a:schemeClr val="tx1"/>
+                </a:solidFill>
+                <a:latin typeface="+mn-lt"/>
+                <a:ea typeface="+mn-ea"/>
+                <a:cs typeface="+mn-cs"/>
+              </a:defRPr>
+            </a:lvl4pPr>
+            <a:lvl5pPr marL="2057400" indent="-228600" algn="l" defTabSz="914400" rtl="0" eaLnBrk="1" latinLnBrk="0" hangingPunct="1">
+              <a:lnSpc>
+                <a:spcPct val="90000"/>
+              </a:lnSpc>
+              <a:spcBef>
+                <a:spcPts val="500"/>
+              </a:spcBef>
+              <a:buFont typeface="Arial" panose="020B0604020202020204" pitchFamily="34" charset="0"/>
+              <a:buChar char="•"/>
+              <a:defRPr sz="1800" kern="1200">
+                <a:solidFill>
+                  <a:schemeClr val="tx1"/>
+                </a:solidFill>
+                <a:latin typeface="+mn-lt"/>
+                <a:ea typeface="+mn-ea"/>
+                <a:cs typeface="+mn-cs"/>
+              </a:defRPr>
+            </a:lvl5pPr>
+            <a:lvl6pPr marL="2514600" indent="-228600" algn="l" defTabSz="914400" rtl="0" eaLnBrk="1" latinLnBrk="0" hangingPunct="1">
+              <a:lnSpc>
+                <a:spcPct val="90000"/>
+              </a:lnSpc>
+              <a:spcBef>
+                <a:spcPts val="500"/>
+              </a:spcBef>
+              <a:buFont typeface="Arial" panose="020B0604020202020204" pitchFamily="34" charset="0"/>
+              <a:buChar char="•"/>
+              <a:defRPr sz="1800" kern="1200">
+                <a:solidFill>
+                  <a:schemeClr val="tx1"/>
+                </a:solidFill>
+                <a:latin typeface="+mn-lt"/>
+                <a:ea typeface="+mn-ea"/>
+                <a:cs typeface="+mn-cs"/>
+              </a:defRPr>
+            </a:lvl6pPr>
+            <a:lvl7pPr marL="2971800" indent="-228600" algn="l" defTabSz="914400" rtl="0" eaLnBrk="1" latinLnBrk="0" hangingPunct="1">
+              <a:lnSpc>
+                <a:spcPct val="90000"/>
+              </a:lnSpc>
+              <a:spcBef>
+                <a:spcPts val="500"/>
+              </a:spcBef>
+              <a:buFont typeface="Arial" panose="020B0604020202020204" pitchFamily="34" charset="0"/>
+              <a:buChar char="•"/>
+              <a:defRPr sz="1800" kern="1200">
+                <a:solidFill>
+                  <a:schemeClr val="tx1"/>
+                </a:solidFill>
+                <a:latin typeface="+mn-lt"/>
+                <a:ea typeface="+mn-ea"/>
+                <a:cs typeface="+mn-cs"/>
+              </a:defRPr>
+            </a:lvl7pPr>
+            <a:lvl8pPr marL="3429000" indent="-228600" algn="l" defTabSz="914400" rtl="0" eaLnBrk="1" latinLnBrk="0" hangingPunct="1">
+              <a:lnSpc>
+                <a:spcPct val="90000"/>
+              </a:lnSpc>
+              <a:spcBef>
+                <a:spcPts val="500"/>
+              </a:spcBef>
+              <a:buFont typeface="Arial" panose="020B0604020202020204" pitchFamily="34" charset="0"/>
+              <a:buChar char="•"/>
+              <a:defRPr sz="1800" kern="1200">
+                <a:solidFill>
+                  <a:schemeClr val="tx1"/>
+                </a:solidFill>
+                <a:latin typeface="+mn-lt"/>
+                <a:ea typeface="+mn-ea"/>
+                <a:cs typeface="+mn-cs"/>
+              </a:defRPr>
+            </a:lvl8pPr>
+            <a:lvl9pPr marL="3886200" indent="-228600" algn="l" defTabSz="914400" rtl="0" eaLnBrk="1" latinLnBrk="0" hangingPunct="1">
+              <a:lnSpc>
+                <a:spcPct val="90000"/>
+              </a:lnSpc>
+              <a:spcBef>
+                <a:spcPts val="500"/>
+              </a:spcBef>
+              <a:buFont typeface="Arial" panose="020B0604020202020204" pitchFamily="34" charset="0"/>
+              <a:buChar char="•"/>
+              <a:defRPr sz="1800" kern="1200">
+                <a:solidFill>
+                  <a:schemeClr val="tx1"/>
+                </a:solidFill>
+                <a:latin typeface="+mn-lt"/>
+                <a:ea typeface="+mn-ea"/>
+                <a:cs typeface="+mn-cs"/>
+              </a:defRPr>
+            </a:lvl9pPr>
+          </a:lstStyle>
+          <a:p>
+            <a:pPr marL="0" indent="0" algn="ctr">
+              <a:buFont typeface="Arial" panose="020B0604020202020204" pitchFamily="34" charset="0"/>
+              <a:buNone/>
+            </a:pPr>
+            <a:r>
+              <a:rPr lang="en-US" sz="2000" dirty="0"/>
+              <a:t>Setup for processing metropolitan lines</a:t>
+            </a:r>
+          </a:p>
+          <a:p>
+            <a:pPr marL="0" indent="0">
+              <a:buFont typeface="Arial" panose="020B0604020202020204" pitchFamily="34" charset="0"/>
+              <a:buNone/>
+            </a:pPr>
+            <a:endParaRPr lang="en-US" sz="2000" dirty="0"/>
           </a:p>
         </p:txBody>
       </p:sp>
       <p:sp>
         <p:nvSpPr>
-          <p:cNvPr id="10" name="TextBox 9">
+          <p:cNvPr id="42" name="Content Placeholder 2">
             <a:extLst>
               <a:ext uri="{FF2B5EF4-FFF2-40B4-BE49-F238E27FC236}">
-                <a16:creationId xmlns:a16="http://schemas.microsoft.com/office/drawing/2014/main" id="{B8BC0A5A-E9E0-4792-A04C-279C9FF8733F}"/>
+                <a16:creationId xmlns:a16="http://schemas.microsoft.com/office/drawing/2014/main" id="{676DA352-A7C1-4B96-9FAE-D83D6C04C4D8}"/>
               </a:ext>
             </a:extLst>
           </p:cNvPr>
-          <p:cNvSpPr txBox="1"/>
+          <p:cNvSpPr txBox="1">
+            <a:spLocks/>
+          </p:cNvSpPr>
           <p:nvPr/>
         </p:nvSpPr>
         <p:spPr>
           <a:xfrm>
-            <a:off x="10734675" y="3739214"/>
-            <a:ext cx="947738" cy="523220"/>
+            <a:off x="7619998" y="5558207"/>
+            <a:ext cx="2857671" cy="782236"/>
           </a:xfrm>
           <a:prstGeom prst="rect">
             <a:avLst/>
           </a:prstGeom>
-          <a:noFill/>
         </p:spPr>
         <p:txBody>
-          <a:bodyPr wrap="square">
-            <a:spAutoFit/>
+          <a:bodyPr vert="horz" lIns="91440" tIns="45720" rIns="91440" bIns="45720" rtlCol="0">
+            <a:normAutofit/>
           </a:bodyPr>
-          <a:lstStyle/>
-          <a:p>
-            <a:r>
-              <a:rPr lang="en-US" sz="2800" b="1" dirty="0">
-                <a:solidFill>
-                  <a:srgbClr val="993300"/>
-                </a:solidFill>
-              </a:rPr>
-              <a:t>33%</a:t>
-            </a:r>
-            <a:endParaRPr lang="en-US" sz="2800" dirty="0">
-              <a:solidFill>
-                <a:srgbClr val="993300"/>
-              </a:solidFill>
-            </a:endParaRPr>
+          <a:lstStyle>
+            <a:lvl1pPr marL="228600" indent="-228600" algn="l" defTabSz="914400" rtl="0" eaLnBrk="1" latinLnBrk="0" hangingPunct="1">
+              <a:lnSpc>
+                <a:spcPct val="90000"/>
+              </a:lnSpc>
+              <a:spcBef>
+                <a:spcPts val="1000"/>
+              </a:spcBef>
+              <a:buFont typeface="Arial" panose="020B0604020202020204" pitchFamily="34" charset="0"/>
+              <a:buChar char="•"/>
+              <a:defRPr sz="2800" kern="1200">
+                <a:solidFill>
+                  <a:schemeClr val="tx1"/>
+                </a:solidFill>
+                <a:latin typeface="+mn-lt"/>
+                <a:ea typeface="+mn-ea"/>
+                <a:cs typeface="+mn-cs"/>
+              </a:defRPr>
+            </a:lvl1pPr>
+            <a:lvl2pPr marL="685800" indent="-228600" algn="l" defTabSz="914400" rtl="0" eaLnBrk="1" latinLnBrk="0" hangingPunct="1">
+              <a:lnSpc>
+                <a:spcPct val="90000"/>
+              </a:lnSpc>
+              <a:spcBef>
+                <a:spcPts val="500"/>
+              </a:spcBef>
+              <a:buFont typeface="Arial" panose="020B0604020202020204" pitchFamily="34" charset="0"/>
+              <a:buChar char="•"/>
+              <a:defRPr sz="2400" kern="1200">
+                <a:solidFill>
+                  <a:schemeClr val="tx1"/>
+                </a:solidFill>
+                <a:latin typeface="+mn-lt"/>
+                <a:ea typeface="+mn-ea"/>
+                <a:cs typeface="+mn-cs"/>
+              </a:defRPr>
+            </a:lvl2pPr>
+            <a:lvl3pPr marL="1143000" indent="-228600" algn="l" defTabSz="914400" rtl="0" eaLnBrk="1" latinLnBrk="0" hangingPunct="1">
+              <a:lnSpc>
+                <a:spcPct val="90000"/>
+              </a:lnSpc>
+              <a:spcBef>
+                <a:spcPts val="500"/>
+              </a:spcBef>
+              <a:buFont typeface="Arial" panose="020B0604020202020204" pitchFamily="34" charset="0"/>
+              <a:buChar char="•"/>
+              <a:defRPr sz="2000" kern="1200">
+                <a:solidFill>
+                  <a:schemeClr val="tx1"/>
+                </a:solidFill>
+                <a:latin typeface="+mn-lt"/>
+                <a:ea typeface="+mn-ea"/>
+                <a:cs typeface="+mn-cs"/>
+              </a:defRPr>
+            </a:lvl3pPr>
+            <a:lvl4pPr marL="1600200" indent="-228600" algn="l" defTabSz="914400" rtl="0" eaLnBrk="1" latinLnBrk="0" hangingPunct="1">
+              <a:lnSpc>
+                <a:spcPct val="90000"/>
+              </a:lnSpc>
+              <a:spcBef>
+                <a:spcPts val="500"/>
+              </a:spcBef>
+              <a:buFont typeface="Arial" panose="020B0604020202020204" pitchFamily="34" charset="0"/>
+              <a:buChar char="•"/>
+              <a:defRPr sz="1800" kern="1200">
+                <a:solidFill>
+                  <a:schemeClr val="tx1"/>
+                </a:solidFill>
+                <a:latin typeface="+mn-lt"/>
+                <a:ea typeface="+mn-ea"/>
+                <a:cs typeface="+mn-cs"/>
+              </a:defRPr>
+            </a:lvl4pPr>
+            <a:lvl5pPr marL="2057400" indent="-228600" algn="l" defTabSz="914400" rtl="0" eaLnBrk="1" latinLnBrk="0" hangingPunct="1">
+              <a:lnSpc>
+                <a:spcPct val="90000"/>
+              </a:lnSpc>
+              <a:spcBef>
+                <a:spcPts val="500"/>
+              </a:spcBef>
+              <a:buFont typeface="Arial" panose="020B0604020202020204" pitchFamily="34" charset="0"/>
+              <a:buChar char="•"/>
+              <a:defRPr sz="1800" kern="1200">
+                <a:solidFill>
+                  <a:schemeClr val="tx1"/>
+                </a:solidFill>
+                <a:latin typeface="+mn-lt"/>
+                <a:ea typeface="+mn-ea"/>
+                <a:cs typeface="+mn-cs"/>
+              </a:defRPr>
+            </a:lvl5pPr>
+            <a:lvl6pPr marL="2514600" indent="-228600" algn="l" defTabSz="914400" rtl="0" eaLnBrk="1" latinLnBrk="0" hangingPunct="1">
+              <a:lnSpc>
+                <a:spcPct val="90000"/>
+              </a:lnSpc>
+              <a:spcBef>
+                <a:spcPts val="500"/>
+              </a:spcBef>
+              <a:buFont typeface="Arial" panose="020B0604020202020204" pitchFamily="34" charset="0"/>
+              <a:buChar char="•"/>
+              <a:defRPr sz="1800" kern="1200">
+                <a:solidFill>
+                  <a:schemeClr val="tx1"/>
+                </a:solidFill>
+                <a:latin typeface="+mn-lt"/>
+                <a:ea typeface="+mn-ea"/>
+                <a:cs typeface="+mn-cs"/>
+              </a:defRPr>
+            </a:lvl6pPr>
+            <a:lvl7pPr marL="2971800" indent="-228600" algn="l" defTabSz="914400" rtl="0" eaLnBrk="1" latinLnBrk="0" hangingPunct="1">
+              <a:lnSpc>
+                <a:spcPct val="90000"/>
+              </a:lnSpc>
+              <a:spcBef>
+                <a:spcPts val="500"/>
+              </a:spcBef>
+              <a:buFont typeface="Arial" panose="020B0604020202020204" pitchFamily="34" charset="0"/>
+              <a:buChar char="•"/>
+              <a:defRPr sz="1800" kern="1200">
+                <a:solidFill>
+                  <a:schemeClr val="tx1"/>
+                </a:solidFill>
+                <a:latin typeface="+mn-lt"/>
+                <a:ea typeface="+mn-ea"/>
+                <a:cs typeface="+mn-cs"/>
+              </a:defRPr>
+            </a:lvl7pPr>
+            <a:lvl8pPr marL="3429000" indent="-228600" algn="l" defTabSz="914400" rtl="0" eaLnBrk="1" latinLnBrk="0" hangingPunct="1">
+              <a:lnSpc>
+                <a:spcPct val="90000"/>
+              </a:lnSpc>
+              <a:spcBef>
+                <a:spcPts val="500"/>
+              </a:spcBef>
+              <a:buFont typeface="Arial" panose="020B0604020202020204" pitchFamily="34" charset="0"/>
+              <a:buChar char="•"/>
+              <a:defRPr sz="1800" kern="1200">
+                <a:solidFill>
+                  <a:schemeClr val="tx1"/>
+                </a:solidFill>
+                <a:latin typeface="+mn-lt"/>
+                <a:ea typeface="+mn-ea"/>
+                <a:cs typeface="+mn-cs"/>
+              </a:defRPr>
+            </a:lvl8pPr>
+            <a:lvl9pPr marL="3886200" indent="-228600" algn="l" defTabSz="914400" rtl="0" eaLnBrk="1" latinLnBrk="0" hangingPunct="1">
+              <a:lnSpc>
+                <a:spcPct val="90000"/>
+              </a:lnSpc>
+              <a:spcBef>
+                <a:spcPts val="500"/>
+              </a:spcBef>
+              <a:buFont typeface="Arial" panose="020B0604020202020204" pitchFamily="34" charset="0"/>
+              <a:buChar char="•"/>
+              <a:defRPr sz="1800" kern="1200">
+                <a:solidFill>
+                  <a:schemeClr val="tx1"/>
+                </a:solidFill>
+                <a:latin typeface="+mn-lt"/>
+                <a:ea typeface="+mn-ea"/>
+                <a:cs typeface="+mn-cs"/>
+              </a:defRPr>
+            </a:lvl9pPr>
+          </a:lstStyle>
+          <a:p>
+            <a:pPr marL="0" indent="0" algn="ctr">
+              <a:buFont typeface="Arial" panose="020B0604020202020204" pitchFamily="34" charset="0"/>
+              <a:buNone/>
+            </a:pPr>
+            <a:r>
+              <a:rPr lang="en-US" sz="2000" dirty="0"/>
+              <a:t>Night shift differentiation</a:t>
+            </a:r>
+          </a:p>
+          <a:p>
+            <a:pPr marL="0" indent="0">
+              <a:buFont typeface="Arial" panose="020B0604020202020204" pitchFamily="34" charset="0"/>
+              <a:buNone/>
+            </a:pPr>
+            <a:endParaRPr lang="en-US" sz="2000" dirty="0"/>
           </a:p>
         </p:txBody>
       </p:sp>
       <p:sp>
         <p:nvSpPr>
-          <p:cNvPr id="11" name="TextBox 10">
+          <p:cNvPr id="43" name="Content Placeholder 2">
             <a:extLst>
               <a:ext uri="{FF2B5EF4-FFF2-40B4-BE49-F238E27FC236}">
-                <a16:creationId xmlns:a16="http://schemas.microsoft.com/office/drawing/2014/main" id="{022C3A47-AB11-450B-88E6-658C9036CEBC}"/>
+                <a16:creationId xmlns:a16="http://schemas.microsoft.com/office/drawing/2014/main" id="{974D628E-2983-4388-AF8C-0648D32FD953}"/>
               </a:ext>
             </a:extLst>
           </p:cNvPr>
-          <p:cNvSpPr txBox="1"/>
+          <p:cNvSpPr txBox="1">
+            <a:spLocks/>
+          </p:cNvSpPr>
           <p:nvPr/>
         </p:nvSpPr>
         <p:spPr>
           <a:xfrm>
-            <a:off x="10729909" y="5534678"/>
-            <a:ext cx="947738" cy="523220"/>
+            <a:off x="1271502" y="6130961"/>
+            <a:ext cx="2857671" cy="428166"/>
           </a:xfrm>
           <a:prstGeom prst="rect">
             <a:avLst/>
           </a:prstGeom>
-          <a:noFill/>
         </p:spPr>
         <p:txBody>
-          <a:bodyPr wrap="square">
-            <a:spAutoFit/>
+          <a:bodyPr vert="horz" lIns="91440" tIns="45720" rIns="91440" bIns="45720" rtlCol="0">
+            <a:normAutofit/>
           </a:bodyPr>
-          <a:lstStyle/>
-          <a:p>
-            <a:r>
-              <a:rPr lang="en-US" sz="2800" b="1" dirty="0">
-                <a:solidFill>
-                  <a:srgbClr val="993300"/>
-                </a:solidFill>
-              </a:rPr>
-              <a:t>33%</a:t>
-            </a:r>
-            <a:endParaRPr lang="en-US" sz="2800" dirty="0">
-              <a:solidFill>
-                <a:srgbClr val="993300"/>
-              </a:solidFill>
-            </a:endParaRPr>
+          <a:lstStyle>
+            <a:lvl1pPr marL="228600" indent="-228600" algn="l" defTabSz="914400" rtl="0" eaLnBrk="1" latinLnBrk="0" hangingPunct="1">
+              <a:lnSpc>
+                <a:spcPct val="90000"/>
+              </a:lnSpc>
+              <a:spcBef>
+                <a:spcPts val="1000"/>
+              </a:spcBef>
+              <a:buFont typeface="Arial" panose="020B0604020202020204" pitchFamily="34" charset="0"/>
+              <a:buChar char="•"/>
+              <a:defRPr sz="2800" kern="1200">
+                <a:solidFill>
+                  <a:schemeClr val="tx1"/>
+                </a:solidFill>
+                <a:latin typeface="+mn-lt"/>
+                <a:ea typeface="+mn-ea"/>
+                <a:cs typeface="+mn-cs"/>
+              </a:defRPr>
+            </a:lvl1pPr>
+            <a:lvl2pPr marL="685800" indent="-228600" algn="l" defTabSz="914400" rtl="0" eaLnBrk="1" latinLnBrk="0" hangingPunct="1">
+              <a:lnSpc>
+                <a:spcPct val="90000"/>
+              </a:lnSpc>
+              <a:spcBef>
+                <a:spcPts val="500"/>
+              </a:spcBef>
+              <a:buFont typeface="Arial" panose="020B0604020202020204" pitchFamily="34" charset="0"/>
+              <a:buChar char="•"/>
+              <a:defRPr sz="2400" kern="1200">
+                <a:solidFill>
+                  <a:schemeClr val="tx1"/>
+                </a:solidFill>
+                <a:latin typeface="+mn-lt"/>
+                <a:ea typeface="+mn-ea"/>
+                <a:cs typeface="+mn-cs"/>
+              </a:defRPr>
+            </a:lvl2pPr>
+            <a:lvl3pPr marL="1143000" indent="-228600" algn="l" defTabSz="914400" rtl="0" eaLnBrk="1" latinLnBrk="0" hangingPunct="1">
+              <a:lnSpc>
+                <a:spcPct val="90000"/>
+              </a:lnSpc>
+              <a:spcBef>
+                <a:spcPts val="500"/>
+              </a:spcBef>
+              <a:buFont typeface="Arial" panose="020B0604020202020204" pitchFamily="34" charset="0"/>
+              <a:buChar char="•"/>
+              <a:defRPr sz="2000" kern="1200">
+                <a:solidFill>
+                  <a:schemeClr val="tx1"/>
+                </a:solidFill>
+                <a:latin typeface="+mn-lt"/>
+                <a:ea typeface="+mn-ea"/>
+                <a:cs typeface="+mn-cs"/>
+              </a:defRPr>
+            </a:lvl3pPr>
+            <a:lvl4pPr marL="1600200" indent="-228600" algn="l" defTabSz="914400" rtl="0" eaLnBrk="1" latinLnBrk="0" hangingPunct="1">
+              <a:lnSpc>
+                <a:spcPct val="90000"/>
+              </a:lnSpc>
+              <a:spcBef>
+                <a:spcPts val="500"/>
+              </a:spcBef>
+              <a:buFont typeface="Arial" panose="020B0604020202020204" pitchFamily="34" charset="0"/>
+              <a:buChar char="•"/>
+              <a:defRPr sz="1800" kern="1200">
+                <a:solidFill>
+                  <a:schemeClr val="tx1"/>
+                </a:solidFill>
+                <a:latin typeface="+mn-lt"/>
+                <a:ea typeface="+mn-ea"/>
+                <a:cs typeface="+mn-cs"/>
+              </a:defRPr>
+            </a:lvl4pPr>
+            <a:lvl5pPr marL="2057400" indent="-228600" algn="l" defTabSz="914400" rtl="0" eaLnBrk="1" latinLnBrk="0" hangingPunct="1">
+              <a:lnSpc>
+                <a:spcPct val="90000"/>
+              </a:lnSpc>
+              <a:spcBef>
+                <a:spcPts val="500"/>
+              </a:spcBef>
+              <a:buFont typeface="Arial" panose="020B0604020202020204" pitchFamily="34" charset="0"/>
+              <a:buChar char="•"/>
+              <a:defRPr sz="1800" kern="1200">
+                <a:solidFill>
+                  <a:schemeClr val="tx1"/>
+                </a:solidFill>
+                <a:latin typeface="+mn-lt"/>
+                <a:ea typeface="+mn-ea"/>
+                <a:cs typeface="+mn-cs"/>
+              </a:defRPr>
+            </a:lvl5pPr>
+            <a:lvl6pPr marL="2514600" indent="-228600" algn="l" defTabSz="914400" rtl="0" eaLnBrk="1" latinLnBrk="0" hangingPunct="1">
+              <a:lnSpc>
+                <a:spcPct val="90000"/>
+              </a:lnSpc>
+              <a:spcBef>
+                <a:spcPts val="500"/>
+              </a:spcBef>
+              <a:buFont typeface="Arial" panose="020B0604020202020204" pitchFamily="34" charset="0"/>
+              <a:buChar char="•"/>
+              <a:defRPr sz="1800" kern="1200">
+                <a:solidFill>
+                  <a:schemeClr val="tx1"/>
+                </a:solidFill>
+                <a:latin typeface="+mn-lt"/>
+                <a:ea typeface="+mn-ea"/>
+                <a:cs typeface="+mn-cs"/>
+              </a:defRPr>
+            </a:lvl6pPr>
+            <a:lvl7pPr marL="2971800" indent="-228600" algn="l" defTabSz="914400" rtl="0" eaLnBrk="1" latinLnBrk="0" hangingPunct="1">
+              <a:lnSpc>
+                <a:spcPct val="90000"/>
+              </a:lnSpc>
+              <a:spcBef>
+                <a:spcPts val="500"/>
+              </a:spcBef>
+              <a:buFont typeface="Arial" panose="020B0604020202020204" pitchFamily="34" charset="0"/>
+              <a:buChar char="•"/>
+              <a:defRPr sz="1800" kern="1200">
+                <a:solidFill>
+                  <a:schemeClr val="tx1"/>
+                </a:solidFill>
+                <a:latin typeface="+mn-lt"/>
+                <a:ea typeface="+mn-ea"/>
+                <a:cs typeface="+mn-cs"/>
+              </a:defRPr>
+            </a:lvl7pPr>
+            <a:lvl8pPr marL="3429000" indent="-228600" algn="l" defTabSz="914400" rtl="0" eaLnBrk="1" latinLnBrk="0" hangingPunct="1">
+              <a:lnSpc>
+                <a:spcPct val="90000"/>
+              </a:lnSpc>
+              <a:spcBef>
+                <a:spcPts val="500"/>
+              </a:spcBef>
+              <a:buFont typeface="Arial" panose="020B0604020202020204" pitchFamily="34" charset="0"/>
+              <a:buChar char="•"/>
+              <a:defRPr sz="1800" kern="1200">
+                <a:solidFill>
+                  <a:schemeClr val="tx1"/>
+                </a:solidFill>
+                <a:latin typeface="+mn-lt"/>
+                <a:ea typeface="+mn-ea"/>
+                <a:cs typeface="+mn-cs"/>
+              </a:defRPr>
+            </a:lvl8pPr>
+            <a:lvl9pPr marL="3886200" indent="-228600" algn="l" defTabSz="914400" rtl="0" eaLnBrk="1" latinLnBrk="0" hangingPunct="1">
+              <a:lnSpc>
+                <a:spcPct val="90000"/>
+              </a:lnSpc>
+              <a:spcBef>
+                <a:spcPts val="500"/>
+              </a:spcBef>
+              <a:buFont typeface="Arial" panose="020B0604020202020204" pitchFamily="34" charset="0"/>
+              <a:buChar char="•"/>
+              <a:defRPr sz="1800" kern="1200">
+                <a:solidFill>
+                  <a:schemeClr val="tx1"/>
+                </a:solidFill>
+                <a:latin typeface="+mn-lt"/>
+                <a:ea typeface="+mn-ea"/>
+                <a:cs typeface="+mn-cs"/>
+              </a:defRPr>
+            </a:lvl9pPr>
+          </a:lstStyle>
+          <a:p>
+            <a:pPr marL="0" indent="0" algn="ctr">
+              <a:buFont typeface="Arial" panose="020B0604020202020204" pitchFamily="34" charset="0"/>
+              <a:buNone/>
+            </a:pPr>
+            <a:r>
+              <a:rPr lang="en-US" sz="2000" dirty="0"/>
+              <a:t>CSV export</a:t>
+            </a:r>
+          </a:p>
+          <a:p>
+            <a:pPr marL="0" indent="0">
+              <a:buFont typeface="Arial" panose="020B0604020202020204" pitchFamily="34" charset="0"/>
+              <a:buNone/>
+            </a:pPr>
+            <a:endParaRPr lang="en-US" sz="2000" dirty="0"/>
+          </a:p>
+        </p:txBody>
+      </p:sp>
+      <p:cxnSp>
+        <p:nvCxnSpPr>
+          <p:cNvPr id="44" name="Straight Arrow Connector 43">
+            <a:extLst>
+              <a:ext uri="{FF2B5EF4-FFF2-40B4-BE49-F238E27FC236}">
+                <a16:creationId xmlns:a16="http://schemas.microsoft.com/office/drawing/2014/main" id="{2A16F632-299C-4121-ACE6-A9DCFE1DD9DF}"/>
+              </a:ext>
+            </a:extLst>
+          </p:cNvPr>
+          <p:cNvCxnSpPr>
+            <a:cxnSpLocks/>
+          </p:cNvCxnSpPr>
+          <p:nvPr/>
+        </p:nvCxnSpPr>
+        <p:spPr>
+          <a:xfrm flipH="1">
+            <a:off x="2857329" y="5584612"/>
+            <a:ext cx="419059" cy="546349"/>
+          </a:xfrm>
+          <a:prstGeom prst="straightConnector1">
+            <a:avLst/>
+          </a:prstGeom>
+          <a:ln>
+            <a:tailEnd type="triangle"/>
+          </a:ln>
+        </p:spPr>
+        <p:style>
+          <a:lnRef idx="3">
+            <a:schemeClr val="dk1"/>
+          </a:lnRef>
+          <a:fillRef idx="0">
+            <a:schemeClr val="dk1"/>
+          </a:fillRef>
+          <a:effectRef idx="2">
+            <a:schemeClr val="dk1"/>
+          </a:effectRef>
+          <a:fontRef idx="minor">
+            <a:schemeClr val="tx1"/>
+          </a:fontRef>
+        </p:style>
+      </p:cxnSp>
+      <p:cxnSp>
+        <p:nvCxnSpPr>
+          <p:cNvPr id="47" name="Straight Arrow Connector 46">
+            <a:extLst>
+              <a:ext uri="{FF2B5EF4-FFF2-40B4-BE49-F238E27FC236}">
+                <a16:creationId xmlns:a16="http://schemas.microsoft.com/office/drawing/2014/main" id="{456FE8E8-1F85-4937-B10C-6532375A9DE1}"/>
+              </a:ext>
+            </a:extLst>
+          </p:cNvPr>
+          <p:cNvCxnSpPr>
+            <a:cxnSpLocks/>
+          </p:cNvCxnSpPr>
+          <p:nvPr/>
+        </p:nvCxnSpPr>
+        <p:spPr>
+          <a:xfrm>
+            <a:off x="6953786" y="5480129"/>
+            <a:ext cx="717527" cy="227818"/>
+          </a:xfrm>
+          <a:prstGeom prst="straightConnector1">
+            <a:avLst/>
+          </a:prstGeom>
+          <a:ln>
+            <a:tailEnd type="triangle"/>
+          </a:ln>
+        </p:spPr>
+        <p:style>
+          <a:lnRef idx="3">
+            <a:schemeClr val="dk1"/>
+          </a:lnRef>
+          <a:fillRef idx="0">
+            <a:schemeClr val="dk1"/>
+          </a:fillRef>
+          <a:effectRef idx="2">
+            <a:schemeClr val="dk1"/>
+          </a:effectRef>
+          <a:fontRef idx="minor">
+            <a:schemeClr val="tx1"/>
+          </a:fontRef>
+        </p:style>
+      </p:cxnSp>
+      <p:cxnSp>
+        <p:nvCxnSpPr>
+          <p:cNvPr id="51" name="Straight Arrow Connector 50">
+            <a:extLst>
+              <a:ext uri="{FF2B5EF4-FFF2-40B4-BE49-F238E27FC236}">
+                <a16:creationId xmlns:a16="http://schemas.microsoft.com/office/drawing/2014/main" id="{20FF060E-1B97-482A-8275-7E53C38A0880}"/>
+              </a:ext>
+            </a:extLst>
+          </p:cNvPr>
+          <p:cNvCxnSpPr>
+            <a:cxnSpLocks/>
+          </p:cNvCxnSpPr>
+          <p:nvPr/>
+        </p:nvCxnSpPr>
+        <p:spPr>
+          <a:xfrm flipV="1">
+            <a:off x="6914611" y="4804681"/>
+            <a:ext cx="923925" cy="351240"/>
+          </a:xfrm>
+          <a:prstGeom prst="straightConnector1">
+            <a:avLst/>
+          </a:prstGeom>
+          <a:ln>
+            <a:tailEnd type="triangle"/>
+          </a:ln>
+        </p:spPr>
+        <p:style>
+          <a:lnRef idx="3">
+            <a:schemeClr val="dk1"/>
+          </a:lnRef>
+          <a:fillRef idx="0">
+            <a:schemeClr val="dk1"/>
+          </a:fillRef>
+          <a:effectRef idx="2">
+            <a:schemeClr val="dk1"/>
+          </a:effectRef>
+          <a:fontRef idx="minor">
+            <a:schemeClr val="tx1"/>
+          </a:fontRef>
+        </p:style>
+      </p:cxnSp>
+      <p:cxnSp>
+        <p:nvCxnSpPr>
+          <p:cNvPr id="63" name="Straight Connector 62">
+            <a:extLst>
+              <a:ext uri="{FF2B5EF4-FFF2-40B4-BE49-F238E27FC236}">
+                <a16:creationId xmlns:a16="http://schemas.microsoft.com/office/drawing/2014/main" id="{57D25B13-3E40-44B2-8FC6-A743CC24FF90}"/>
+              </a:ext>
+            </a:extLst>
+          </p:cNvPr>
+          <p:cNvCxnSpPr>
+            <a:cxnSpLocks/>
+          </p:cNvCxnSpPr>
+          <p:nvPr/>
+        </p:nvCxnSpPr>
+        <p:spPr>
+          <a:xfrm>
+            <a:off x="3181718" y="3769899"/>
+            <a:ext cx="2880589" cy="2087887"/>
+          </a:xfrm>
+          <a:prstGeom prst="line">
+            <a:avLst/>
+          </a:prstGeom>
+          <a:ln w="9525" cap="flat" cmpd="sng" algn="ctr">
+            <a:solidFill>
+              <a:schemeClr val="dk1"/>
+            </a:solidFill>
+            <a:prstDash val="dash"/>
+            <a:round/>
+            <a:headEnd type="none" w="med" len="med"/>
+            <a:tailEnd type="none" w="med" len="med"/>
+          </a:ln>
+        </p:spPr>
+        <p:style>
+          <a:lnRef idx="0">
+            <a:scrgbClr r="0" g="0" b="0"/>
+          </a:lnRef>
+          <a:fillRef idx="0">
+            <a:scrgbClr r="0" g="0" b="0"/>
+          </a:fillRef>
+          <a:effectRef idx="0">
+            <a:scrgbClr r="0" g="0" b="0"/>
+          </a:effectRef>
+          <a:fontRef idx="minor">
+            <a:schemeClr val="tx1"/>
+          </a:fontRef>
+        </p:style>
+      </p:cxnSp>
+      <p:cxnSp>
+        <p:nvCxnSpPr>
+          <p:cNvPr id="66" name="Straight Connector 65">
+            <a:extLst>
+              <a:ext uri="{FF2B5EF4-FFF2-40B4-BE49-F238E27FC236}">
+                <a16:creationId xmlns:a16="http://schemas.microsoft.com/office/drawing/2014/main" id="{F812FE23-E05B-488F-9EBD-E3DC25B0473B}"/>
+              </a:ext>
+            </a:extLst>
+          </p:cNvPr>
+          <p:cNvCxnSpPr>
+            <a:cxnSpLocks/>
+          </p:cNvCxnSpPr>
+          <p:nvPr/>
+        </p:nvCxnSpPr>
+        <p:spPr>
+          <a:xfrm>
+            <a:off x="6291476" y="3671535"/>
+            <a:ext cx="880850" cy="2105380"/>
+          </a:xfrm>
+          <a:prstGeom prst="line">
+            <a:avLst/>
+          </a:prstGeom>
+          <a:ln w="9525" cap="flat" cmpd="sng" algn="ctr">
+            <a:solidFill>
+              <a:schemeClr val="dk1"/>
+            </a:solidFill>
+            <a:prstDash val="dash"/>
+            <a:round/>
+            <a:headEnd type="none" w="med" len="med"/>
+            <a:tailEnd type="none" w="med" len="med"/>
+          </a:ln>
+        </p:spPr>
+        <p:style>
+          <a:lnRef idx="0">
+            <a:scrgbClr r="0" g="0" b="0"/>
+          </a:lnRef>
+          <a:fillRef idx="0">
+            <a:scrgbClr r="0" g="0" b="0"/>
+          </a:fillRef>
+          <a:effectRef idx="0">
+            <a:scrgbClr r="0" g="0" b="0"/>
+          </a:effectRef>
+          <a:fontRef idx="minor">
+            <a:schemeClr val="tx1"/>
+          </a:fontRef>
+        </p:style>
+      </p:cxnSp>
+      <p:sp>
+        <p:nvSpPr>
+          <p:cNvPr id="68" name="Content Placeholder 2">
+            <a:extLst>
+              <a:ext uri="{FF2B5EF4-FFF2-40B4-BE49-F238E27FC236}">
+                <a16:creationId xmlns:a16="http://schemas.microsoft.com/office/drawing/2014/main" id="{80D9D1B1-57AC-48D5-A27E-21313FAC028A}"/>
+              </a:ext>
+            </a:extLst>
+          </p:cNvPr>
+          <p:cNvSpPr txBox="1">
+            <a:spLocks/>
+          </p:cNvSpPr>
+          <p:nvPr/>
+        </p:nvSpPr>
+        <p:spPr>
+          <a:xfrm>
+            <a:off x="3395125" y="3183336"/>
+            <a:ext cx="2481801" cy="497424"/>
+          </a:xfrm>
+          <a:prstGeom prst="rect">
+            <a:avLst/>
+          </a:prstGeom>
+        </p:spPr>
+        <p:txBody>
+          <a:bodyPr vert="horz" lIns="91440" tIns="45720" rIns="91440" bIns="45720" rtlCol="0">
+            <a:normAutofit/>
+          </a:bodyPr>
+          <a:lstStyle>
+            <a:lvl1pPr marL="228600" indent="-228600" algn="l" defTabSz="914400" rtl="0" eaLnBrk="1" latinLnBrk="0" hangingPunct="1">
+              <a:lnSpc>
+                <a:spcPct val="90000"/>
+              </a:lnSpc>
+              <a:spcBef>
+                <a:spcPts val="1000"/>
+              </a:spcBef>
+              <a:buFont typeface="Arial" panose="020B0604020202020204" pitchFamily="34" charset="0"/>
+              <a:buChar char="•"/>
+              <a:defRPr sz="2800" kern="1200">
+                <a:solidFill>
+                  <a:schemeClr val="tx1"/>
+                </a:solidFill>
+                <a:latin typeface="+mn-lt"/>
+                <a:ea typeface="+mn-ea"/>
+                <a:cs typeface="+mn-cs"/>
+              </a:defRPr>
+            </a:lvl1pPr>
+            <a:lvl2pPr marL="685800" indent="-228600" algn="l" defTabSz="914400" rtl="0" eaLnBrk="1" latinLnBrk="0" hangingPunct="1">
+              <a:lnSpc>
+                <a:spcPct val="90000"/>
+              </a:lnSpc>
+              <a:spcBef>
+                <a:spcPts val="500"/>
+              </a:spcBef>
+              <a:buFont typeface="Arial" panose="020B0604020202020204" pitchFamily="34" charset="0"/>
+              <a:buChar char="•"/>
+              <a:defRPr sz="2400" kern="1200">
+                <a:solidFill>
+                  <a:schemeClr val="tx1"/>
+                </a:solidFill>
+                <a:latin typeface="+mn-lt"/>
+                <a:ea typeface="+mn-ea"/>
+                <a:cs typeface="+mn-cs"/>
+              </a:defRPr>
+            </a:lvl2pPr>
+            <a:lvl3pPr marL="1143000" indent="-228600" algn="l" defTabSz="914400" rtl="0" eaLnBrk="1" latinLnBrk="0" hangingPunct="1">
+              <a:lnSpc>
+                <a:spcPct val="90000"/>
+              </a:lnSpc>
+              <a:spcBef>
+                <a:spcPts val="500"/>
+              </a:spcBef>
+              <a:buFont typeface="Arial" panose="020B0604020202020204" pitchFamily="34" charset="0"/>
+              <a:buChar char="•"/>
+              <a:defRPr sz="2000" kern="1200">
+                <a:solidFill>
+                  <a:schemeClr val="tx1"/>
+                </a:solidFill>
+                <a:latin typeface="+mn-lt"/>
+                <a:ea typeface="+mn-ea"/>
+                <a:cs typeface="+mn-cs"/>
+              </a:defRPr>
+            </a:lvl3pPr>
+            <a:lvl4pPr marL="1600200" indent="-228600" algn="l" defTabSz="914400" rtl="0" eaLnBrk="1" latinLnBrk="0" hangingPunct="1">
+              <a:lnSpc>
+                <a:spcPct val="90000"/>
+              </a:lnSpc>
+              <a:spcBef>
+                <a:spcPts val="500"/>
+              </a:spcBef>
+              <a:buFont typeface="Arial" panose="020B0604020202020204" pitchFamily="34" charset="0"/>
+              <a:buChar char="•"/>
+              <a:defRPr sz="1800" kern="1200">
+                <a:solidFill>
+                  <a:schemeClr val="tx1"/>
+                </a:solidFill>
+                <a:latin typeface="+mn-lt"/>
+                <a:ea typeface="+mn-ea"/>
+                <a:cs typeface="+mn-cs"/>
+              </a:defRPr>
+            </a:lvl4pPr>
+            <a:lvl5pPr marL="2057400" indent="-228600" algn="l" defTabSz="914400" rtl="0" eaLnBrk="1" latinLnBrk="0" hangingPunct="1">
+              <a:lnSpc>
+                <a:spcPct val="90000"/>
+              </a:lnSpc>
+              <a:spcBef>
+                <a:spcPts val="500"/>
+              </a:spcBef>
+              <a:buFont typeface="Arial" panose="020B0604020202020204" pitchFamily="34" charset="0"/>
+              <a:buChar char="•"/>
+              <a:defRPr sz="1800" kern="1200">
+                <a:solidFill>
+                  <a:schemeClr val="tx1"/>
+                </a:solidFill>
+                <a:latin typeface="+mn-lt"/>
+                <a:ea typeface="+mn-ea"/>
+                <a:cs typeface="+mn-cs"/>
+              </a:defRPr>
+            </a:lvl5pPr>
+            <a:lvl6pPr marL="2514600" indent="-228600" algn="l" defTabSz="914400" rtl="0" eaLnBrk="1" latinLnBrk="0" hangingPunct="1">
+              <a:lnSpc>
+                <a:spcPct val="90000"/>
+              </a:lnSpc>
+              <a:spcBef>
+                <a:spcPts val="500"/>
+              </a:spcBef>
+              <a:buFont typeface="Arial" panose="020B0604020202020204" pitchFamily="34" charset="0"/>
+              <a:buChar char="•"/>
+              <a:defRPr sz="1800" kern="1200">
+                <a:solidFill>
+                  <a:schemeClr val="tx1"/>
+                </a:solidFill>
+                <a:latin typeface="+mn-lt"/>
+                <a:ea typeface="+mn-ea"/>
+                <a:cs typeface="+mn-cs"/>
+              </a:defRPr>
+            </a:lvl6pPr>
+            <a:lvl7pPr marL="2971800" indent="-228600" algn="l" defTabSz="914400" rtl="0" eaLnBrk="1" latinLnBrk="0" hangingPunct="1">
+              <a:lnSpc>
+                <a:spcPct val="90000"/>
+              </a:lnSpc>
+              <a:spcBef>
+                <a:spcPts val="500"/>
+              </a:spcBef>
+              <a:buFont typeface="Arial" panose="020B0604020202020204" pitchFamily="34" charset="0"/>
+              <a:buChar char="•"/>
+              <a:defRPr sz="1800" kern="1200">
+                <a:solidFill>
+                  <a:schemeClr val="tx1"/>
+                </a:solidFill>
+                <a:latin typeface="+mn-lt"/>
+                <a:ea typeface="+mn-ea"/>
+                <a:cs typeface="+mn-cs"/>
+              </a:defRPr>
+            </a:lvl7pPr>
+            <a:lvl8pPr marL="3429000" indent="-228600" algn="l" defTabSz="914400" rtl="0" eaLnBrk="1" latinLnBrk="0" hangingPunct="1">
+              <a:lnSpc>
+                <a:spcPct val="90000"/>
+              </a:lnSpc>
+              <a:spcBef>
+                <a:spcPts val="500"/>
+              </a:spcBef>
+              <a:buFont typeface="Arial" panose="020B0604020202020204" pitchFamily="34" charset="0"/>
+              <a:buChar char="•"/>
+              <a:defRPr sz="1800" kern="1200">
+                <a:solidFill>
+                  <a:schemeClr val="tx1"/>
+                </a:solidFill>
+                <a:latin typeface="+mn-lt"/>
+                <a:ea typeface="+mn-ea"/>
+                <a:cs typeface="+mn-cs"/>
+              </a:defRPr>
+            </a:lvl8pPr>
+            <a:lvl9pPr marL="3886200" indent="-228600" algn="l" defTabSz="914400" rtl="0" eaLnBrk="1" latinLnBrk="0" hangingPunct="1">
+              <a:lnSpc>
+                <a:spcPct val="90000"/>
+              </a:lnSpc>
+              <a:spcBef>
+                <a:spcPts val="500"/>
+              </a:spcBef>
+              <a:buFont typeface="Arial" panose="020B0604020202020204" pitchFamily="34" charset="0"/>
+              <a:buChar char="•"/>
+              <a:defRPr sz="1800" kern="1200">
+                <a:solidFill>
+                  <a:schemeClr val="tx1"/>
+                </a:solidFill>
+                <a:latin typeface="+mn-lt"/>
+                <a:ea typeface="+mn-ea"/>
+                <a:cs typeface="+mn-cs"/>
+              </a:defRPr>
+            </a:lvl9pPr>
+          </a:lstStyle>
+          <a:p>
+            <a:pPr marL="0" indent="0">
+              <a:buFont typeface="Arial" panose="020B0604020202020204" pitchFamily="34" charset="0"/>
+              <a:buNone/>
+            </a:pPr>
+            <a:r>
+              <a:rPr lang="en-US" sz="2000" b="1" dirty="0"/>
+              <a:t>Project requirements</a:t>
+            </a:r>
+          </a:p>
+          <a:p>
+            <a:pPr marL="0" indent="0">
+              <a:buFont typeface="Arial" panose="020B0604020202020204" pitchFamily="34" charset="0"/>
+              <a:buNone/>
+            </a:pPr>
+            <a:endParaRPr lang="en-US" sz="2000" dirty="0"/>
           </a:p>
         </p:txBody>
       </p:sp>
     </p:spTree>
     <p:extLst>
       <p:ext uri="{BB962C8B-B14F-4D97-AF65-F5344CB8AC3E}">
-        <p14:creationId xmlns:p14="http://schemas.microsoft.com/office/powerpoint/2010/main" val="1359252564"/>
+        <p14:creationId xmlns:p14="http://schemas.microsoft.com/office/powerpoint/2010/main" val="1260114751"/>
       </p:ext>
     </p:extLst>
   </p:cSld>
@@ -10268,18 +13086,18 @@
 </file>
 
 <file path=customXml/item1.xml><?xml version="1.0" encoding="utf-8"?>
-<p:properties xmlns:p="http://schemas.microsoft.com/office/2006/metadata/properties" xmlns:xsi="http://www.w3.org/2001/XMLSchema-instance" xmlns:pc="http://schemas.microsoft.com/office/infopath/2007/PartnerControls">
-  <documentManagement/>
-</p:properties>
-</file>
-
-<file path=customXml/item2.xml><?xml version="1.0" encoding="utf-8"?>
 <?mso-contentType ?>
 <FormTemplates xmlns="http://schemas.microsoft.com/sharepoint/v3/contenttype/forms">
   <Display>DocumentLibraryForm</Display>
   <Edit>DocumentLibraryForm</Edit>
   <New>DocumentLibraryForm</New>
 </FormTemplates>
+</file>
+
+<file path=customXml/item2.xml><?xml version="1.0" encoding="utf-8"?>
+<p:properties xmlns:p="http://schemas.microsoft.com/office/2006/metadata/properties" xmlns:xsi="http://www.w3.org/2001/XMLSchema-instance" xmlns:pc="http://schemas.microsoft.com/office/infopath/2007/PartnerControls">
+  <documentManagement/>
+</p:properties>
 </file>
 
 <file path=customXml/item3.xml><?xml version="1.0" encoding="utf-8"?>
@@ -10415,6 +13233,14 @@
 </file>
 
 <file path=customXml/itemProps1.xml><?xml version="1.0" encoding="utf-8"?>
+<ds:datastoreItem xmlns:ds="http://schemas.openxmlformats.org/officeDocument/2006/customXml" ds:itemID="{76EE102A-C587-47D4-980D-6EF803504572}">
+  <ds:schemaRefs>
+    <ds:schemaRef ds:uri="http://schemas.microsoft.com/sharepoint/v3/contenttype/forms"/>
+  </ds:schemaRefs>
+</ds:datastoreItem>
+</file>
+
+<file path=customXml/itemProps2.xml><?xml version="1.0" encoding="utf-8"?>
 <ds:datastoreItem xmlns:ds="http://schemas.openxmlformats.org/officeDocument/2006/customXml" ds:itemID="{05E380B0-3793-4519-A034-114F335A5299}">
   <ds:schemaRefs>
     <ds:schemaRef ds:uri="http://purl.org/dc/dcmitype/"/>
@@ -10426,14 +13252,6 @@
     <ds:schemaRef ds:uri="http://purl.org/dc/elements/1.1/"/>
     <ds:schemaRef ds:uri="http://schemas.microsoft.com/office/infopath/2007/PartnerControls"/>
     <ds:schemaRef ds:uri="http://www.w3.org/XML/1998/namespace"/>
-  </ds:schemaRefs>
-</ds:datastoreItem>
-</file>
-
-<file path=customXml/itemProps2.xml><?xml version="1.0" encoding="utf-8"?>
-<ds:datastoreItem xmlns:ds="http://schemas.openxmlformats.org/officeDocument/2006/customXml" ds:itemID="{76EE102A-C587-47D4-980D-6EF803504572}">
-  <ds:schemaRefs>
-    <ds:schemaRef ds:uri="http://schemas.microsoft.com/sharepoint/v3/contenttype/forms"/>
   </ds:schemaRefs>
 </ds:datastoreItem>
 </file>

--- a/AED2.pptx
+++ b/AED2.pptx
@@ -9852,16 +9852,7 @@
               </a:rPr>
               <a:t>CSV Folders:</a:t>
             </a:r>
-          </a:p>
-          <a:p>
-            <a:pPr marL="0" indent="0">
-              <a:buFont typeface="Arial" panose="020B0604020202020204" pitchFamily="34" charset="0"/>
-              <a:buNone/>
-            </a:pPr>
-            <a:r>
-              <a:rPr lang="en-US" sz="2000" b="1" dirty="0"/>
-              <a:t>Input</a:t>
-            </a:r>
+            <a:endParaRPr lang="en-US" sz="2000" b="1" dirty="0"/>
           </a:p>
           <a:p>
             <a:pPr marL="0" indent="0">
@@ -9902,7 +9893,7 @@
         </p:nvSpPr>
         <p:spPr>
           <a:xfrm>
-            <a:off x="9932195" y="4453573"/>
+            <a:off x="9936957" y="3993964"/>
             <a:ext cx="2055021" cy="553725"/>
           </a:xfrm>
           <a:prstGeom prst="rect">
@@ -10086,6 +10077,224 @@
               <a:rPr lang="en-US" sz="2000" dirty="0"/>
               <a:t>self explanatory</a:t>
             </a:r>
+          </a:p>
+        </p:txBody>
+      </p:sp>
+      <p:sp>
+        <p:nvSpPr>
+          <p:cNvPr id="17" name="Content Placeholder 2">
+            <a:extLst>
+              <a:ext uri="{FF2B5EF4-FFF2-40B4-BE49-F238E27FC236}">
+                <a16:creationId xmlns:a16="http://schemas.microsoft.com/office/drawing/2014/main" id="{0978C474-6501-41E6-A834-D64DA48040DC}"/>
+              </a:ext>
+            </a:extLst>
+          </p:cNvPr>
+          <p:cNvSpPr txBox="1">
+            <a:spLocks/>
+          </p:cNvSpPr>
+          <p:nvPr/>
+        </p:nvSpPr>
+        <p:spPr>
+          <a:xfrm>
+            <a:off x="7651554" y="6196203"/>
+            <a:ext cx="4530161" cy="652282"/>
+          </a:xfrm>
+          <a:prstGeom prst="rect">
+            <a:avLst/>
+          </a:prstGeom>
+        </p:spPr>
+        <p:txBody>
+          <a:bodyPr vert="horz" lIns="91440" tIns="45720" rIns="91440" bIns="45720" rtlCol="0">
+            <a:normAutofit/>
+          </a:bodyPr>
+          <a:lstStyle>
+            <a:lvl1pPr marL="228600" indent="-228600" algn="l" defTabSz="914400" rtl="0" eaLnBrk="1" latinLnBrk="0" hangingPunct="1">
+              <a:lnSpc>
+                <a:spcPct val="90000"/>
+              </a:lnSpc>
+              <a:spcBef>
+                <a:spcPts val="1000"/>
+              </a:spcBef>
+              <a:buFont typeface="Arial" panose="020B0604020202020204" pitchFamily="34" charset="0"/>
+              <a:buChar char="•"/>
+              <a:defRPr sz="2800" kern="1200">
+                <a:solidFill>
+                  <a:schemeClr val="tx1"/>
+                </a:solidFill>
+                <a:latin typeface="+mn-lt"/>
+                <a:ea typeface="+mn-ea"/>
+                <a:cs typeface="+mn-cs"/>
+              </a:defRPr>
+            </a:lvl1pPr>
+            <a:lvl2pPr marL="685800" indent="-228600" algn="l" defTabSz="914400" rtl="0" eaLnBrk="1" latinLnBrk="0" hangingPunct="1">
+              <a:lnSpc>
+                <a:spcPct val="90000"/>
+              </a:lnSpc>
+              <a:spcBef>
+                <a:spcPts val="500"/>
+              </a:spcBef>
+              <a:buFont typeface="Arial" panose="020B0604020202020204" pitchFamily="34" charset="0"/>
+              <a:buChar char="•"/>
+              <a:defRPr sz="2400" kern="1200">
+                <a:solidFill>
+                  <a:schemeClr val="tx1"/>
+                </a:solidFill>
+                <a:latin typeface="+mn-lt"/>
+                <a:ea typeface="+mn-ea"/>
+                <a:cs typeface="+mn-cs"/>
+              </a:defRPr>
+            </a:lvl2pPr>
+            <a:lvl3pPr marL="1143000" indent="-228600" algn="l" defTabSz="914400" rtl="0" eaLnBrk="1" latinLnBrk="0" hangingPunct="1">
+              <a:lnSpc>
+                <a:spcPct val="90000"/>
+              </a:lnSpc>
+              <a:spcBef>
+                <a:spcPts val="500"/>
+              </a:spcBef>
+              <a:buFont typeface="Arial" panose="020B0604020202020204" pitchFamily="34" charset="0"/>
+              <a:buChar char="•"/>
+              <a:defRPr sz="2000" kern="1200">
+                <a:solidFill>
+                  <a:schemeClr val="tx1"/>
+                </a:solidFill>
+                <a:latin typeface="+mn-lt"/>
+                <a:ea typeface="+mn-ea"/>
+                <a:cs typeface="+mn-cs"/>
+              </a:defRPr>
+            </a:lvl3pPr>
+            <a:lvl4pPr marL="1600200" indent="-228600" algn="l" defTabSz="914400" rtl="0" eaLnBrk="1" latinLnBrk="0" hangingPunct="1">
+              <a:lnSpc>
+                <a:spcPct val="90000"/>
+              </a:lnSpc>
+              <a:spcBef>
+                <a:spcPts val="500"/>
+              </a:spcBef>
+              <a:buFont typeface="Arial" panose="020B0604020202020204" pitchFamily="34" charset="0"/>
+              <a:buChar char="•"/>
+              <a:defRPr sz="1800" kern="1200">
+                <a:solidFill>
+                  <a:schemeClr val="tx1"/>
+                </a:solidFill>
+                <a:latin typeface="+mn-lt"/>
+                <a:ea typeface="+mn-ea"/>
+                <a:cs typeface="+mn-cs"/>
+              </a:defRPr>
+            </a:lvl4pPr>
+            <a:lvl5pPr marL="2057400" indent="-228600" algn="l" defTabSz="914400" rtl="0" eaLnBrk="1" latinLnBrk="0" hangingPunct="1">
+              <a:lnSpc>
+                <a:spcPct val="90000"/>
+              </a:lnSpc>
+              <a:spcBef>
+                <a:spcPts val="500"/>
+              </a:spcBef>
+              <a:buFont typeface="Arial" panose="020B0604020202020204" pitchFamily="34" charset="0"/>
+              <a:buChar char="•"/>
+              <a:defRPr sz="1800" kern="1200">
+                <a:solidFill>
+                  <a:schemeClr val="tx1"/>
+                </a:solidFill>
+                <a:latin typeface="+mn-lt"/>
+                <a:ea typeface="+mn-ea"/>
+                <a:cs typeface="+mn-cs"/>
+              </a:defRPr>
+            </a:lvl5pPr>
+            <a:lvl6pPr marL="2514600" indent="-228600" algn="l" defTabSz="914400" rtl="0" eaLnBrk="1" latinLnBrk="0" hangingPunct="1">
+              <a:lnSpc>
+                <a:spcPct val="90000"/>
+              </a:lnSpc>
+              <a:spcBef>
+                <a:spcPts val="500"/>
+              </a:spcBef>
+              <a:buFont typeface="Arial" panose="020B0604020202020204" pitchFamily="34" charset="0"/>
+              <a:buChar char="•"/>
+              <a:defRPr sz="1800" kern="1200">
+                <a:solidFill>
+                  <a:schemeClr val="tx1"/>
+                </a:solidFill>
+                <a:latin typeface="+mn-lt"/>
+                <a:ea typeface="+mn-ea"/>
+                <a:cs typeface="+mn-cs"/>
+              </a:defRPr>
+            </a:lvl6pPr>
+            <a:lvl7pPr marL="2971800" indent="-228600" algn="l" defTabSz="914400" rtl="0" eaLnBrk="1" latinLnBrk="0" hangingPunct="1">
+              <a:lnSpc>
+                <a:spcPct val="90000"/>
+              </a:lnSpc>
+              <a:spcBef>
+                <a:spcPts val="500"/>
+              </a:spcBef>
+              <a:buFont typeface="Arial" panose="020B0604020202020204" pitchFamily="34" charset="0"/>
+              <a:buChar char="•"/>
+              <a:defRPr sz="1800" kern="1200">
+                <a:solidFill>
+                  <a:schemeClr val="tx1"/>
+                </a:solidFill>
+                <a:latin typeface="+mn-lt"/>
+                <a:ea typeface="+mn-ea"/>
+                <a:cs typeface="+mn-cs"/>
+              </a:defRPr>
+            </a:lvl7pPr>
+            <a:lvl8pPr marL="3429000" indent="-228600" algn="l" defTabSz="914400" rtl="0" eaLnBrk="1" latinLnBrk="0" hangingPunct="1">
+              <a:lnSpc>
+                <a:spcPct val="90000"/>
+              </a:lnSpc>
+              <a:spcBef>
+                <a:spcPts val="500"/>
+              </a:spcBef>
+              <a:buFont typeface="Arial" panose="020B0604020202020204" pitchFamily="34" charset="0"/>
+              <a:buChar char="•"/>
+              <a:defRPr sz="1800" kern="1200">
+                <a:solidFill>
+                  <a:schemeClr val="tx1"/>
+                </a:solidFill>
+                <a:latin typeface="+mn-lt"/>
+                <a:ea typeface="+mn-ea"/>
+                <a:cs typeface="+mn-cs"/>
+              </a:defRPr>
+            </a:lvl8pPr>
+            <a:lvl9pPr marL="3886200" indent="-228600" algn="l" defTabSz="914400" rtl="0" eaLnBrk="1" latinLnBrk="0" hangingPunct="1">
+              <a:lnSpc>
+                <a:spcPct val="90000"/>
+              </a:lnSpc>
+              <a:spcBef>
+                <a:spcPts val="500"/>
+              </a:spcBef>
+              <a:buFont typeface="Arial" panose="020B0604020202020204" pitchFamily="34" charset="0"/>
+              <a:buChar char="•"/>
+              <a:defRPr sz="1800" kern="1200">
+                <a:solidFill>
+                  <a:schemeClr val="tx1"/>
+                </a:solidFill>
+                <a:latin typeface="+mn-lt"/>
+                <a:ea typeface="+mn-ea"/>
+                <a:cs typeface="+mn-cs"/>
+              </a:defRPr>
+            </a:lvl9pPr>
+          </a:lstStyle>
+          <a:p>
+            <a:pPr marL="0" indent="0" algn="just">
+              <a:buFont typeface="Arial" panose="020B0604020202020204" pitchFamily="34" charset="0"/>
+              <a:buNone/>
+            </a:pPr>
+            <a:r>
+              <a:rPr lang="en-US" sz="2000" b="1" dirty="0">
+                <a:solidFill>
+                  <a:srgbClr val="993300"/>
+                </a:solidFill>
+              </a:rPr>
+              <a:t>Note</a:t>
+            </a:r>
+            <a:r>
+              <a:rPr lang="en-US" sz="2000" dirty="0"/>
+              <a:t> It’s necessary to run the project at least once to get the output folder</a:t>
+            </a:r>
+          </a:p>
+          <a:p>
+            <a:pPr marL="0" indent="0">
+              <a:buFont typeface="Arial" panose="020B0604020202020204" pitchFamily="34" charset="0"/>
+              <a:buNone/>
+            </a:pPr>
+            <a:endParaRPr lang="en-US" sz="2000" b="1" dirty="0"/>
           </a:p>
         </p:txBody>
       </p:sp>
@@ -13086,18 +13295,18 @@
 </file>
 
 <file path=customXml/item1.xml><?xml version="1.0" encoding="utf-8"?>
+<p:properties xmlns:p="http://schemas.microsoft.com/office/2006/metadata/properties" xmlns:xsi="http://www.w3.org/2001/XMLSchema-instance" xmlns:pc="http://schemas.microsoft.com/office/infopath/2007/PartnerControls">
+  <documentManagement/>
+</p:properties>
+</file>
+
+<file path=customXml/item2.xml><?xml version="1.0" encoding="utf-8"?>
 <?mso-contentType ?>
 <FormTemplates xmlns="http://schemas.microsoft.com/sharepoint/v3/contenttype/forms">
   <Display>DocumentLibraryForm</Display>
   <Edit>DocumentLibraryForm</Edit>
   <New>DocumentLibraryForm</New>
 </FormTemplates>
-</file>
-
-<file path=customXml/item2.xml><?xml version="1.0" encoding="utf-8"?>
-<p:properties xmlns:p="http://schemas.microsoft.com/office/2006/metadata/properties" xmlns:xsi="http://www.w3.org/2001/XMLSchema-instance" xmlns:pc="http://schemas.microsoft.com/office/infopath/2007/PartnerControls">
-  <documentManagement/>
-</p:properties>
 </file>
 
 <file path=customXml/item3.xml><?xml version="1.0" encoding="utf-8"?>
@@ -13233,14 +13442,6 @@
 </file>
 
 <file path=customXml/itemProps1.xml><?xml version="1.0" encoding="utf-8"?>
-<ds:datastoreItem xmlns:ds="http://schemas.openxmlformats.org/officeDocument/2006/customXml" ds:itemID="{76EE102A-C587-47D4-980D-6EF803504572}">
-  <ds:schemaRefs>
-    <ds:schemaRef ds:uri="http://schemas.microsoft.com/sharepoint/v3/contenttype/forms"/>
-  </ds:schemaRefs>
-</ds:datastoreItem>
-</file>
-
-<file path=customXml/itemProps2.xml><?xml version="1.0" encoding="utf-8"?>
 <ds:datastoreItem xmlns:ds="http://schemas.openxmlformats.org/officeDocument/2006/customXml" ds:itemID="{05E380B0-3793-4519-A034-114F335A5299}">
   <ds:schemaRefs>
     <ds:schemaRef ds:uri="http://purl.org/dc/dcmitype/"/>
@@ -13252,6 +13453,14 @@
     <ds:schemaRef ds:uri="http://purl.org/dc/elements/1.1/"/>
     <ds:schemaRef ds:uri="http://schemas.microsoft.com/office/infopath/2007/PartnerControls"/>
     <ds:schemaRef ds:uri="http://www.w3.org/XML/1998/namespace"/>
+  </ds:schemaRefs>
+</ds:datastoreItem>
+</file>
+
+<file path=customXml/itemProps2.xml><?xml version="1.0" encoding="utf-8"?>
+<ds:datastoreItem xmlns:ds="http://schemas.openxmlformats.org/officeDocument/2006/customXml" ds:itemID="{76EE102A-C587-47D4-980D-6EF803504572}">
+  <ds:schemaRefs>
+    <ds:schemaRef ds:uri="http://schemas.microsoft.com/sharepoint/v3/contenttype/forms"/>
   </ds:schemaRefs>
 </ds:datastoreItem>
 </file>

--- a/AED2.pptx
+++ b/AED2.pptx
@@ -4770,10 +4770,10 @@
       </p:grpSpPr>
       <p:pic>
         <p:nvPicPr>
-          <p:cNvPr id="10" name="Picture 9" descr="Diagram&#10;&#10;Description automatically generated">
+          <p:cNvPr id="5" name="Picture 4" descr="A picture containing text, clipart&#10;&#10;Description automatically generated">
             <a:extLst>
               <a:ext uri="{FF2B5EF4-FFF2-40B4-BE49-F238E27FC236}">
-                <a16:creationId xmlns:a16="http://schemas.microsoft.com/office/drawing/2014/main" id="{377E423E-4685-4568-AFF6-A505E374C86E}"/>
+                <a16:creationId xmlns:a16="http://schemas.microsoft.com/office/drawing/2014/main" id="{AEEF4F80-6182-437F-8FB9-E546318E1786}"/>
               </a:ext>
             </a:extLst>
           </p:cNvPr>
@@ -4784,42 +4784,6 @@
         </p:nvPicPr>
         <p:blipFill>
           <a:blip r:embed="rId2">
-            <a:extLst>
-              <a:ext uri="{28A0092B-C50C-407E-A947-70E740481C1C}">
-                <a14:useLocalDpi xmlns:a14="http://schemas.microsoft.com/office/drawing/2010/main" val="0"/>
-              </a:ext>
-            </a:extLst>
-          </a:blip>
-          <a:stretch>
-            <a:fillRect/>
-          </a:stretch>
-        </p:blipFill>
-        <p:spPr>
-          <a:xfrm>
-            <a:off x="704851" y="1475576"/>
-            <a:ext cx="5450991" cy="5027351"/>
-          </a:xfrm>
-          <a:prstGeom prst="rect">
-            <a:avLst/>
-          </a:prstGeom>
-        </p:spPr>
-      </p:pic>
-      <p:pic>
-        <p:nvPicPr>
-          <p:cNvPr id="5" name="Picture 4" descr="A picture containing text, clipart&#10;&#10;Description automatically generated">
-            <a:extLst>
-              <a:ext uri="{FF2B5EF4-FFF2-40B4-BE49-F238E27FC236}">
-                <a16:creationId xmlns:a16="http://schemas.microsoft.com/office/drawing/2014/main" id="{AEEF4F80-6182-437F-8FB9-E546318E1786}"/>
-              </a:ext>
-            </a:extLst>
-          </p:cNvPr>
-          <p:cNvPicPr>
-            <a:picLocks noChangeAspect="1"/>
-          </p:cNvPicPr>
-          <p:nvPr/>
-        </p:nvPicPr>
-        <p:blipFill>
-          <a:blip r:embed="rId3">
             <a:extLst>
               <a:ext uri="{28A0092B-C50C-407E-A947-70E740481C1C}">
                 <a14:useLocalDpi xmlns:a14="http://schemas.microsoft.com/office/drawing/2010/main" val="0"/>
@@ -4932,7 +4896,7 @@
             </a:r>
             <a:r>
               <a:rPr lang="en-US" sz="2000" b="1" dirty="0">
-                <a:hlinkClick r:id="rId4"/>
+                <a:hlinkClick r:id="rId3"/>
               </a:rPr>
               <a:t>here</a:t>
             </a:r>
@@ -4940,6 +4904,42 @@
           </a:p>
         </p:txBody>
       </p:sp>
+      <p:pic>
+        <p:nvPicPr>
+          <p:cNvPr id="3" name="Picture 2" descr="Diagram&#10;&#10;Description automatically generated">
+            <a:extLst>
+              <a:ext uri="{FF2B5EF4-FFF2-40B4-BE49-F238E27FC236}">
+                <a16:creationId xmlns:a16="http://schemas.microsoft.com/office/drawing/2014/main" id="{7562FF94-E4F6-4C46-8D5D-D8B462F8D85D}"/>
+              </a:ext>
+            </a:extLst>
+          </p:cNvPr>
+          <p:cNvPicPr>
+            <a:picLocks noChangeAspect="1"/>
+          </p:cNvPicPr>
+          <p:nvPr/>
+        </p:nvPicPr>
+        <p:blipFill>
+          <a:blip r:embed="rId4">
+            <a:extLst>
+              <a:ext uri="{28A0092B-C50C-407E-A947-70E740481C1C}">
+                <a14:useLocalDpi xmlns:a14="http://schemas.microsoft.com/office/drawing/2010/main" val="0"/>
+              </a:ext>
+            </a:extLst>
+          </a:blip>
+          <a:stretch>
+            <a:fillRect/>
+          </a:stretch>
+        </p:blipFill>
+        <p:spPr>
+          <a:xfrm>
+            <a:off x="704851" y="1728644"/>
+            <a:ext cx="5388769" cy="4519613"/>
+          </a:xfrm>
+          <a:prstGeom prst="rect">
+            <a:avLst/>
+          </a:prstGeom>
+        </p:spPr>
+      </p:pic>
     </p:spTree>
     <p:extLst>
       <p:ext uri="{BB962C8B-B14F-4D97-AF65-F5344CB8AC3E}">
@@ -13295,18 +13295,18 @@
 </file>
 
 <file path=customXml/item1.xml><?xml version="1.0" encoding="utf-8"?>
-<p:properties xmlns:p="http://schemas.microsoft.com/office/2006/metadata/properties" xmlns:xsi="http://www.w3.org/2001/XMLSchema-instance" xmlns:pc="http://schemas.microsoft.com/office/infopath/2007/PartnerControls">
-  <documentManagement/>
-</p:properties>
-</file>
-
-<file path=customXml/item2.xml><?xml version="1.0" encoding="utf-8"?>
 <?mso-contentType ?>
 <FormTemplates xmlns="http://schemas.microsoft.com/sharepoint/v3/contenttype/forms">
   <Display>DocumentLibraryForm</Display>
   <Edit>DocumentLibraryForm</Edit>
   <New>DocumentLibraryForm</New>
 </FormTemplates>
+</file>
+
+<file path=customXml/item2.xml><?xml version="1.0" encoding="utf-8"?>
+<p:properties xmlns:p="http://schemas.microsoft.com/office/2006/metadata/properties" xmlns:xsi="http://www.w3.org/2001/XMLSchema-instance" xmlns:pc="http://schemas.microsoft.com/office/infopath/2007/PartnerControls">
+  <documentManagement/>
+</p:properties>
 </file>
 
 <file path=customXml/item3.xml><?xml version="1.0" encoding="utf-8"?>
@@ -13442,6 +13442,14 @@
 </file>
 
 <file path=customXml/itemProps1.xml><?xml version="1.0" encoding="utf-8"?>
+<ds:datastoreItem xmlns:ds="http://schemas.openxmlformats.org/officeDocument/2006/customXml" ds:itemID="{76EE102A-C587-47D4-980D-6EF803504572}">
+  <ds:schemaRefs>
+    <ds:schemaRef ds:uri="http://schemas.microsoft.com/sharepoint/v3/contenttype/forms"/>
+  </ds:schemaRefs>
+</ds:datastoreItem>
+</file>
+
+<file path=customXml/itemProps2.xml><?xml version="1.0" encoding="utf-8"?>
 <ds:datastoreItem xmlns:ds="http://schemas.openxmlformats.org/officeDocument/2006/customXml" ds:itemID="{05E380B0-3793-4519-A034-114F335A5299}">
   <ds:schemaRefs>
     <ds:schemaRef ds:uri="http://purl.org/dc/dcmitype/"/>
@@ -13453,14 +13461,6 @@
     <ds:schemaRef ds:uri="http://purl.org/dc/elements/1.1/"/>
     <ds:schemaRef ds:uri="http://schemas.microsoft.com/office/infopath/2007/PartnerControls"/>
     <ds:schemaRef ds:uri="http://www.w3.org/XML/1998/namespace"/>
-  </ds:schemaRefs>
-</ds:datastoreItem>
-</file>
-
-<file path=customXml/itemProps2.xml><?xml version="1.0" encoding="utf-8"?>
-<ds:datastoreItem xmlns:ds="http://schemas.openxmlformats.org/officeDocument/2006/customXml" ds:itemID="{76EE102A-C587-47D4-980D-6EF803504572}">
-  <ds:schemaRefs>
-    <ds:schemaRef ds:uri="http://schemas.microsoft.com/sharepoint/v3/contenttype/forms"/>
   </ds:schemaRefs>
 </ds:datastoreItem>
 </file>
